--- a/Prezentacje i Harmonogram/PT_prezentacja3.pptx
+++ b/Prezentacje i Harmonogram/PT_prezentacja3.pptx
@@ -1,25 +1,121 @@
 
 <file path=ppt/presentation.xml><?xml version="1.0" encoding="utf-8"?>
-<p:presentation xmlns:a="http://schemas.openxmlformats.org/drawingml/2006/main" xmlns:p="http://schemas.openxmlformats.org/presentationml/2006/main" xmlns:r="http://schemas.openxmlformats.org/officeDocument/2006/relationships" xmlns:p14="http://schemas.microsoft.com/office/powerpoint/2010/main" xmlns:p15="http://schemas.microsoft.com/office/powerpoint/2012/main" xmlns:mc="http://schemas.openxmlformats.org/markup-compatibility/2006">
+<p:presentation xmlns:a="http://schemas.openxmlformats.org/drawingml/2006/main" xmlns:r="http://schemas.openxmlformats.org/officeDocument/2006/relationships" xmlns:p="http://schemas.openxmlformats.org/presentationml/2006/main">
   <p:sldMasterIdLst>
-    <p:sldMasterId id="2147483648" r:id="rId2"/>
-    <p:sldMasterId id="2147483661" r:id="rId3"/>
-    <p:sldMasterId id="2147483674" r:id="rId4"/>
+    <p:sldMasterId id="2147483648" r:id="rId1"/>
+    <p:sldMasterId id="2147483661" r:id="rId2"/>
+    <p:sldMasterId id="2147483674" r:id="rId3"/>
   </p:sldMasterIdLst>
   <p:sldIdLst>
-    <p:sldId id="256" r:id="rId5"/>
-    <p:sldId id="257" r:id="rId6"/>
-    <p:sldId id="258" r:id="rId7"/>
-    <p:sldId id="259" r:id="rId8"/>
+    <p:sldId id="256" r:id="rId4"/>
+    <p:sldId id="257" r:id="rId5"/>
+    <p:sldId id="258" r:id="rId6"/>
+    <p:sldId id="259" r:id="rId7"/>
+    <p:sldId id="261" r:id="rId8"/>
     <p:sldId id="260" r:id="rId9"/>
   </p:sldIdLst>
-  <p:sldSz cx="9144000" cy="6858000"/>
-  <p:notesSz cx="7559675" cy="10691812"/>
+  <p:sldSz cx="9144000" cy="6858000" type="screen4x3"/>
+  <p:notesSz cx="7559675" cy="10691813"/>
+  <p:defaultTextStyle>
+    <a:defPPr>
+      <a:defRPr lang="pl-PL"/>
+    </a:defPPr>
+    <a:lvl1pPr marL="0" algn="l" defTabSz="914400" rtl="0" eaLnBrk="1" latinLnBrk="0" hangingPunct="1">
+      <a:defRPr sz="1800" kern="1200">
+        <a:solidFill>
+          <a:schemeClr val="tx1"/>
+        </a:solidFill>
+        <a:latin typeface="+mn-lt"/>
+        <a:ea typeface="+mn-ea"/>
+        <a:cs typeface="+mn-cs"/>
+      </a:defRPr>
+    </a:lvl1pPr>
+    <a:lvl2pPr marL="457200" algn="l" defTabSz="914400" rtl="0" eaLnBrk="1" latinLnBrk="0" hangingPunct="1">
+      <a:defRPr sz="1800" kern="1200">
+        <a:solidFill>
+          <a:schemeClr val="tx1"/>
+        </a:solidFill>
+        <a:latin typeface="+mn-lt"/>
+        <a:ea typeface="+mn-ea"/>
+        <a:cs typeface="+mn-cs"/>
+      </a:defRPr>
+    </a:lvl2pPr>
+    <a:lvl3pPr marL="914400" algn="l" defTabSz="914400" rtl="0" eaLnBrk="1" latinLnBrk="0" hangingPunct="1">
+      <a:defRPr sz="1800" kern="1200">
+        <a:solidFill>
+          <a:schemeClr val="tx1"/>
+        </a:solidFill>
+        <a:latin typeface="+mn-lt"/>
+        <a:ea typeface="+mn-ea"/>
+        <a:cs typeface="+mn-cs"/>
+      </a:defRPr>
+    </a:lvl3pPr>
+    <a:lvl4pPr marL="1371600" algn="l" defTabSz="914400" rtl="0" eaLnBrk="1" latinLnBrk="0" hangingPunct="1">
+      <a:defRPr sz="1800" kern="1200">
+        <a:solidFill>
+          <a:schemeClr val="tx1"/>
+        </a:solidFill>
+        <a:latin typeface="+mn-lt"/>
+        <a:ea typeface="+mn-ea"/>
+        <a:cs typeface="+mn-cs"/>
+      </a:defRPr>
+    </a:lvl4pPr>
+    <a:lvl5pPr marL="1828800" algn="l" defTabSz="914400" rtl="0" eaLnBrk="1" latinLnBrk="0" hangingPunct="1">
+      <a:defRPr sz="1800" kern="1200">
+        <a:solidFill>
+          <a:schemeClr val="tx1"/>
+        </a:solidFill>
+        <a:latin typeface="+mn-lt"/>
+        <a:ea typeface="+mn-ea"/>
+        <a:cs typeface="+mn-cs"/>
+      </a:defRPr>
+    </a:lvl5pPr>
+    <a:lvl6pPr marL="2286000" algn="l" defTabSz="914400" rtl="0" eaLnBrk="1" latinLnBrk="0" hangingPunct="1">
+      <a:defRPr sz="1800" kern="1200">
+        <a:solidFill>
+          <a:schemeClr val="tx1"/>
+        </a:solidFill>
+        <a:latin typeface="+mn-lt"/>
+        <a:ea typeface="+mn-ea"/>
+        <a:cs typeface="+mn-cs"/>
+      </a:defRPr>
+    </a:lvl6pPr>
+    <a:lvl7pPr marL="2743200" algn="l" defTabSz="914400" rtl="0" eaLnBrk="1" latinLnBrk="0" hangingPunct="1">
+      <a:defRPr sz="1800" kern="1200">
+        <a:solidFill>
+          <a:schemeClr val="tx1"/>
+        </a:solidFill>
+        <a:latin typeface="+mn-lt"/>
+        <a:ea typeface="+mn-ea"/>
+        <a:cs typeface="+mn-cs"/>
+      </a:defRPr>
+    </a:lvl7pPr>
+    <a:lvl8pPr marL="3200400" algn="l" defTabSz="914400" rtl="0" eaLnBrk="1" latinLnBrk="0" hangingPunct="1">
+      <a:defRPr sz="1800" kern="1200">
+        <a:solidFill>
+          <a:schemeClr val="tx1"/>
+        </a:solidFill>
+        <a:latin typeface="+mn-lt"/>
+        <a:ea typeface="+mn-ea"/>
+        <a:cs typeface="+mn-cs"/>
+      </a:defRPr>
+    </a:lvl8pPr>
+    <a:lvl9pPr marL="3657600" algn="l" defTabSz="914400" rtl="0" eaLnBrk="1" latinLnBrk="0" hangingPunct="1">
+      <a:defRPr sz="1800" kern="1200">
+        <a:solidFill>
+          <a:schemeClr val="tx1"/>
+        </a:solidFill>
+        <a:latin typeface="+mn-lt"/>
+        <a:ea typeface="+mn-ea"/>
+        <a:cs typeface="+mn-cs"/>
+      </a:defRPr>
+    </a:lvl9pPr>
+  </p:defaultTextStyle>
 </p:presentation>
 </file>
 
 <file path=ppt/slideLayouts/slideLayout1.xml><?xml version="1.0" encoding="utf-8"?>
-<p:sldLayout xmlns:a="http://schemas.openxmlformats.org/drawingml/2006/main" xmlns:p="http://schemas.openxmlformats.org/presentationml/2006/main" xmlns:r="http://schemas.openxmlformats.org/officeDocument/2006/relationships" xmlns:p14="http://schemas.microsoft.com/office/powerpoint/2010/main" xmlns:p15="http://schemas.microsoft.com/office/powerpoint/2012/main" xmlns:mc="http://schemas.openxmlformats.org/markup-compatibility/2006" type="blank" preserve="1">
+<p:sldLayout xmlns:a="http://schemas.openxmlformats.org/drawingml/2006/main" xmlns:r="http://schemas.openxmlformats.org/officeDocument/2006/relationships" xmlns:p="http://schemas.openxmlformats.org/presentationml/2006/main" type="blank" preserve="1">
   <p:cSld name="Blank Slide">
     <p:spTree>
       <p:nvGrpSpPr>
@@ -37,11 +133,14 @@
       </p:grpSpPr>
     </p:spTree>
   </p:cSld>
+  <p:clrMapOvr>
+    <a:masterClrMapping/>
+  </p:clrMapOvr>
 </p:sldLayout>
 </file>
 
 <file path=ppt/slideLayouts/slideLayout10.xml><?xml version="1.0" encoding="utf-8"?>
-<p:sldLayout xmlns:a="http://schemas.openxmlformats.org/drawingml/2006/main" xmlns:p="http://schemas.openxmlformats.org/presentationml/2006/main" xmlns:r="http://schemas.openxmlformats.org/officeDocument/2006/relationships" xmlns:p14="http://schemas.microsoft.com/office/powerpoint/2010/main" xmlns:p15="http://schemas.microsoft.com/office/powerpoint/2012/main" xmlns:mc="http://schemas.openxmlformats.org/markup-compatibility/2006" type="objOverTx" preserve="1">
+<p:sldLayout xmlns:a="http://schemas.openxmlformats.org/drawingml/2006/main" xmlns:r="http://schemas.openxmlformats.org/officeDocument/2006/relationships" xmlns:p="http://schemas.openxmlformats.org/presentationml/2006/main" type="objOverTx" preserve="1">
   <p:cSld name="Title, Content over Content">
     <p:spTree>
       <p:nvGrpSpPr>
@@ -77,15 +176,16 @@
           </a:prstGeom>
         </p:spPr>
         <p:txBody>
-          <a:bodyPr lIns="0" rIns="0" tIns="0" bIns="0" anchor="ctr"/>
-          <a:p>
-            <a:endParaRPr b="0" lang="pl-PL" sz="1800" spc="-1" strike="noStrike">
-              <a:solidFill>
-                <a:srgbClr val="000000"/>
-              </a:solidFill>
-              <a:uFill>
-                <a:solidFill>
-                  <a:srgbClr val="ffffff"/>
+          <a:bodyPr lIns="0" tIns="0" rIns="0" bIns="0" anchor="ctr"/>
+          <a:lstStyle/>
+          <a:p>
+            <a:endParaRPr lang="pl-PL" sz="1800" b="0" strike="noStrike" spc="-1">
+              <a:solidFill>
+                <a:srgbClr val="000000"/>
+              </a:solidFill>
+              <a:uFill>
+                <a:solidFill>
+                  <a:srgbClr val="FFFFFF"/>
                 </a:solidFill>
               </a:uFill>
               <a:latin typeface="Arial"/>
@@ -113,15 +213,16 @@
           </a:prstGeom>
         </p:spPr>
         <p:txBody>
-          <a:bodyPr lIns="0" rIns="0" tIns="0" bIns="0"/>
-          <a:p>
-            <a:endParaRPr b="0" lang="pl-PL" sz="1800" spc="-1" strike="noStrike">
-              <a:solidFill>
-                <a:srgbClr val="000000"/>
-              </a:solidFill>
-              <a:uFill>
-                <a:solidFill>
-                  <a:srgbClr val="ffffff"/>
+          <a:bodyPr lIns="0" tIns="0" rIns="0" bIns="0"/>
+          <a:lstStyle/>
+          <a:p>
+            <a:endParaRPr lang="pl-PL" sz="1800" b="0" strike="noStrike" spc="-1">
+              <a:solidFill>
+                <a:srgbClr val="000000"/>
+              </a:solidFill>
+              <a:uFill>
+                <a:solidFill>
+                  <a:srgbClr val="FFFFFF"/>
                 </a:solidFill>
               </a:uFill>
               <a:latin typeface="Arial"/>
@@ -149,15 +250,16 @@
           </a:prstGeom>
         </p:spPr>
         <p:txBody>
-          <a:bodyPr lIns="0" rIns="0" tIns="0" bIns="0"/>
-          <a:p>
-            <a:endParaRPr b="0" lang="pl-PL" sz="1800" spc="-1" strike="noStrike">
-              <a:solidFill>
-                <a:srgbClr val="000000"/>
-              </a:solidFill>
-              <a:uFill>
-                <a:solidFill>
-                  <a:srgbClr val="ffffff"/>
+          <a:bodyPr lIns="0" tIns="0" rIns="0" bIns="0"/>
+          <a:lstStyle/>
+          <a:p>
+            <a:endParaRPr lang="pl-PL" sz="1800" b="0" strike="noStrike" spc="-1">
+              <a:solidFill>
+                <a:srgbClr val="000000"/>
+              </a:solidFill>
+              <a:uFill>
+                <a:solidFill>
+                  <a:srgbClr val="FFFFFF"/>
                 </a:solidFill>
               </a:uFill>
               <a:latin typeface="Arial"/>
@@ -167,11 +269,14 @@
       </p:sp>
     </p:spTree>
   </p:cSld>
+  <p:clrMapOvr>
+    <a:masterClrMapping/>
+  </p:clrMapOvr>
 </p:sldLayout>
 </file>
 
 <file path=ppt/slideLayouts/slideLayout11.xml><?xml version="1.0" encoding="utf-8"?>
-<p:sldLayout xmlns:a="http://schemas.openxmlformats.org/drawingml/2006/main" xmlns:p="http://schemas.openxmlformats.org/presentationml/2006/main" xmlns:r="http://schemas.openxmlformats.org/officeDocument/2006/relationships" xmlns:p14="http://schemas.microsoft.com/office/powerpoint/2010/main" xmlns:p15="http://schemas.microsoft.com/office/powerpoint/2012/main" xmlns:mc="http://schemas.openxmlformats.org/markup-compatibility/2006" type="fourObj" preserve="1">
+<p:sldLayout xmlns:a="http://schemas.openxmlformats.org/drawingml/2006/main" xmlns:r="http://schemas.openxmlformats.org/officeDocument/2006/relationships" xmlns:p="http://schemas.openxmlformats.org/presentationml/2006/main" type="fourObj" preserve="1">
   <p:cSld name="Title, 4 Content">
     <p:spTree>
       <p:nvGrpSpPr>
@@ -207,15 +312,16 @@
           </a:prstGeom>
         </p:spPr>
         <p:txBody>
-          <a:bodyPr lIns="0" rIns="0" tIns="0" bIns="0" anchor="ctr"/>
-          <a:p>
-            <a:endParaRPr b="0" lang="pl-PL" sz="1800" spc="-1" strike="noStrike">
-              <a:solidFill>
-                <a:srgbClr val="000000"/>
-              </a:solidFill>
-              <a:uFill>
-                <a:solidFill>
-                  <a:srgbClr val="ffffff"/>
+          <a:bodyPr lIns="0" tIns="0" rIns="0" bIns="0" anchor="ctr"/>
+          <a:lstStyle/>
+          <a:p>
+            <a:endParaRPr lang="pl-PL" sz="1800" b="0" strike="noStrike" spc="-1">
+              <a:solidFill>
+                <a:srgbClr val="000000"/>
+              </a:solidFill>
+              <a:uFill>
+                <a:solidFill>
+                  <a:srgbClr val="FFFFFF"/>
                 </a:solidFill>
               </a:uFill>
               <a:latin typeface="Arial"/>
@@ -243,15 +349,16 @@
           </a:prstGeom>
         </p:spPr>
         <p:txBody>
-          <a:bodyPr lIns="0" rIns="0" tIns="0" bIns="0"/>
-          <a:p>
-            <a:endParaRPr b="0" lang="pl-PL" sz="1800" spc="-1" strike="noStrike">
-              <a:solidFill>
-                <a:srgbClr val="000000"/>
-              </a:solidFill>
-              <a:uFill>
-                <a:solidFill>
-                  <a:srgbClr val="ffffff"/>
+          <a:bodyPr lIns="0" tIns="0" rIns="0" bIns="0"/>
+          <a:lstStyle/>
+          <a:p>
+            <a:endParaRPr lang="pl-PL" sz="1800" b="0" strike="noStrike" spc="-1">
+              <a:solidFill>
+                <a:srgbClr val="000000"/>
+              </a:solidFill>
+              <a:uFill>
+                <a:solidFill>
+                  <a:srgbClr val="FFFFFF"/>
                 </a:solidFill>
               </a:uFill>
               <a:latin typeface="Arial"/>
@@ -279,15 +386,16 @@
           </a:prstGeom>
         </p:spPr>
         <p:txBody>
-          <a:bodyPr lIns="0" rIns="0" tIns="0" bIns="0"/>
-          <a:p>
-            <a:endParaRPr b="0" lang="pl-PL" sz="1800" spc="-1" strike="noStrike">
-              <a:solidFill>
-                <a:srgbClr val="000000"/>
-              </a:solidFill>
-              <a:uFill>
-                <a:solidFill>
-                  <a:srgbClr val="ffffff"/>
+          <a:bodyPr lIns="0" tIns="0" rIns="0" bIns="0"/>
+          <a:lstStyle/>
+          <a:p>
+            <a:endParaRPr lang="pl-PL" sz="1800" b="0" strike="noStrike" spc="-1">
+              <a:solidFill>
+                <a:srgbClr val="000000"/>
+              </a:solidFill>
+              <a:uFill>
+                <a:solidFill>
+                  <a:srgbClr val="FFFFFF"/>
                 </a:solidFill>
               </a:uFill>
               <a:latin typeface="Arial"/>
@@ -315,15 +423,16 @@
           </a:prstGeom>
         </p:spPr>
         <p:txBody>
-          <a:bodyPr lIns="0" rIns="0" tIns="0" bIns="0"/>
-          <a:p>
-            <a:endParaRPr b="0" lang="pl-PL" sz="1800" spc="-1" strike="noStrike">
-              <a:solidFill>
-                <a:srgbClr val="000000"/>
-              </a:solidFill>
-              <a:uFill>
-                <a:solidFill>
-                  <a:srgbClr val="ffffff"/>
+          <a:bodyPr lIns="0" tIns="0" rIns="0" bIns="0"/>
+          <a:lstStyle/>
+          <a:p>
+            <a:endParaRPr lang="pl-PL" sz="1800" b="0" strike="noStrike" spc="-1">
+              <a:solidFill>
+                <a:srgbClr val="000000"/>
+              </a:solidFill>
+              <a:uFill>
+                <a:solidFill>
+                  <a:srgbClr val="FFFFFF"/>
                 </a:solidFill>
               </a:uFill>
               <a:latin typeface="Arial"/>
@@ -351,15 +460,16 @@
           </a:prstGeom>
         </p:spPr>
         <p:txBody>
-          <a:bodyPr lIns="0" rIns="0" tIns="0" bIns="0"/>
-          <a:p>
-            <a:endParaRPr b="0" lang="pl-PL" sz="1800" spc="-1" strike="noStrike">
-              <a:solidFill>
-                <a:srgbClr val="000000"/>
-              </a:solidFill>
-              <a:uFill>
-                <a:solidFill>
-                  <a:srgbClr val="ffffff"/>
+          <a:bodyPr lIns="0" tIns="0" rIns="0" bIns="0"/>
+          <a:lstStyle/>
+          <a:p>
+            <a:endParaRPr lang="pl-PL" sz="1800" b="0" strike="noStrike" spc="-1">
+              <a:solidFill>
+                <a:srgbClr val="000000"/>
+              </a:solidFill>
+              <a:uFill>
+                <a:solidFill>
+                  <a:srgbClr val="FFFFFF"/>
                 </a:solidFill>
               </a:uFill>
               <a:latin typeface="Arial"/>
@@ -369,11 +479,14 @@
       </p:sp>
     </p:spTree>
   </p:cSld>
+  <p:clrMapOvr>
+    <a:masterClrMapping/>
+  </p:clrMapOvr>
 </p:sldLayout>
 </file>
 
 <file path=ppt/slideLayouts/slideLayout12.xml><?xml version="1.0" encoding="utf-8"?>
-<p:sldLayout xmlns:a="http://schemas.openxmlformats.org/drawingml/2006/main" xmlns:p="http://schemas.openxmlformats.org/presentationml/2006/main" xmlns:r="http://schemas.openxmlformats.org/officeDocument/2006/relationships" xmlns:p14="http://schemas.microsoft.com/office/powerpoint/2010/main" xmlns:p15="http://schemas.microsoft.com/office/powerpoint/2012/main" xmlns:mc="http://schemas.openxmlformats.org/markup-compatibility/2006" type="blank" preserve="1">
+<p:sldLayout xmlns:a="http://schemas.openxmlformats.org/drawingml/2006/main" xmlns:r="http://schemas.openxmlformats.org/officeDocument/2006/relationships" xmlns:p="http://schemas.openxmlformats.org/presentationml/2006/main" type="blank" preserve="1">
   <p:cSld name="Title, 6 Content">
     <p:spTree>
       <p:nvGrpSpPr>
@@ -409,15 +522,16 @@
           </a:prstGeom>
         </p:spPr>
         <p:txBody>
-          <a:bodyPr lIns="0" rIns="0" tIns="0" bIns="0" anchor="ctr"/>
-          <a:p>
-            <a:endParaRPr b="0" lang="pl-PL" sz="1800" spc="-1" strike="noStrike">
-              <a:solidFill>
-                <a:srgbClr val="000000"/>
-              </a:solidFill>
-              <a:uFill>
-                <a:solidFill>
-                  <a:srgbClr val="ffffff"/>
+          <a:bodyPr lIns="0" tIns="0" rIns="0" bIns="0" anchor="ctr"/>
+          <a:lstStyle/>
+          <a:p>
+            <a:endParaRPr lang="pl-PL" sz="1800" b="0" strike="noStrike" spc="-1">
+              <a:solidFill>
+                <a:srgbClr val="000000"/>
+              </a:solidFill>
+              <a:uFill>
+                <a:solidFill>
+                  <a:srgbClr val="FFFFFF"/>
                 </a:solidFill>
               </a:uFill>
               <a:latin typeface="Arial"/>
@@ -445,15 +559,16 @@
           </a:prstGeom>
         </p:spPr>
         <p:txBody>
-          <a:bodyPr lIns="0" rIns="0" tIns="0" bIns="0"/>
-          <a:p>
-            <a:endParaRPr b="0" lang="pl-PL" sz="1800" spc="-1" strike="noStrike">
-              <a:solidFill>
-                <a:srgbClr val="000000"/>
-              </a:solidFill>
-              <a:uFill>
-                <a:solidFill>
-                  <a:srgbClr val="ffffff"/>
+          <a:bodyPr lIns="0" tIns="0" rIns="0" bIns="0"/>
+          <a:lstStyle/>
+          <a:p>
+            <a:endParaRPr lang="pl-PL" sz="1800" b="0" strike="noStrike" spc="-1">
+              <a:solidFill>
+                <a:srgbClr val="000000"/>
+              </a:solidFill>
+              <a:uFill>
+                <a:solidFill>
+                  <a:srgbClr val="FFFFFF"/>
                 </a:solidFill>
               </a:uFill>
               <a:latin typeface="Arial"/>
@@ -481,15 +596,16 @@
           </a:prstGeom>
         </p:spPr>
         <p:txBody>
-          <a:bodyPr lIns="0" rIns="0" tIns="0" bIns="0"/>
-          <a:p>
-            <a:endParaRPr b="0" lang="pl-PL" sz="1800" spc="-1" strike="noStrike">
-              <a:solidFill>
-                <a:srgbClr val="000000"/>
-              </a:solidFill>
-              <a:uFill>
-                <a:solidFill>
-                  <a:srgbClr val="ffffff"/>
+          <a:bodyPr lIns="0" tIns="0" rIns="0" bIns="0"/>
+          <a:lstStyle/>
+          <a:p>
+            <a:endParaRPr lang="pl-PL" sz="1800" b="0" strike="noStrike" spc="-1">
+              <a:solidFill>
+                <a:srgbClr val="000000"/>
+              </a:solidFill>
+              <a:uFill>
+                <a:solidFill>
+                  <a:srgbClr val="FFFFFF"/>
                 </a:solidFill>
               </a:uFill>
               <a:latin typeface="Arial"/>
@@ -499,7 +615,7 @@
       </p:sp>
       <p:pic>
         <p:nvPicPr>
-          <p:cNvPr id="34" name="" descr=""/>
+          <p:cNvPr id="34" name="Obraz 33"/>
           <p:cNvPicPr/>
           <p:nvPr/>
         </p:nvPicPr>
@@ -522,12 +638,12 @@
       </p:pic>
       <p:pic>
         <p:nvPicPr>
-          <p:cNvPr id="35" name="" descr=""/>
+          <p:cNvPr id="35" name="Obraz 34"/>
           <p:cNvPicPr/>
           <p:nvPr/>
         </p:nvPicPr>
         <p:blipFill>
-          <a:blip r:embed="rId3"/>
+          <a:blip r:embed="rId2"/>
           <a:stretch/>
         </p:blipFill>
         <p:spPr>
@@ -545,11 +661,14 @@
       </p:pic>
     </p:spTree>
   </p:cSld>
+  <p:clrMapOvr>
+    <a:masterClrMapping/>
+  </p:clrMapOvr>
 </p:sldLayout>
 </file>
 
 <file path=ppt/slideLayouts/slideLayout13.xml><?xml version="1.0" encoding="utf-8"?>
-<p:sldLayout xmlns:a="http://schemas.openxmlformats.org/drawingml/2006/main" xmlns:p="http://schemas.openxmlformats.org/presentationml/2006/main" xmlns:r="http://schemas.openxmlformats.org/officeDocument/2006/relationships" xmlns:p14="http://schemas.microsoft.com/office/powerpoint/2010/main" xmlns:p15="http://schemas.microsoft.com/office/powerpoint/2012/main" xmlns:mc="http://schemas.openxmlformats.org/markup-compatibility/2006" type="blank" preserve="1">
+<p:sldLayout xmlns:a="http://schemas.openxmlformats.org/drawingml/2006/main" xmlns:r="http://schemas.openxmlformats.org/officeDocument/2006/relationships" xmlns:p="http://schemas.openxmlformats.org/presentationml/2006/main" type="blank" preserve="1">
   <p:cSld name="Blank Slide">
     <p:spTree>
       <p:nvGrpSpPr>
@@ -567,11 +686,14 @@
       </p:grpSpPr>
     </p:spTree>
   </p:cSld>
+  <p:clrMapOvr>
+    <a:masterClrMapping/>
+  </p:clrMapOvr>
 </p:sldLayout>
 </file>
 
 <file path=ppt/slideLayouts/slideLayout14.xml><?xml version="1.0" encoding="utf-8"?>
-<p:sldLayout xmlns:a="http://schemas.openxmlformats.org/drawingml/2006/main" xmlns:p="http://schemas.openxmlformats.org/presentationml/2006/main" xmlns:r="http://schemas.openxmlformats.org/officeDocument/2006/relationships" xmlns:p14="http://schemas.microsoft.com/office/powerpoint/2010/main" xmlns:p15="http://schemas.microsoft.com/office/powerpoint/2012/main" xmlns:mc="http://schemas.openxmlformats.org/markup-compatibility/2006" type="tx" preserve="1">
+<p:sldLayout xmlns:a="http://schemas.openxmlformats.org/drawingml/2006/main" xmlns:r="http://schemas.openxmlformats.org/officeDocument/2006/relationships" xmlns:p="http://schemas.openxmlformats.org/presentationml/2006/main" type="tx" preserve="1">
   <p:cSld name="Title Slide">
     <p:spTree>
       <p:nvGrpSpPr>
@@ -607,15 +729,16 @@
           </a:prstGeom>
         </p:spPr>
         <p:txBody>
-          <a:bodyPr lIns="0" rIns="0" tIns="0" bIns="0" anchor="ctr"/>
-          <a:p>
-            <a:endParaRPr b="0" lang="pl-PL" sz="1800" spc="-1" strike="noStrike">
-              <a:solidFill>
-                <a:srgbClr val="000000"/>
-              </a:solidFill>
-              <a:uFill>
-                <a:solidFill>
-                  <a:srgbClr val="ffffff"/>
+          <a:bodyPr lIns="0" tIns="0" rIns="0" bIns="0" anchor="ctr"/>
+          <a:lstStyle/>
+          <a:p>
+            <a:endParaRPr lang="pl-PL" sz="1800" b="0" strike="noStrike" spc="-1">
+              <a:solidFill>
+                <a:srgbClr val="000000"/>
+              </a:solidFill>
+              <a:uFill>
+                <a:solidFill>
+                  <a:srgbClr val="FFFFFF"/>
                 </a:solidFill>
               </a:uFill>
               <a:latin typeface="Arial"/>
@@ -643,16 +766,17 @@
           </a:prstGeom>
         </p:spPr>
         <p:txBody>
-          <a:bodyPr lIns="0" rIns="0" tIns="0" bIns="0" anchor="ctr"/>
+          <a:bodyPr lIns="0" tIns="0" rIns="0" bIns="0" anchor="ctr"/>
+          <a:lstStyle/>
           <a:p>
             <a:pPr algn="ctr"/>
-            <a:endParaRPr b="0" lang="pl-PL" sz="3200" spc="-1" strike="noStrike">
-              <a:solidFill>
-                <a:srgbClr val="000000"/>
-              </a:solidFill>
-              <a:uFill>
-                <a:solidFill>
-                  <a:srgbClr val="ffffff"/>
+            <a:endParaRPr lang="pl-PL" sz="3200" b="0" strike="noStrike" spc="-1">
+              <a:solidFill>
+                <a:srgbClr val="000000"/>
+              </a:solidFill>
+              <a:uFill>
+                <a:solidFill>
+                  <a:srgbClr val="FFFFFF"/>
                 </a:solidFill>
               </a:uFill>
               <a:latin typeface="Arial"/>
@@ -662,11 +786,14 @@
       </p:sp>
     </p:spTree>
   </p:cSld>
+  <p:clrMapOvr>
+    <a:masterClrMapping/>
+  </p:clrMapOvr>
 </p:sldLayout>
 </file>
 
 <file path=ppt/slideLayouts/slideLayout15.xml><?xml version="1.0" encoding="utf-8"?>
-<p:sldLayout xmlns:a="http://schemas.openxmlformats.org/drawingml/2006/main" xmlns:p="http://schemas.openxmlformats.org/presentationml/2006/main" xmlns:r="http://schemas.openxmlformats.org/officeDocument/2006/relationships" xmlns:p14="http://schemas.microsoft.com/office/powerpoint/2010/main" xmlns:p15="http://schemas.microsoft.com/office/powerpoint/2012/main" xmlns:mc="http://schemas.openxmlformats.org/markup-compatibility/2006" type="obj" preserve="1">
+<p:sldLayout xmlns:a="http://schemas.openxmlformats.org/drawingml/2006/main" xmlns:r="http://schemas.openxmlformats.org/officeDocument/2006/relationships" xmlns:p="http://schemas.openxmlformats.org/presentationml/2006/main" type="obj" preserve="1">
   <p:cSld name="Title, Content">
     <p:spTree>
       <p:nvGrpSpPr>
@@ -702,15 +829,16 @@
           </a:prstGeom>
         </p:spPr>
         <p:txBody>
-          <a:bodyPr lIns="0" rIns="0" tIns="0" bIns="0" anchor="ctr"/>
-          <a:p>
-            <a:endParaRPr b="0" lang="pl-PL" sz="1800" spc="-1" strike="noStrike">
-              <a:solidFill>
-                <a:srgbClr val="000000"/>
-              </a:solidFill>
-              <a:uFill>
-                <a:solidFill>
-                  <a:srgbClr val="ffffff"/>
+          <a:bodyPr lIns="0" tIns="0" rIns="0" bIns="0" anchor="ctr"/>
+          <a:lstStyle/>
+          <a:p>
+            <a:endParaRPr lang="pl-PL" sz="1800" b="0" strike="noStrike" spc="-1">
+              <a:solidFill>
+                <a:srgbClr val="000000"/>
+              </a:solidFill>
+              <a:uFill>
+                <a:solidFill>
+                  <a:srgbClr val="FFFFFF"/>
                 </a:solidFill>
               </a:uFill>
               <a:latin typeface="Arial"/>
@@ -738,15 +866,16 @@
           </a:prstGeom>
         </p:spPr>
         <p:txBody>
-          <a:bodyPr lIns="0" rIns="0" tIns="0" bIns="0"/>
-          <a:p>
-            <a:endParaRPr b="0" lang="pl-PL" sz="1800" spc="-1" strike="noStrike">
-              <a:solidFill>
-                <a:srgbClr val="000000"/>
-              </a:solidFill>
-              <a:uFill>
-                <a:solidFill>
-                  <a:srgbClr val="ffffff"/>
+          <a:bodyPr lIns="0" tIns="0" rIns="0" bIns="0"/>
+          <a:lstStyle/>
+          <a:p>
+            <a:endParaRPr lang="pl-PL" sz="1800" b="0" strike="noStrike" spc="-1">
+              <a:solidFill>
+                <a:srgbClr val="000000"/>
+              </a:solidFill>
+              <a:uFill>
+                <a:solidFill>
+                  <a:srgbClr val="FFFFFF"/>
                 </a:solidFill>
               </a:uFill>
               <a:latin typeface="Arial"/>
@@ -756,11 +885,14 @@
       </p:sp>
     </p:spTree>
   </p:cSld>
+  <p:clrMapOvr>
+    <a:masterClrMapping/>
+  </p:clrMapOvr>
 </p:sldLayout>
 </file>
 
 <file path=ppt/slideLayouts/slideLayout16.xml><?xml version="1.0" encoding="utf-8"?>
-<p:sldLayout xmlns:a="http://schemas.openxmlformats.org/drawingml/2006/main" xmlns:p="http://schemas.openxmlformats.org/presentationml/2006/main" xmlns:r="http://schemas.openxmlformats.org/officeDocument/2006/relationships" xmlns:p14="http://schemas.microsoft.com/office/powerpoint/2010/main" xmlns:p15="http://schemas.microsoft.com/office/powerpoint/2012/main" xmlns:mc="http://schemas.openxmlformats.org/markup-compatibility/2006" type="twoObj" preserve="1">
+<p:sldLayout xmlns:a="http://schemas.openxmlformats.org/drawingml/2006/main" xmlns:r="http://schemas.openxmlformats.org/officeDocument/2006/relationships" xmlns:p="http://schemas.openxmlformats.org/presentationml/2006/main" type="twoObj" preserve="1">
   <p:cSld name="Title, 2 Content">
     <p:spTree>
       <p:nvGrpSpPr>
@@ -796,15 +928,16 @@
           </a:prstGeom>
         </p:spPr>
         <p:txBody>
-          <a:bodyPr lIns="0" rIns="0" tIns="0" bIns="0" anchor="ctr"/>
-          <a:p>
-            <a:endParaRPr b="0" lang="pl-PL" sz="1800" spc="-1" strike="noStrike">
-              <a:solidFill>
-                <a:srgbClr val="000000"/>
-              </a:solidFill>
-              <a:uFill>
-                <a:solidFill>
-                  <a:srgbClr val="ffffff"/>
+          <a:bodyPr lIns="0" tIns="0" rIns="0" bIns="0" anchor="ctr"/>
+          <a:lstStyle/>
+          <a:p>
+            <a:endParaRPr lang="pl-PL" sz="1800" b="0" strike="noStrike" spc="-1">
+              <a:solidFill>
+                <a:srgbClr val="000000"/>
+              </a:solidFill>
+              <a:uFill>
+                <a:solidFill>
+                  <a:srgbClr val="FFFFFF"/>
                 </a:solidFill>
               </a:uFill>
               <a:latin typeface="Arial"/>
@@ -832,15 +965,16 @@
           </a:prstGeom>
         </p:spPr>
         <p:txBody>
-          <a:bodyPr lIns="0" rIns="0" tIns="0" bIns="0"/>
-          <a:p>
-            <a:endParaRPr b="0" lang="pl-PL" sz="1800" spc="-1" strike="noStrike">
-              <a:solidFill>
-                <a:srgbClr val="000000"/>
-              </a:solidFill>
-              <a:uFill>
-                <a:solidFill>
-                  <a:srgbClr val="ffffff"/>
+          <a:bodyPr lIns="0" tIns="0" rIns="0" bIns="0"/>
+          <a:lstStyle/>
+          <a:p>
+            <a:endParaRPr lang="pl-PL" sz="1800" b="0" strike="noStrike" spc="-1">
+              <a:solidFill>
+                <a:srgbClr val="000000"/>
+              </a:solidFill>
+              <a:uFill>
+                <a:solidFill>
+                  <a:srgbClr val="FFFFFF"/>
                 </a:solidFill>
               </a:uFill>
               <a:latin typeface="Arial"/>
@@ -868,15 +1002,16 @@
           </a:prstGeom>
         </p:spPr>
         <p:txBody>
-          <a:bodyPr lIns="0" rIns="0" tIns="0" bIns="0"/>
-          <a:p>
-            <a:endParaRPr b="0" lang="pl-PL" sz="1800" spc="-1" strike="noStrike">
-              <a:solidFill>
-                <a:srgbClr val="000000"/>
-              </a:solidFill>
-              <a:uFill>
-                <a:solidFill>
-                  <a:srgbClr val="ffffff"/>
+          <a:bodyPr lIns="0" tIns="0" rIns="0" bIns="0"/>
+          <a:lstStyle/>
+          <a:p>
+            <a:endParaRPr lang="pl-PL" sz="1800" b="0" strike="noStrike" spc="-1">
+              <a:solidFill>
+                <a:srgbClr val="000000"/>
+              </a:solidFill>
+              <a:uFill>
+                <a:solidFill>
+                  <a:srgbClr val="FFFFFF"/>
                 </a:solidFill>
               </a:uFill>
               <a:latin typeface="Arial"/>
@@ -886,11 +1021,14 @@
       </p:sp>
     </p:spTree>
   </p:cSld>
+  <p:clrMapOvr>
+    <a:masterClrMapping/>
+  </p:clrMapOvr>
 </p:sldLayout>
 </file>
 
 <file path=ppt/slideLayouts/slideLayout17.xml><?xml version="1.0" encoding="utf-8"?>
-<p:sldLayout xmlns:a="http://schemas.openxmlformats.org/drawingml/2006/main" xmlns:p="http://schemas.openxmlformats.org/presentationml/2006/main" xmlns:r="http://schemas.openxmlformats.org/officeDocument/2006/relationships" xmlns:p14="http://schemas.microsoft.com/office/powerpoint/2010/main" xmlns:p15="http://schemas.microsoft.com/office/powerpoint/2012/main" xmlns:mc="http://schemas.openxmlformats.org/markup-compatibility/2006" type="titleOnly" preserve="1">
+<p:sldLayout xmlns:a="http://schemas.openxmlformats.org/drawingml/2006/main" xmlns:r="http://schemas.openxmlformats.org/officeDocument/2006/relationships" xmlns:p="http://schemas.openxmlformats.org/presentationml/2006/main" type="titleOnly" preserve="1">
   <p:cSld name="Title Only">
     <p:spTree>
       <p:nvGrpSpPr>
@@ -926,15 +1064,16 @@
           </a:prstGeom>
         </p:spPr>
         <p:txBody>
-          <a:bodyPr lIns="0" rIns="0" tIns="0" bIns="0" anchor="ctr"/>
-          <a:p>
-            <a:endParaRPr b="0" lang="pl-PL" sz="1800" spc="-1" strike="noStrike">
-              <a:solidFill>
-                <a:srgbClr val="000000"/>
-              </a:solidFill>
-              <a:uFill>
-                <a:solidFill>
-                  <a:srgbClr val="ffffff"/>
+          <a:bodyPr lIns="0" tIns="0" rIns="0" bIns="0" anchor="ctr"/>
+          <a:lstStyle/>
+          <a:p>
+            <a:endParaRPr lang="pl-PL" sz="1800" b="0" strike="noStrike" spc="-1">
+              <a:solidFill>
+                <a:srgbClr val="000000"/>
+              </a:solidFill>
+              <a:uFill>
+                <a:solidFill>
+                  <a:srgbClr val="FFFFFF"/>
                 </a:solidFill>
               </a:uFill>
               <a:latin typeface="Arial"/>
@@ -944,11 +1083,14 @@
       </p:sp>
     </p:spTree>
   </p:cSld>
+  <p:clrMapOvr>
+    <a:masterClrMapping/>
+  </p:clrMapOvr>
 </p:sldLayout>
 </file>
 
 <file path=ppt/slideLayouts/slideLayout18.xml><?xml version="1.0" encoding="utf-8"?>
-<p:sldLayout xmlns:a="http://schemas.openxmlformats.org/drawingml/2006/main" xmlns:p="http://schemas.openxmlformats.org/presentationml/2006/main" xmlns:r="http://schemas.openxmlformats.org/officeDocument/2006/relationships" xmlns:p14="http://schemas.microsoft.com/office/powerpoint/2010/main" xmlns:p15="http://schemas.microsoft.com/office/powerpoint/2012/main" xmlns:mc="http://schemas.openxmlformats.org/markup-compatibility/2006" type="objOnly" preserve="1">
+<p:sldLayout xmlns:a="http://schemas.openxmlformats.org/drawingml/2006/main" xmlns:r="http://schemas.openxmlformats.org/officeDocument/2006/relationships" xmlns:p="http://schemas.openxmlformats.org/presentationml/2006/main" type="objOnly" preserve="1">
   <p:cSld name="Centered Text">
     <p:spTree>
       <p:nvGrpSpPr>
@@ -984,16 +1126,17 @@
           </a:prstGeom>
         </p:spPr>
         <p:txBody>
-          <a:bodyPr lIns="0" rIns="0" tIns="0" bIns="0" anchor="ctr"/>
+          <a:bodyPr lIns="0" tIns="0" rIns="0" bIns="0" anchor="ctr"/>
+          <a:lstStyle/>
           <a:p>
             <a:pPr algn="ctr"/>
-            <a:endParaRPr b="0" lang="pl-PL" sz="3200" spc="-1" strike="noStrike">
-              <a:solidFill>
-                <a:srgbClr val="000000"/>
-              </a:solidFill>
-              <a:uFill>
-                <a:solidFill>
-                  <a:srgbClr val="ffffff"/>
+            <a:endParaRPr lang="pl-PL" sz="3200" b="0" strike="noStrike" spc="-1">
+              <a:solidFill>
+                <a:srgbClr val="000000"/>
+              </a:solidFill>
+              <a:uFill>
+                <a:solidFill>
+                  <a:srgbClr val="FFFFFF"/>
                 </a:solidFill>
               </a:uFill>
               <a:latin typeface="Arial"/>
@@ -1003,11 +1146,14 @@
       </p:sp>
     </p:spTree>
   </p:cSld>
+  <p:clrMapOvr>
+    <a:masterClrMapping/>
+  </p:clrMapOvr>
 </p:sldLayout>
 </file>
 
 <file path=ppt/slideLayouts/slideLayout19.xml><?xml version="1.0" encoding="utf-8"?>
-<p:sldLayout xmlns:a="http://schemas.openxmlformats.org/drawingml/2006/main" xmlns:p="http://schemas.openxmlformats.org/presentationml/2006/main" xmlns:r="http://schemas.openxmlformats.org/officeDocument/2006/relationships" xmlns:p14="http://schemas.microsoft.com/office/powerpoint/2010/main" xmlns:p15="http://schemas.microsoft.com/office/powerpoint/2012/main" xmlns:mc="http://schemas.openxmlformats.org/markup-compatibility/2006" type="twoObjAndObj" preserve="1">
+<p:sldLayout xmlns:a="http://schemas.openxmlformats.org/drawingml/2006/main" xmlns:r="http://schemas.openxmlformats.org/officeDocument/2006/relationships" xmlns:p="http://schemas.openxmlformats.org/presentationml/2006/main" type="twoObjAndObj" preserve="1">
   <p:cSld name="Title, 2 Content and Content">
     <p:spTree>
       <p:nvGrpSpPr>
@@ -1043,15 +1189,16 @@
           </a:prstGeom>
         </p:spPr>
         <p:txBody>
-          <a:bodyPr lIns="0" rIns="0" tIns="0" bIns="0" anchor="ctr"/>
-          <a:p>
-            <a:endParaRPr b="0" lang="pl-PL" sz="1800" spc="-1" strike="noStrike">
-              <a:solidFill>
-                <a:srgbClr val="000000"/>
-              </a:solidFill>
-              <a:uFill>
-                <a:solidFill>
-                  <a:srgbClr val="ffffff"/>
+          <a:bodyPr lIns="0" tIns="0" rIns="0" bIns="0" anchor="ctr"/>
+          <a:lstStyle/>
+          <a:p>
+            <a:endParaRPr lang="pl-PL" sz="1800" b="0" strike="noStrike" spc="-1">
+              <a:solidFill>
+                <a:srgbClr val="000000"/>
+              </a:solidFill>
+              <a:uFill>
+                <a:solidFill>
+                  <a:srgbClr val="FFFFFF"/>
                 </a:solidFill>
               </a:uFill>
               <a:latin typeface="Arial"/>
@@ -1079,15 +1226,16 @@
           </a:prstGeom>
         </p:spPr>
         <p:txBody>
-          <a:bodyPr lIns="0" rIns="0" tIns="0" bIns="0"/>
-          <a:p>
-            <a:endParaRPr b="0" lang="pl-PL" sz="1800" spc="-1" strike="noStrike">
-              <a:solidFill>
-                <a:srgbClr val="000000"/>
-              </a:solidFill>
-              <a:uFill>
-                <a:solidFill>
-                  <a:srgbClr val="ffffff"/>
+          <a:bodyPr lIns="0" tIns="0" rIns="0" bIns="0"/>
+          <a:lstStyle/>
+          <a:p>
+            <a:endParaRPr lang="pl-PL" sz="1800" b="0" strike="noStrike" spc="-1">
+              <a:solidFill>
+                <a:srgbClr val="000000"/>
+              </a:solidFill>
+              <a:uFill>
+                <a:solidFill>
+                  <a:srgbClr val="FFFFFF"/>
                 </a:solidFill>
               </a:uFill>
               <a:latin typeface="Arial"/>
@@ -1115,15 +1263,16 @@
           </a:prstGeom>
         </p:spPr>
         <p:txBody>
-          <a:bodyPr lIns="0" rIns="0" tIns="0" bIns="0"/>
-          <a:p>
-            <a:endParaRPr b="0" lang="pl-PL" sz="1800" spc="-1" strike="noStrike">
-              <a:solidFill>
-                <a:srgbClr val="000000"/>
-              </a:solidFill>
-              <a:uFill>
-                <a:solidFill>
-                  <a:srgbClr val="ffffff"/>
+          <a:bodyPr lIns="0" tIns="0" rIns="0" bIns="0"/>
+          <a:lstStyle/>
+          <a:p>
+            <a:endParaRPr lang="pl-PL" sz="1800" b="0" strike="noStrike" spc="-1">
+              <a:solidFill>
+                <a:srgbClr val="000000"/>
+              </a:solidFill>
+              <a:uFill>
+                <a:solidFill>
+                  <a:srgbClr val="FFFFFF"/>
                 </a:solidFill>
               </a:uFill>
               <a:latin typeface="Arial"/>
@@ -1151,15 +1300,16 @@
           </a:prstGeom>
         </p:spPr>
         <p:txBody>
-          <a:bodyPr lIns="0" rIns="0" tIns="0" bIns="0"/>
-          <a:p>
-            <a:endParaRPr b="0" lang="pl-PL" sz="1800" spc="-1" strike="noStrike">
-              <a:solidFill>
-                <a:srgbClr val="000000"/>
-              </a:solidFill>
-              <a:uFill>
-                <a:solidFill>
-                  <a:srgbClr val="ffffff"/>
+          <a:bodyPr lIns="0" tIns="0" rIns="0" bIns="0"/>
+          <a:lstStyle/>
+          <a:p>
+            <a:endParaRPr lang="pl-PL" sz="1800" b="0" strike="noStrike" spc="-1">
+              <a:solidFill>
+                <a:srgbClr val="000000"/>
+              </a:solidFill>
+              <a:uFill>
+                <a:solidFill>
+                  <a:srgbClr val="FFFFFF"/>
                 </a:solidFill>
               </a:uFill>
               <a:latin typeface="Arial"/>
@@ -1169,11 +1319,14 @@
       </p:sp>
     </p:spTree>
   </p:cSld>
+  <p:clrMapOvr>
+    <a:masterClrMapping/>
+  </p:clrMapOvr>
 </p:sldLayout>
 </file>
 
 <file path=ppt/slideLayouts/slideLayout2.xml><?xml version="1.0" encoding="utf-8"?>
-<p:sldLayout xmlns:a="http://schemas.openxmlformats.org/drawingml/2006/main" xmlns:p="http://schemas.openxmlformats.org/presentationml/2006/main" xmlns:r="http://schemas.openxmlformats.org/officeDocument/2006/relationships" xmlns:p14="http://schemas.microsoft.com/office/powerpoint/2010/main" xmlns:p15="http://schemas.microsoft.com/office/powerpoint/2012/main" xmlns:mc="http://schemas.openxmlformats.org/markup-compatibility/2006" type="tx" preserve="1">
+<p:sldLayout xmlns:a="http://schemas.openxmlformats.org/drawingml/2006/main" xmlns:r="http://schemas.openxmlformats.org/officeDocument/2006/relationships" xmlns:p="http://schemas.openxmlformats.org/presentationml/2006/main" type="tx" preserve="1">
   <p:cSld name="Title Slide">
     <p:spTree>
       <p:nvGrpSpPr>
@@ -1209,15 +1362,16 @@
           </a:prstGeom>
         </p:spPr>
         <p:txBody>
-          <a:bodyPr lIns="0" rIns="0" tIns="0" bIns="0" anchor="ctr"/>
-          <a:p>
-            <a:endParaRPr b="0" lang="pl-PL" sz="1800" spc="-1" strike="noStrike">
-              <a:solidFill>
-                <a:srgbClr val="000000"/>
-              </a:solidFill>
-              <a:uFill>
-                <a:solidFill>
-                  <a:srgbClr val="ffffff"/>
+          <a:bodyPr lIns="0" tIns="0" rIns="0" bIns="0" anchor="ctr"/>
+          <a:lstStyle/>
+          <a:p>
+            <a:endParaRPr lang="pl-PL" sz="1800" b="0" strike="noStrike" spc="-1">
+              <a:solidFill>
+                <a:srgbClr val="000000"/>
+              </a:solidFill>
+              <a:uFill>
+                <a:solidFill>
+                  <a:srgbClr val="FFFFFF"/>
                 </a:solidFill>
               </a:uFill>
               <a:latin typeface="Arial"/>
@@ -1245,16 +1399,17 @@
           </a:prstGeom>
         </p:spPr>
         <p:txBody>
-          <a:bodyPr lIns="0" rIns="0" tIns="0" bIns="0" anchor="ctr"/>
+          <a:bodyPr lIns="0" tIns="0" rIns="0" bIns="0" anchor="ctr"/>
+          <a:lstStyle/>
           <a:p>
             <a:pPr algn="ctr"/>
-            <a:endParaRPr b="0" lang="pl-PL" sz="3200" spc="-1" strike="noStrike">
-              <a:solidFill>
-                <a:srgbClr val="000000"/>
-              </a:solidFill>
-              <a:uFill>
-                <a:solidFill>
-                  <a:srgbClr val="ffffff"/>
+            <a:endParaRPr lang="pl-PL" sz="3200" b="0" strike="noStrike" spc="-1">
+              <a:solidFill>
+                <a:srgbClr val="000000"/>
+              </a:solidFill>
+              <a:uFill>
+                <a:solidFill>
+                  <a:srgbClr val="FFFFFF"/>
                 </a:solidFill>
               </a:uFill>
               <a:latin typeface="Arial"/>
@@ -1264,11 +1419,14 @@
       </p:sp>
     </p:spTree>
   </p:cSld>
+  <p:clrMapOvr>
+    <a:masterClrMapping/>
+  </p:clrMapOvr>
 </p:sldLayout>
 </file>
 
 <file path=ppt/slideLayouts/slideLayout20.xml><?xml version="1.0" encoding="utf-8"?>
-<p:sldLayout xmlns:a="http://schemas.openxmlformats.org/drawingml/2006/main" xmlns:p="http://schemas.openxmlformats.org/presentationml/2006/main" xmlns:r="http://schemas.openxmlformats.org/officeDocument/2006/relationships" xmlns:p14="http://schemas.microsoft.com/office/powerpoint/2010/main" xmlns:p15="http://schemas.microsoft.com/office/powerpoint/2012/main" xmlns:mc="http://schemas.openxmlformats.org/markup-compatibility/2006" type="objAndTwoObj" preserve="1">
+<p:sldLayout xmlns:a="http://schemas.openxmlformats.org/drawingml/2006/main" xmlns:r="http://schemas.openxmlformats.org/officeDocument/2006/relationships" xmlns:p="http://schemas.openxmlformats.org/presentationml/2006/main" type="objAndTwoObj" preserve="1">
   <p:cSld name="Title Content and 2 Content">
     <p:spTree>
       <p:nvGrpSpPr>
@@ -1304,15 +1462,16 @@
           </a:prstGeom>
         </p:spPr>
         <p:txBody>
-          <a:bodyPr lIns="0" rIns="0" tIns="0" bIns="0" anchor="ctr"/>
-          <a:p>
-            <a:endParaRPr b="0" lang="pl-PL" sz="1800" spc="-1" strike="noStrike">
-              <a:solidFill>
-                <a:srgbClr val="000000"/>
-              </a:solidFill>
-              <a:uFill>
-                <a:solidFill>
-                  <a:srgbClr val="ffffff"/>
+          <a:bodyPr lIns="0" tIns="0" rIns="0" bIns="0" anchor="ctr"/>
+          <a:lstStyle/>
+          <a:p>
+            <a:endParaRPr lang="pl-PL" sz="1800" b="0" strike="noStrike" spc="-1">
+              <a:solidFill>
+                <a:srgbClr val="000000"/>
+              </a:solidFill>
+              <a:uFill>
+                <a:solidFill>
+                  <a:srgbClr val="FFFFFF"/>
                 </a:solidFill>
               </a:uFill>
               <a:latin typeface="Arial"/>
@@ -1340,15 +1499,16 @@
           </a:prstGeom>
         </p:spPr>
         <p:txBody>
-          <a:bodyPr lIns="0" rIns="0" tIns="0" bIns="0"/>
-          <a:p>
-            <a:endParaRPr b="0" lang="pl-PL" sz="1800" spc="-1" strike="noStrike">
-              <a:solidFill>
-                <a:srgbClr val="000000"/>
-              </a:solidFill>
-              <a:uFill>
-                <a:solidFill>
-                  <a:srgbClr val="ffffff"/>
+          <a:bodyPr lIns="0" tIns="0" rIns="0" bIns="0"/>
+          <a:lstStyle/>
+          <a:p>
+            <a:endParaRPr lang="pl-PL" sz="1800" b="0" strike="noStrike" spc="-1">
+              <a:solidFill>
+                <a:srgbClr val="000000"/>
+              </a:solidFill>
+              <a:uFill>
+                <a:solidFill>
+                  <a:srgbClr val="FFFFFF"/>
                 </a:solidFill>
               </a:uFill>
               <a:latin typeface="Arial"/>
@@ -1376,15 +1536,16 @@
           </a:prstGeom>
         </p:spPr>
         <p:txBody>
-          <a:bodyPr lIns="0" rIns="0" tIns="0" bIns="0"/>
-          <a:p>
-            <a:endParaRPr b="0" lang="pl-PL" sz="1800" spc="-1" strike="noStrike">
-              <a:solidFill>
-                <a:srgbClr val="000000"/>
-              </a:solidFill>
-              <a:uFill>
-                <a:solidFill>
-                  <a:srgbClr val="ffffff"/>
+          <a:bodyPr lIns="0" tIns="0" rIns="0" bIns="0"/>
+          <a:lstStyle/>
+          <a:p>
+            <a:endParaRPr lang="pl-PL" sz="1800" b="0" strike="noStrike" spc="-1">
+              <a:solidFill>
+                <a:srgbClr val="000000"/>
+              </a:solidFill>
+              <a:uFill>
+                <a:solidFill>
+                  <a:srgbClr val="FFFFFF"/>
                 </a:solidFill>
               </a:uFill>
               <a:latin typeface="Arial"/>
@@ -1412,15 +1573,16 @@
           </a:prstGeom>
         </p:spPr>
         <p:txBody>
-          <a:bodyPr lIns="0" rIns="0" tIns="0" bIns="0"/>
-          <a:p>
-            <a:endParaRPr b="0" lang="pl-PL" sz="1800" spc="-1" strike="noStrike">
-              <a:solidFill>
-                <a:srgbClr val="000000"/>
-              </a:solidFill>
-              <a:uFill>
-                <a:solidFill>
-                  <a:srgbClr val="ffffff"/>
+          <a:bodyPr lIns="0" tIns="0" rIns="0" bIns="0"/>
+          <a:lstStyle/>
+          <a:p>
+            <a:endParaRPr lang="pl-PL" sz="1800" b="0" strike="noStrike" spc="-1">
+              <a:solidFill>
+                <a:srgbClr val="000000"/>
+              </a:solidFill>
+              <a:uFill>
+                <a:solidFill>
+                  <a:srgbClr val="FFFFFF"/>
                 </a:solidFill>
               </a:uFill>
               <a:latin typeface="Arial"/>
@@ -1430,11 +1592,14 @@
       </p:sp>
     </p:spTree>
   </p:cSld>
+  <p:clrMapOvr>
+    <a:masterClrMapping/>
+  </p:clrMapOvr>
 </p:sldLayout>
 </file>
 
 <file path=ppt/slideLayouts/slideLayout21.xml><?xml version="1.0" encoding="utf-8"?>
-<p:sldLayout xmlns:a="http://schemas.openxmlformats.org/drawingml/2006/main" xmlns:p="http://schemas.openxmlformats.org/presentationml/2006/main" xmlns:r="http://schemas.openxmlformats.org/officeDocument/2006/relationships" xmlns:p14="http://schemas.microsoft.com/office/powerpoint/2010/main" xmlns:p15="http://schemas.microsoft.com/office/powerpoint/2012/main" xmlns:mc="http://schemas.openxmlformats.org/markup-compatibility/2006" type="twoObjOverTx" preserve="1">
+<p:sldLayout xmlns:a="http://schemas.openxmlformats.org/drawingml/2006/main" xmlns:r="http://schemas.openxmlformats.org/officeDocument/2006/relationships" xmlns:p="http://schemas.openxmlformats.org/presentationml/2006/main" type="twoObjOverTx" preserve="1">
   <p:cSld name="Title, 2 Content over Content">
     <p:spTree>
       <p:nvGrpSpPr>
@@ -1470,15 +1635,16 @@
           </a:prstGeom>
         </p:spPr>
         <p:txBody>
-          <a:bodyPr lIns="0" rIns="0" tIns="0" bIns="0" anchor="ctr"/>
-          <a:p>
-            <a:endParaRPr b="0" lang="pl-PL" sz="1800" spc="-1" strike="noStrike">
-              <a:solidFill>
-                <a:srgbClr val="000000"/>
-              </a:solidFill>
-              <a:uFill>
-                <a:solidFill>
-                  <a:srgbClr val="ffffff"/>
+          <a:bodyPr lIns="0" tIns="0" rIns="0" bIns="0" anchor="ctr"/>
+          <a:lstStyle/>
+          <a:p>
+            <a:endParaRPr lang="pl-PL" sz="1800" b="0" strike="noStrike" spc="-1">
+              <a:solidFill>
+                <a:srgbClr val="000000"/>
+              </a:solidFill>
+              <a:uFill>
+                <a:solidFill>
+                  <a:srgbClr val="FFFFFF"/>
                 </a:solidFill>
               </a:uFill>
               <a:latin typeface="Arial"/>
@@ -1506,15 +1672,16 @@
           </a:prstGeom>
         </p:spPr>
         <p:txBody>
-          <a:bodyPr lIns="0" rIns="0" tIns="0" bIns="0"/>
-          <a:p>
-            <a:endParaRPr b="0" lang="pl-PL" sz="1800" spc="-1" strike="noStrike">
-              <a:solidFill>
-                <a:srgbClr val="000000"/>
-              </a:solidFill>
-              <a:uFill>
-                <a:solidFill>
-                  <a:srgbClr val="ffffff"/>
+          <a:bodyPr lIns="0" tIns="0" rIns="0" bIns="0"/>
+          <a:lstStyle/>
+          <a:p>
+            <a:endParaRPr lang="pl-PL" sz="1800" b="0" strike="noStrike" spc="-1">
+              <a:solidFill>
+                <a:srgbClr val="000000"/>
+              </a:solidFill>
+              <a:uFill>
+                <a:solidFill>
+                  <a:srgbClr val="FFFFFF"/>
                 </a:solidFill>
               </a:uFill>
               <a:latin typeface="Arial"/>
@@ -1542,15 +1709,16 @@
           </a:prstGeom>
         </p:spPr>
         <p:txBody>
-          <a:bodyPr lIns="0" rIns="0" tIns="0" bIns="0"/>
-          <a:p>
-            <a:endParaRPr b="0" lang="pl-PL" sz="1800" spc="-1" strike="noStrike">
-              <a:solidFill>
-                <a:srgbClr val="000000"/>
-              </a:solidFill>
-              <a:uFill>
-                <a:solidFill>
-                  <a:srgbClr val="ffffff"/>
+          <a:bodyPr lIns="0" tIns="0" rIns="0" bIns="0"/>
+          <a:lstStyle/>
+          <a:p>
+            <a:endParaRPr lang="pl-PL" sz="1800" b="0" strike="noStrike" spc="-1">
+              <a:solidFill>
+                <a:srgbClr val="000000"/>
+              </a:solidFill>
+              <a:uFill>
+                <a:solidFill>
+                  <a:srgbClr val="FFFFFF"/>
                 </a:solidFill>
               </a:uFill>
               <a:latin typeface="Arial"/>
@@ -1578,15 +1746,16 @@
           </a:prstGeom>
         </p:spPr>
         <p:txBody>
-          <a:bodyPr lIns="0" rIns="0" tIns="0" bIns="0"/>
-          <a:p>
-            <a:endParaRPr b="0" lang="pl-PL" sz="1800" spc="-1" strike="noStrike">
-              <a:solidFill>
-                <a:srgbClr val="000000"/>
-              </a:solidFill>
-              <a:uFill>
-                <a:solidFill>
-                  <a:srgbClr val="ffffff"/>
+          <a:bodyPr lIns="0" tIns="0" rIns="0" bIns="0"/>
+          <a:lstStyle/>
+          <a:p>
+            <a:endParaRPr lang="pl-PL" sz="1800" b="0" strike="noStrike" spc="-1">
+              <a:solidFill>
+                <a:srgbClr val="000000"/>
+              </a:solidFill>
+              <a:uFill>
+                <a:solidFill>
+                  <a:srgbClr val="FFFFFF"/>
                 </a:solidFill>
               </a:uFill>
               <a:latin typeface="Arial"/>
@@ -1596,11 +1765,14 @@
       </p:sp>
     </p:spTree>
   </p:cSld>
+  <p:clrMapOvr>
+    <a:masterClrMapping/>
+  </p:clrMapOvr>
 </p:sldLayout>
 </file>
 
 <file path=ppt/slideLayouts/slideLayout22.xml><?xml version="1.0" encoding="utf-8"?>
-<p:sldLayout xmlns:a="http://schemas.openxmlformats.org/drawingml/2006/main" xmlns:p="http://schemas.openxmlformats.org/presentationml/2006/main" xmlns:r="http://schemas.openxmlformats.org/officeDocument/2006/relationships" xmlns:p14="http://schemas.microsoft.com/office/powerpoint/2010/main" xmlns:p15="http://schemas.microsoft.com/office/powerpoint/2012/main" xmlns:mc="http://schemas.openxmlformats.org/markup-compatibility/2006" type="objOverTx" preserve="1">
+<p:sldLayout xmlns:a="http://schemas.openxmlformats.org/drawingml/2006/main" xmlns:r="http://schemas.openxmlformats.org/officeDocument/2006/relationships" xmlns:p="http://schemas.openxmlformats.org/presentationml/2006/main" type="objOverTx" preserve="1">
   <p:cSld name="Title, Content over Content">
     <p:spTree>
       <p:nvGrpSpPr>
@@ -1636,15 +1808,16 @@
           </a:prstGeom>
         </p:spPr>
         <p:txBody>
-          <a:bodyPr lIns="0" rIns="0" tIns="0" bIns="0" anchor="ctr"/>
-          <a:p>
-            <a:endParaRPr b="0" lang="pl-PL" sz="1800" spc="-1" strike="noStrike">
-              <a:solidFill>
-                <a:srgbClr val="000000"/>
-              </a:solidFill>
-              <a:uFill>
-                <a:solidFill>
-                  <a:srgbClr val="ffffff"/>
+          <a:bodyPr lIns="0" tIns="0" rIns="0" bIns="0" anchor="ctr"/>
+          <a:lstStyle/>
+          <a:p>
+            <a:endParaRPr lang="pl-PL" sz="1800" b="0" strike="noStrike" spc="-1">
+              <a:solidFill>
+                <a:srgbClr val="000000"/>
+              </a:solidFill>
+              <a:uFill>
+                <a:solidFill>
+                  <a:srgbClr val="FFFFFF"/>
                 </a:solidFill>
               </a:uFill>
               <a:latin typeface="Arial"/>
@@ -1672,15 +1845,16 @@
           </a:prstGeom>
         </p:spPr>
         <p:txBody>
-          <a:bodyPr lIns="0" rIns="0" tIns="0" bIns="0"/>
-          <a:p>
-            <a:endParaRPr b="0" lang="pl-PL" sz="1800" spc="-1" strike="noStrike">
-              <a:solidFill>
-                <a:srgbClr val="000000"/>
-              </a:solidFill>
-              <a:uFill>
-                <a:solidFill>
-                  <a:srgbClr val="ffffff"/>
+          <a:bodyPr lIns="0" tIns="0" rIns="0" bIns="0"/>
+          <a:lstStyle/>
+          <a:p>
+            <a:endParaRPr lang="pl-PL" sz="1800" b="0" strike="noStrike" spc="-1">
+              <a:solidFill>
+                <a:srgbClr val="000000"/>
+              </a:solidFill>
+              <a:uFill>
+                <a:solidFill>
+                  <a:srgbClr val="FFFFFF"/>
                 </a:solidFill>
               </a:uFill>
               <a:latin typeface="Arial"/>
@@ -1708,15 +1882,16 @@
           </a:prstGeom>
         </p:spPr>
         <p:txBody>
-          <a:bodyPr lIns="0" rIns="0" tIns="0" bIns="0"/>
-          <a:p>
-            <a:endParaRPr b="0" lang="pl-PL" sz="1800" spc="-1" strike="noStrike">
-              <a:solidFill>
-                <a:srgbClr val="000000"/>
-              </a:solidFill>
-              <a:uFill>
-                <a:solidFill>
-                  <a:srgbClr val="ffffff"/>
+          <a:bodyPr lIns="0" tIns="0" rIns="0" bIns="0"/>
+          <a:lstStyle/>
+          <a:p>
+            <a:endParaRPr lang="pl-PL" sz="1800" b="0" strike="noStrike" spc="-1">
+              <a:solidFill>
+                <a:srgbClr val="000000"/>
+              </a:solidFill>
+              <a:uFill>
+                <a:solidFill>
+                  <a:srgbClr val="FFFFFF"/>
                 </a:solidFill>
               </a:uFill>
               <a:latin typeface="Arial"/>
@@ -1726,11 +1901,14 @@
       </p:sp>
     </p:spTree>
   </p:cSld>
+  <p:clrMapOvr>
+    <a:masterClrMapping/>
+  </p:clrMapOvr>
 </p:sldLayout>
 </file>
 
 <file path=ppt/slideLayouts/slideLayout23.xml><?xml version="1.0" encoding="utf-8"?>
-<p:sldLayout xmlns:a="http://schemas.openxmlformats.org/drawingml/2006/main" xmlns:p="http://schemas.openxmlformats.org/presentationml/2006/main" xmlns:r="http://schemas.openxmlformats.org/officeDocument/2006/relationships" xmlns:p14="http://schemas.microsoft.com/office/powerpoint/2010/main" xmlns:p15="http://schemas.microsoft.com/office/powerpoint/2012/main" xmlns:mc="http://schemas.openxmlformats.org/markup-compatibility/2006" type="fourObj" preserve="1">
+<p:sldLayout xmlns:a="http://schemas.openxmlformats.org/drawingml/2006/main" xmlns:r="http://schemas.openxmlformats.org/officeDocument/2006/relationships" xmlns:p="http://schemas.openxmlformats.org/presentationml/2006/main" type="fourObj" preserve="1">
   <p:cSld name="Title, 4 Content">
     <p:spTree>
       <p:nvGrpSpPr>
@@ -1766,15 +1944,16 @@
           </a:prstGeom>
         </p:spPr>
         <p:txBody>
-          <a:bodyPr lIns="0" rIns="0" tIns="0" bIns="0" anchor="ctr"/>
-          <a:p>
-            <a:endParaRPr b="0" lang="pl-PL" sz="1800" spc="-1" strike="noStrike">
-              <a:solidFill>
-                <a:srgbClr val="000000"/>
-              </a:solidFill>
-              <a:uFill>
-                <a:solidFill>
-                  <a:srgbClr val="ffffff"/>
+          <a:bodyPr lIns="0" tIns="0" rIns="0" bIns="0" anchor="ctr"/>
+          <a:lstStyle/>
+          <a:p>
+            <a:endParaRPr lang="pl-PL" sz="1800" b="0" strike="noStrike" spc="-1">
+              <a:solidFill>
+                <a:srgbClr val="000000"/>
+              </a:solidFill>
+              <a:uFill>
+                <a:solidFill>
+                  <a:srgbClr val="FFFFFF"/>
                 </a:solidFill>
               </a:uFill>
               <a:latin typeface="Arial"/>
@@ -1802,15 +1981,16 @@
           </a:prstGeom>
         </p:spPr>
         <p:txBody>
-          <a:bodyPr lIns="0" rIns="0" tIns="0" bIns="0"/>
-          <a:p>
-            <a:endParaRPr b="0" lang="pl-PL" sz="1800" spc="-1" strike="noStrike">
-              <a:solidFill>
-                <a:srgbClr val="000000"/>
-              </a:solidFill>
-              <a:uFill>
-                <a:solidFill>
-                  <a:srgbClr val="ffffff"/>
+          <a:bodyPr lIns="0" tIns="0" rIns="0" bIns="0"/>
+          <a:lstStyle/>
+          <a:p>
+            <a:endParaRPr lang="pl-PL" sz="1800" b="0" strike="noStrike" spc="-1">
+              <a:solidFill>
+                <a:srgbClr val="000000"/>
+              </a:solidFill>
+              <a:uFill>
+                <a:solidFill>
+                  <a:srgbClr val="FFFFFF"/>
                 </a:solidFill>
               </a:uFill>
               <a:latin typeface="Arial"/>
@@ -1838,15 +2018,16 @@
           </a:prstGeom>
         </p:spPr>
         <p:txBody>
-          <a:bodyPr lIns="0" rIns="0" tIns="0" bIns="0"/>
-          <a:p>
-            <a:endParaRPr b="0" lang="pl-PL" sz="1800" spc="-1" strike="noStrike">
-              <a:solidFill>
-                <a:srgbClr val="000000"/>
-              </a:solidFill>
-              <a:uFill>
-                <a:solidFill>
-                  <a:srgbClr val="ffffff"/>
+          <a:bodyPr lIns="0" tIns="0" rIns="0" bIns="0"/>
+          <a:lstStyle/>
+          <a:p>
+            <a:endParaRPr lang="pl-PL" sz="1800" b="0" strike="noStrike" spc="-1">
+              <a:solidFill>
+                <a:srgbClr val="000000"/>
+              </a:solidFill>
+              <a:uFill>
+                <a:solidFill>
+                  <a:srgbClr val="FFFFFF"/>
                 </a:solidFill>
               </a:uFill>
               <a:latin typeface="Arial"/>
@@ -1874,15 +2055,16 @@
           </a:prstGeom>
         </p:spPr>
         <p:txBody>
-          <a:bodyPr lIns="0" rIns="0" tIns="0" bIns="0"/>
-          <a:p>
-            <a:endParaRPr b="0" lang="pl-PL" sz="1800" spc="-1" strike="noStrike">
-              <a:solidFill>
-                <a:srgbClr val="000000"/>
-              </a:solidFill>
-              <a:uFill>
-                <a:solidFill>
-                  <a:srgbClr val="ffffff"/>
+          <a:bodyPr lIns="0" tIns="0" rIns="0" bIns="0"/>
+          <a:lstStyle/>
+          <a:p>
+            <a:endParaRPr lang="pl-PL" sz="1800" b="0" strike="noStrike" spc="-1">
+              <a:solidFill>
+                <a:srgbClr val="000000"/>
+              </a:solidFill>
+              <a:uFill>
+                <a:solidFill>
+                  <a:srgbClr val="FFFFFF"/>
                 </a:solidFill>
               </a:uFill>
               <a:latin typeface="Arial"/>
@@ -1910,15 +2092,16 @@
           </a:prstGeom>
         </p:spPr>
         <p:txBody>
-          <a:bodyPr lIns="0" rIns="0" tIns="0" bIns="0"/>
-          <a:p>
-            <a:endParaRPr b="0" lang="pl-PL" sz="1800" spc="-1" strike="noStrike">
-              <a:solidFill>
-                <a:srgbClr val="000000"/>
-              </a:solidFill>
-              <a:uFill>
-                <a:solidFill>
-                  <a:srgbClr val="ffffff"/>
+          <a:bodyPr lIns="0" tIns="0" rIns="0" bIns="0"/>
+          <a:lstStyle/>
+          <a:p>
+            <a:endParaRPr lang="pl-PL" sz="1800" b="0" strike="noStrike" spc="-1">
+              <a:solidFill>
+                <a:srgbClr val="000000"/>
+              </a:solidFill>
+              <a:uFill>
+                <a:solidFill>
+                  <a:srgbClr val="FFFFFF"/>
                 </a:solidFill>
               </a:uFill>
               <a:latin typeface="Arial"/>
@@ -1928,11 +2111,14 @@
       </p:sp>
     </p:spTree>
   </p:cSld>
+  <p:clrMapOvr>
+    <a:masterClrMapping/>
+  </p:clrMapOvr>
 </p:sldLayout>
 </file>
 
 <file path=ppt/slideLayouts/slideLayout24.xml><?xml version="1.0" encoding="utf-8"?>
-<p:sldLayout xmlns:a="http://schemas.openxmlformats.org/drawingml/2006/main" xmlns:p="http://schemas.openxmlformats.org/presentationml/2006/main" xmlns:r="http://schemas.openxmlformats.org/officeDocument/2006/relationships" xmlns:p14="http://schemas.microsoft.com/office/powerpoint/2010/main" xmlns:p15="http://schemas.microsoft.com/office/powerpoint/2012/main" xmlns:mc="http://schemas.openxmlformats.org/markup-compatibility/2006" type="blank" preserve="1">
+<p:sldLayout xmlns:a="http://schemas.openxmlformats.org/drawingml/2006/main" xmlns:r="http://schemas.openxmlformats.org/officeDocument/2006/relationships" xmlns:p="http://schemas.openxmlformats.org/presentationml/2006/main" type="blank" preserve="1">
   <p:cSld name="Title, 6 Content">
     <p:spTree>
       <p:nvGrpSpPr>
@@ -1968,15 +2154,16 @@
           </a:prstGeom>
         </p:spPr>
         <p:txBody>
-          <a:bodyPr lIns="0" rIns="0" tIns="0" bIns="0" anchor="ctr"/>
-          <a:p>
-            <a:endParaRPr b="0" lang="pl-PL" sz="1800" spc="-1" strike="noStrike">
-              <a:solidFill>
-                <a:srgbClr val="000000"/>
-              </a:solidFill>
-              <a:uFill>
-                <a:solidFill>
-                  <a:srgbClr val="ffffff"/>
+          <a:bodyPr lIns="0" tIns="0" rIns="0" bIns="0" anchor="ctr"/>
+          <a:lstStyle/>
+          <a:p>
+            <a:endParaRPr lang="pl-PL" sz="1800" b="0" strike="noStrike" spc="-1">
+              <a:solidFill>
+                <a:srgbClr val="000000"/>
+              </a:solidFill>
+              <a:uFill>
+                <a:solidFill>
+                  <a:srgbClr val="FFFFFF"/>
                 </a:solidFill>
               </a:uFill>
               <a:latin typeface="Arial"/>
@@ -2004,15 +2191,16 @@
           </a:prstGeom>
         </p:spPr>
         <p:txBody>
-          <a:bodyPr lIns="0" rIns="0" tIns="0" bIns="0"/>
-          <a:p>
-            <a:endParaRPr b="0" lang="pl-PL" sz="1800" spc="-1" strike="noStrike">
-              <a:solidFill>
-                <a:srgbClr val="000000"/>
-              </a:solidFill>
-              <a:uFill>
-                <a:solidFill>
-                  <a:srgbClr val="ffffff"/>
+          <a:bodyPr lIns="0" tIns="0" rIns="0" bIns="0"/>
+          <a:lstStyle/>
+          <a:p>
+            <a:endParaRPr lang="pl-PL" sz="1800" b="0" strike="noStrike" spc="-1">
+              <a:solidFill>
+                <a:srgbClr val="000000"/>
+              </a:solidFill>
+              <a:uFill>
+                <a:solidFill>
+                  <a:srgbClr val="FFFFFF"/>
                 </a:solidFill>
               </a:uFill>
               <a:latin typeface="Arial"/>
@@ -2040,15 +2228,16 @@
           </a:prstGeom>
         </p:spPr>
         <p:txBody>
-          <a:bodyPr lIns="0" rIns="0" tIns="0" bIns="0"/>
-          <a:p>
-            <a:endParaRPr b="0" lang="pl-PL" sz="1800" spc="-1" strike="noStrike">
-              <a:solidFill>
-                <a:srgbClr val="000000"/>
-              </a:solidFill>
-              <a:uFill>
-                <a:solidFill>
-                  <a:srgbClr val="ffffff"/>
+          <a:bodyPr lIns="0" tIns="0" rIns="0" bIns="0"/>
+          <a:lstStyle/>
+          <a:p>
+            <a:endParaRPr lang="pl-PL" sz="1800" b="0" strike="noStrike" spc="-1">
+              <a:solidFill>
+                <a:srgbClr val="000000"/>
+              </a:solidFill>
+              <a:uFill>
+                <a:solidFill>
+                  <a:srgbClr val="FFFFFF"/>
                 </a:solidFill>
               </a:uFill>
               <a:latin typeface="Arial"/>
@@ -2058,7 +2247,7 @@
       </p:sp>
       <p:pic>
         <p:nvPicPr>
-          <p:cNvPr id="70" name="" descr=""/>
+          <p:cNvPr id="70" name="Obraz 69"/>
           <p:cNvPicPr/>
           <p:nvPr/>
         </p:nvPicPr>
@@ -2081,12 +2270,12 @@
       </p:pic>
       <p:pic>
         <p:nvPicPr>
-          <p:cNvPr id="71" name="" descr=""/>
+          <p:cNvPr id="71" name="Obraz 70"/>
           <p:cNvPicPr/>
           <p:nvPr/>
         </p:nvPicPr>
         <p:blipFill>
-          <a:blip r:embed="rId3"/>
+          <a:blip r:embed="rId2"/>
           <a:stretch/>
         </p:blipFill>
         <p:spPr>
@@ -2104,11 +2293,14 @@
       </p:pic>
     </p:spTree>
   </p:cSld>
+  <p:clrMapOvr>
+    <a:masterClrMapping/>
+  </p:clrMapOvr>
 </p:sldLayout>
 </file>
 
 <file path=ppt/slideLayouts/slideLayout25.xml><?xml version="1.0" encoding="utf-8"?>
-<p:sldLayout xmlns:a="http://schemas.openxmlformats.org/drawingml/2006/main" xmlns:p="http://schemas.openxmlformats.org/presentationml/2006/main" xmlns:r="http://schemas.openxmlformats.org/officeDocument/2006/relationships" xmlns:p14="http://schemas.microsoft.com/office/powerpoint/2010/main" xmlns:p15="http://schemas.microsoft.com/office/powerpoint/2012/main" xmlns:mc="http://schemas.openxmlformats.org/markup-compatibility/2006" type="blank" preserve="1">
+<p:sldLayout xmlns:a="http://schemas.openxmlformats.org/drawingml/2006/main" xmlns:r="http://schemas.openxmlformats.org/officeDocument/2006/relationships" xmlns:p="http://schemas.openxmlformats.org/presentationml/2006/main" type="blank" preserve="1">
   <p:cSld name="Blank Slide">
     <p:spTree>
       <p:nvGrpSpPr>
@@ -2126,11 +2318,14 @@
       </p:grpSpPr>
     </p:spTree>
   </p:cSld>
+  <p:clrMapOvr>
+    <a:masterClrMapping/>
+  </p:clrMapOvr>
 </p:sldLayout>
 </file>
 
 <file path=ppt/slideLayouts/slideLayout26.xml><?xml version="1.0" encoding="utf-8"?>
-<p:sldLayout xmlns:a="http://schemas.openxmlformats.org/drawingml/2006/main" xmlns:p="http://schemas.openxmlformats.org/presentationml/2006/main" xmlns:r="http://schemas.openxmlformats.org/officeDocument/2006/relationships" xmlns:p14="http://schemas.microsoft.com/office/powerpoint/2010/main" xmlns:p15="http://schemas.microsoft.com/office/powerpoint/2012/main" xmlns:mc="http://schemas.openxmlformats.org/markup-compatibility/2006" type="tx" preserve="1">
+<p:sldLayout xmlns:a="http://schemas.openxmlformats.org/drawingml/2006/main" xmlns:r="http://schemas.openxmlformats.org/officeDocument/2006/relationships" xmlns:p="http://schemas.openxmlformats.org/presentationml/2006/main" type="tx" preserve="1">
   <p:cSld name="Title Slide">
     <p:spTree>
       <p:nvGrpSpPr>
@@ -2166,15 +2361,16 @@
           </a:prstGeom>
         </p:spPr>
         <p:txBody>
-          <a:bodyPr lIns="0" rIns="0" tIns="0" bIns="0" anchor="ctr"/>
-          <a:p>
-            <a:endParaRPr b="0" lang="pl-PL" sz="1800" spc="-1" strike="noStrike">
-              <a:solidFill>
-                <a:srgbClr val="000000"/>
-              </a:solidFill>
-              <a:uFill>
-                <a:solidFill>
-                  <a:srgbClr val="ffffff"/>
+          <a:bodyPr lIns="0" tIns="0" rIns="0" bIns="0" anchor="ctr"/>
+          <a:lstStyle/>
+          <a:p>
+            <a:endParaRPr lang="pl-PL" sz="1800" b="0" strike="noStrike" spc="-1">
+              <a:solidFill>
+                <a:srgbClr val="000000"/>
+              </a:solidFill>
+              <a:uFill>
+                <a:solidFill>
+                  <a:srgbClr val="FFFFFF"/>
                 </a:solidFill>
               </a:uFill>
               <a:latin typeface="Arial"/>
@@ -2202,16 +2398,17 @@
           </a:prstGeom>
         </p:spPr>
         <p:txBody>
-          <a:bodyPr lIns="0" rIns="0" tIns="0" bIns="0" anchor="ctr"/>
+          <a:bodyPr lIns="0" tIns="0" rIns="0" bIns="0" anchor="ctr"/>
+          <a:lstStyle/>
           <a:p>
             <a:pPr algn="ctr"/>
-            <a:endParaRPr b="0" lang="pl-PL" sz="3200" spc="-1" strike="noStrike">
-              <a:solidFill>
-                <a:srgbClr val="000000"/>
-              </a:solidFill>
-              <a:uFill>
-                <a:solidFill>
-                  <a:srgbClr val="ffffff"/>
+            <a:endParaRPr lang="pl-PL" sz="3200" b="0" strike="noStrike" spc="-1">
+              <a:solidFill>
+                <a:srgbClr val="000000"/>
+              </a:solidFill>
+              <a:uFill>
+                <a:solidFill>
+                  <a:srgbClr val="FFFFFF"/>
                 </a:solidFill>
               </a:uFill>
               <a:latin typeface="Arial"/>
@@ -2221,11 +2418,14 @@
       </p:sp>
     </p:spTree>
   </p:cSld>
+  <p:clrMapOvr>
+    <a:masterClrMapping/>
+  </p:clrMapOvr>
 </p:sldLayout>
 </file>
 
 <file path=ppt/slideLayouts/slideLayout27.xml><?xml version="1.0" encoding="utf-8"?>
-<p:sldLayout xmlns:a="http://schemas.openxmlformats.org/drawingml/2006/main" xmlns:p="http://schemas.openxmlformats.org/presentationml/2006/main" xmlns:r="http://schemas.openxmlformats.org/officeDocument/2006/relationships" xmlns:p14="http://schemas.microsoft.com/office/powerpoint/2010/main" xmlns:p15="http://schemas.microsoft.com/office/powerpoint/2012/main" xmlns:mc="http://schemas.openxmlformats.org/markup-compatibility/2006" type="obj" preserve="1">
+<p:sldLayout xmlns:a="http://schemas.openxmlformats.org/drawingml/2006/main" xmlns:r="http://schemas.openxmlformats.org/officeDocument/2006/relationships" xmlns:p="http://schemas.openxmlformats.org/presentationml/2006/main" type="obj" preserve="1">
   <p:cSld name="Title, Content">
     <p:spTree>
       <p:nvGrpSpPr>
@@ -2261,15 +2461,16 @@
           </a:prstGeom>
         </p:spPr>
         <p:txBody>
-          <a:bodyPr lIns="0" rIns="0" tIns="0" bIns="0" anchor="ctr"/>
-          <a:p>
-            <a:endParaRPr b="0" lang="pl-PL" sz="1800" spc="-1" strike="noStrike">
-              <a:solidFill>
-                <a:srgbClr val="000000"/>
-              </a:solidFill>
-              <a:uFill>
-                <a:solidFill>
-                  <a:srgbClr val="ffffff"/>
+          <a:bodyPr lIns="0" tIns="0" rIns="0" bIns="0" anchor="ctr"/>
+          <a:lstStyle/>
+          <a:p>
+            <a:endParaRPr lang="pl-PL" sz="1800" b="0" strike="noStrike" spc="-1">
+              <a:solidFill>
+                <a:srgbClr val="000000"/>
+              </a:solidFill>
+              <a:uFill>
+                <a:solidFill>
+                  <a:srgbClr val="FFFFFF"/>
                 </a:solidFill>
               </a:uFill>
               <a:latin typeface="Arial"/>
@@ -2297,15 +2498,16 @@
           </a:prstGeom>
         </p:spPr>
         <p:txBody>
-          <a:bodyPr lIns="0" rIns="0" tIns="0" bIns="0"/>
-          <a:p>
-            <a:endParaRPr b="0" lang="pl-PL" sz="1800" spc="-1" strike="noStrike">
-              <a:solidFill>
-                <a:srgbClr val="000000"/>
-              </a:solidFill>
-              <a:uFill>
-                <a:solidFill>
-                  <a:srgbClr val="ffffff"/>
+          <a:bodyPr lIns="0" tIns="0" rIns="0" bIns="0"/>
+          <a:lstStyle/>
+          <a:p>
+            <a:endParaRPr lang="pl-PL" sz="1800" b="0" strike="noStrike" spc="-1">
+              <a:solidFill>
+                <a:srgbClr val="000000"/>
+              </a:solidFill>
+              <a:uFill>
+                <a:solidFill>
+                  <a:srgbClr val="FFFFFF"/>
                 </a:solidFill>
               </a:uFill>
               <a:latin typeface="Arial"/>
@@ -2315,11 +2517,14 @@
       </p:sp>
     </p:spTree>
   </p:cSld>
+  <p:clrMapOvr>
+    <a:masterClrMapping/>
+  </p:clrMapOvr>
 </p:sldLayout>
 </file>
 
 <file path=ppt/slideLayouts/slideLayout28.xml><?xml version="1.0" encoding="utf-8"?>
-<p:sldLayout xmlns:a="http://schemas.openxmlformats.org/drawingml/2006/main" xmlns:p="http://schemas.openxmlformats.org/presentationml/2006/main" xmlns:r="http://schemas.openxmlformats.org/officeDocument/2006/relationships" xmlns:p14="http://schemas.microsoft.com/office/powerpoint/2010/main" xmlns:p15="http://schemas.microsoft.com/office/powerpoint/2012/main" xmlns:mc="http://schemas.openxmlformats.org/markup-compatibility/2006" type="twoObj" preserve="1">
+<p:sldLayout xmlns:a="http://schemas.openxmlformats.org/drawingml/2006/main" xmlns:r="http://schemas.openxmlformats.org/officeDocument/2006/relationships" xmlns:p="http://schemas.openxmlformats.org/presentationml/2006/main" type="twoObj" preserve="1">
   <p:cSld name="Title, 2 Content">
     <p:spTree>
       <p:nvGrpSpPr>
@@ -2355,15 +2560,16 @@
           </a:prstGeom>
         </p:spPr>
         <p:txBody>
-          <a:bodyPr lIns="0" rIns="0" tIns="0" bIns="0" anchor="ctr"/>
-          <a:p>
-            <a:endParaRPr b="0" lang="pl-PL" sz="1800" spc="-1" strike="noStrike">
-              <a:solidFill>
-                <a:srgbClr val="000000"/>
-              </a:solidFill>
-              <a:uFill>
-                <a:solidFill>
-                  <a:srgbClr val="ffffff"/>
+          <a:bodyPr lIns="0" tIns="0" rIns="0" bIns="0" anchor="ctr"/>
+          <a:lstStyle/>
+          <a:p>
+            <a:endParaRPr lang="pl-PL" sz="1800" b="0" strike="noStrike" spc="-1">
+              <a:solidFill>
+                <a:srgbClr val="000000"/>
+              </a:solidFill>
+              <a:uFill>
+                <a:solidFill>
+                  <a:srgbClr val="FFFFFF"/>
                 </a:solidFill>
               </a:uFill>
               <a:latin typeface="Arial"/>
@@ -2391,15 +2597,16 @@
           </a:prstGeom>
         </p:spPr>
         <p:txBody>
-          <a:bodyPr lIns="0" rIns="0" tIns="0" bIns="0"/>
-          <a:p>
-            <a:endParaRPr b="0" lang="pl-PL" sz="1800" spc="-1" strike="noStrike">
-              <a:solidFill>
-                <a:srgbClr val="000000"/>
-              </a:solidFill>
-              <a:uFill>
-                <a:solidFill>
-                  <a:srgbClr val="ffffff"/>
+          <a:bodyPr lIns="0" tIns="0" rIns="0" bIns="0"/>
+          <a:lstStyle/>
+          <a:p>
+            <a:endParaRPr lang="pl-PL" sz="1800" b="0" strike="noStrike" spc="-1">
+              <a:solidFill>
+                <a:srgbClr val="000000"/>
+              </a:solidFill>
+              <a:uFill>
+                <a:solidFill>
+                  <a:srgbClr val="FFFFFF"/>
                 </a:solidFill>
               </a:uFill>
               <a:latin typeface="Arial"/>
@@ -2427,15 +2634,16 @@
           </a:prstGeom>
         </p:spPr>
         <p:txBody>
-          <a:bodyPr lIns="0" rIns="0" tIns="0" bIns="0"/>
-          <a:p>
-            <a:endParaRPr b="0" lang="pl-PL" sz="1800" spc="-1" strike="noStrike">
-              <a:solidFill>
-                <a:srgbClr val="000000"/>
-              </a:solidFill>
-              <a:uFill>
-                <a:solidFill>
-                  <a:srgbClr val="ffffff"/>
+          <a:bodyPr lIns="0" tIns="0" rIns="0" bIns="0"/>
+          <a:lstStyle/>
+          <a:p>
+            <a:endParaRPr lang="pl-PL" sz="1800" b="0" strike="noStrike" spc="-1">
+              <a:solidFill>
+                <a:srgbClr val="000000"/>
+              </a:solidFill>
+              <a:uFill>
+                <a:solidFill>
+                  <a:srgbClr val="FFFFFF"/>
                 </a:solidFill>
               </a:uFill>
               <a:latin typeface="Arial"/>
@@ -2445,11 +2653,14 @@
       </p:sp>
     </p:spTree>
   </p:cSld>
+  <p:clrMapOvr>
+    <a:masterClrMapping/>
+  </p:clrMapOvr>
 </p:sldLayout>
 </file>
 
 <file path=ppt/slideLayouts/slideLayout29.xml><?xml version="1.0" encoding="utf-8"?>
-<p:sldLayout xmlns:a="http://schemas.openxmlformats.org/drawingml/2006/main" xmlns:p="http://schemas.openxmlformats.org/presentationml/2006/main" xmlns:r="http://schemas.openxmlformats.org/officeDocument/2006/relationships" xmlns:p14="http://schemas.microsoft.com/office/powerpoint/2010/main" xmlns:p15="http://schemas.microsoft.com/office/powerpoint/2012/main" xmlns:mc="http://schemas.openxmlformats.org/markup-compatibility/2006" type="titleOnly" preserve="1">
+<p:sldLayout xmlns:a="http://schemas.openxmlformats.org/drawingml/2006/main" xmlns:r="http://schemas.openxmlformats.org/officeDocument/2006/relationships" xmlns:p="http://schemas.openxmlformats.org/presentationml/2006/main" type="titleOnly" preserve="1">
   <p:cSld name="Title Only">
     <p:spTree>
       <p:nvGrpSpPr>
@@ -2485,15 +2696,16 @@
           </a:prstGeom>
         </p:spPr>
         <p:txBody>
-          <a:bodyPr lIns="0" rIns="0" tIns="0" bIns="0" anchor="ctr"/>
-          <a:p>
-            <a:endParaRPr b="0" lang="pl-PL" sz="1800" spc="-1" strike="noStrike">
-              <a:solidFill>
-                <a:srgbClr val="000000"/>
-              </a:solidFill>
-              <a:uFill>
-                <a:solidFill>
-                  <a:srgbClr val="ffffff"/>
+          <a:bodyPr lIns="0" tIns="0" rIns="0" bIns="0" anchor="ctr"/>
+          <a:lstStyle/>
+          <a:p>
+            <a:endParaRPr lang="pl-PL" sz="1800" b="0" strike="noStrike" spc="-1">
+              <a:solidFill>
+                <a:srgbClr val="000000"/>
+              </a:solidFill>
+              <a:uFill>
+                <a:solidFill>
+                  <a:srgbClr val="FFFFFF"/>
                 </a:solidFill>
               </a:uFill>
               <a:latin typeface="Arial"/>
@@ -2503,11 +2715,14 @@
       </p:sp>
     </p:spTree>
   </p:cSld>
+  <p:clrMapOvr>
+    <a:masterClrMapping/>
+  </p:clrMapOvr>
 </p:sldLayout>
 </file>
 
 <file path=ppt/slideLayouts/slideLayout3.xml><?xml version="1.0" encoding="utf-8"?>
-<p:sldLayout xmlns:a="http://schemas.openxmlformats.org/drawingml/2006/main" xmlns:p="http://schemas.openxmlformats.org/presentationml/2006/main" xmlns:r="http://schemas.openxmlformats.org/officeDocument/2006/relationships" xmlns:p14="http://schemas.microsoft.com/office/powerpoint/2010/main" xmlns:p15="http://schemas.microsoft.com/office/powerpoint/2012/main" xmlns:mc="http://schemas.openxmlformats.org/markup-compatibility/2006" type="obj" preserve="1">
+<p:sldLayout xmlns:a="http://schemas.openxmlformats.org/drawingml/2006/main" xmlns:r="http://schemas.openxmlformats.org/officeDocument/2006/relationships" xmlns:p="http://schemas.openxmlformats.org/presentationml/2006/main" type="obj" preserve="1">
   <p:cSld name="Title, Content">
     <p:spTree>
       <p:nvGrpSpPr>
@@ -2543,15 +2758,16 @@
           </a:prstGeom>
         </p:spPr>
         <p:txBody>
-          <a:bodyPr lIns="0" rIns="0" tIns="0" bIns="0" anchor="ctr"/>
-          <a:p>
-            <a:endParaRPr b="0" lang="pl-PL" sz="1800" spc="-1" strike="noStrike">
-              <a:solidFill>
-                <a:srgbClr val="000000"/>
-              </a:solidFill>
-              <a:uFill>
-                <a:solidFill>
-                  <a:srgbClr val="ffffff"/>
+          <a:bodyPr lIns="0" tIns="0" rIns="0" bIns="0" anchor="ctr"/>
+          <a:lstStyle/>
+          <a:p>
+            <a:endParaRPr lang="pl-PL" sz="1800" b="0" strike="noStrike" spc="-1">
+              <a:solidFill>
+                <a:srgbClr val="000000"/>
+              </a:solidFill>
+              <a:uFill>
+                <a:solidFill>
+                  <a:srgbClr val="FFFFFF"/>
                 </a:solidFill>
               </a:uFill>
               <a:latin typeface="Arial"/>
@@ -2579,15 +2795,16 @@
           </a:prstGeom>
         </p:spPr>
         <p:txBody>
-          <a:bodyPr lIns="0" rIns="0" tIns="0" bIns="0"/>
-          <a:p>
-            <a:endParaRPr b="0" lang="pl-PL" sz="1800" spc="-1" strike="noStrike">
-              <a:solidFill>
-                <a:srgbClr val="000000"/>
-              </a:solidFill>
-              <a:uFill>
-                <a:solidFill>
-                  <a:srgbClr val="ffffff"/>
+          <a:bodyPr lIns="0" tIns="0" rIns="0" bIns="0"/>
+          <a:lstStyle/>
+          <a:p>
+            <a:endParaRPr lang="pl-PL" sz="1800" b="0" strike="noStrike" spc="-1">
+              <a:solidFill>
+                <a:srgbClr val="000000"/>
+              </a:solidFill>
+              <a:uFill>
+                <a:solidFill>
+                  <a:srgbClr val="FFFFFF"/>
                 </a:solidFill>
               </a:uFill>
               <a:latin typeface="Arial"/>
@@ -2597,11 +2814,14 @@
       </p:sp>
     </p:spTree>
   </p:cSld>
+  <p:clrMapOvr>
+    <a:masterClrMapping/>
+  </p:clrMapOvr>
 </p:sldLayout>
 </file>
 
 <file path=ppt/slideLayouts/slideLayout30.xml><?xml version="1.0" encoding="utf-8"?>
-<p:sldLayout xmlns:a="http://schemas.openxmlformats.org/drawingml/2006/main" xmlns:p="http://schemas.openxmlformats.org/presentationml/2006/main" xmlns:r="http://schemas.openxmlformats.org/officeDocument/2006/relationships" xmlns:p14="http://schemas.microsoft.com/office/powerpoint/2010/main" xmlns:p15="http://schemas.microsoft.com/office/powerpoint/2012/main" xmlns:mc="http://schemas.openxmlformats.org/markup-compatibility/2006" type="objOnly" preserve="1">
+<p:sldLayout xmlns:a="http://schemas.openxmlformats.org/drawingml/2006/main" xmlns:r="http://schemas.openxmlformats.org/officeDocument/2006/relationships" xmlns:p="http://schemas.openxmlformats.org/presentationml/2006/main" type="objOnly" preserve="1">
   <p:cSld name="Centered Text">
     <p:spTree>
       <p:nvGrpSpPr>
@@ -2637,16 +2857,17 @@
           </a:prstGeom>
         </p:spPr>
         <p:txBody>
-          <a:bodyPr lIns="0" rIns="0" tIns="0" bIns="0" anchor="ctr"/>
+          <a:bodyPr lIns="0" tIns="0" rIns="0" bIns="0" anchor="ctr"/>
+          <a:lstStyle/>
           <a:p>
             <a:pPr algn="ctr"/>
-            <a:endParaRPr b="0" lang="pl-PL" sz="3200" spc="-1" strike="noStrike">
-              <a:solidFill>
-                <a:srgbClr val="000000"/>
-              </a:solidFill>
-              <a:uFill>
-                <a:solidFill>
-                  <a:srgbClr val="ffffff"/>
+            <a:endParaRPr lang="pl-PL" sz="3200" b="0" strike="noStrike" spc="-1">
+              <a:solidFill>
+                <a:srgbClr val="000000"/>
+              </a:solidFill>
+              <a:uFill>
+                <a:solidFill>
+                  <a:srgbClr val="FFFFFF"/>
                 </a:solidFill>
               </a:uFill>
               <a:latin typeface="Arial"/>
@@ -2656,11 +2877,14 @@
       </p:sp>
     </p:spTree>
   </p:cSld>
+  <p:clrMapOvr>
+    <a:masterClrMapping/>
+  </p:clrMapOvr>
 </p:sldLayout>
 </file>
 
 <file path=ppt/slideLayouts/slideLayout31.xml><?xml version="1.0" encoding="utf-8"?>
-<p:sldLayout xmlns:a="http://schemas.openxmlformats.org/drawingml/2006/main" xmlns:p="http://schemas.openxmlformats.org/presentationml/2006/main" xmlns:r="http://schemas.openxmlformats.org/officeDocument/2006/relationships" xmlns:p14="http://schemas.microsoft.com/office/powerpoint/2010/main" xmlns:p15="http://schemas.microsoft.com/office/powerpoint/2012/main" xmlns:mc="http://schemas.openxmlformats.org/markup-compatibility/2006" type="twoObjAndObj" preserve="1">
+<p:sldLayout xmlns:a="http://schemas.openxmlformats.org/drawingml/2006/main" xmlns:r="http://schemas.openxmlformats.org/officeDocument/2006/relationships" xmlns:p="http://schemas.openxmlformats.org/presentationml/2006/main" type="twoObjAndObj" preserve="1">
   <p:cSld name="Title, 2 Content and Content">
     <p:spTree>
       <p:nvGrpSpPr>
@@ -2696,15 +2920,16 @@
           </a:prstGeom>
         </p:spPr>
         <p:txBody>
-          <a:bodyPr lIns="0" rIns="0" tIns="0" bIns="0" anchor="ctr"/>
-          <a:p>
-            <a:endParaRPr b="0" lang="pl-PL" sz="1800" spc="-1" strike="noStrike">
-              <a:solidFill>
-                <a:srgbClr val="000000"/>
-              </a:solidFill>
-              <a:uFill>
-                <a:solidFill>
-                  <a:srgbClr val="ffffff"/>
+          <a:bodyPr lIns="0" tIns="0" rIns="0" bIns="0" anchor="ctr"/>
+          <a:lstStyle/>
+          <a:p>
+            <a:endParaRPr lang="pl-PL" sz="1800" b="0" strike="noStrike" spc="-1">
+              <a:solidFill>
+                <a:srgbClr val="000000"/>
+              </a:solidFill>
+              <a:uFill>
+                <a:solidFill>
+                  <a:srgbClr val="FFFFFF"/>
                 </a:solidFill>
               </a:uFill>
               <a:latin typeface="Arial"/>
@@ -2732,15 +2957,16 @@
           </a:prstGeom>
         </p:spPr>
         <p:txBody>
-          <a:bodyPr lIns="0" rIns="0" tIns="0" bIns="0"/>
-          <a:p>
-            <a:endParaRPr b="0" lang="pl-PL" sz="1800" spc="-1" strike="noStrike">
-              <a:solidFill>
-                <a:srgbClr val="000000"/>
-              </a:solidFill>
-              <a:uFill>
-                <a:solidFill>
-                  <a:srgbClr val="ffffff"/>
+          <a:bodyPr lIns="0" tIns="0" rIns="0" bIns="0"/>
+          <a:lstStyle/>
+          <a:p>
+            <a:endParaRPr lang="pl-PL" sz="1800" b="0" strike="noStrike" spc="-1">
+              <a:solidFill>
+                <a:srgbClr val="000000"/>
+              </a:solidFill>
+              <a:uFill>
+                <a:solidFill>
+                  <a:srgbClr val="FFFFFF"/>
                 </a:solidFill>
               </a:uFill>
               <a:latin typeface="Arial"/>
@@ -2768,15 +2994,16 @@
           </a:prstGeom>
         </p:spPr>
         <p:txBody>
-          <a:bodyPr lIns="0" rIns="0" tIns="0" bIns="0"/>
-          <a:p>
-            <a:endParaRPr b="0" lang="pl-PL" sz="1800" spc="-1" strike="noStrike">
-              <a:solidFill>
-                <a:srgbClr val="000000"/>
-              </a:solidFill>
-              <a:uFill>
-                <a:solidFill>
-                  <a:srgbClr val="ffffff"/>
+          <a:bodyPr lIns="0" tIns="0" rIns="0" bIns="0"/>
+          <a:lstStyle/>
+          <a:p>
+            <a:endParaRPr lang="pl-PL" sz="1800" b="0" strike="noStrike" spc="-1">
+              <a:solidFill>
+                <a:srgbClr val="000000"/>
+              </a:solidFill>
+              <a:uFill>
+                <a:solidFill>
+                  <a:srgbClr val="FFFFFF"/>
                 </a:solidFill>
               </a:uFill>
               <a:latin typeface="Arial"/>
@@ -2804,15 +3031,16 @@
           </a:prstGeom>
         </p:spPr>
         <p:txBody>
-          <a:bodyPr lIns="0" rIns="0" tIns="0" bIns="0"/>
-          <a:p>
-            <a:endParaRPr b="0" lang="pl-PL" sz="1800" spc="-1" strike="noStrike">
-              <a:solidFill>
-                <a:srgbClr val="000000"/>
-              </a:solidFill>
-              <a:uFill>
-                <a:solidFill>
-                  <a:srgbClr val="ffffff"/>
+          <a:bodyPr lIns="0" tIns="0" rIns="0" bIns="0"/>
+          <a:lstStyle/>
+          <a:p>
+            <a:endParaRPr lang="pl-PL" sz="1800" b="0" strike="noStrike" spc="-1">
+              <a:solidFill>
+                <a:srgbClr val="000000"/>
+              </a:solidFill>
+              <a:uFill>
+                <a:solidFill>
+                  <a:srgbClr val="FFFFFF"/>
                 </a:solidFill>
               </a:uFill>
               <a:latin typeface="Arial"/>
@@ -2822,11 +3050,14 @@
       </p:sp>
     </p:spTree>
   </p:cSld>
+  <p:clrMapOvr>
+    <a:masterClrMapping/>
+  </p:clrMapOvr>
 </p:sldLayout>
 </file>
 
 <file path=ppt/slideLayouts/slideLayout32.xml><?xml version="1.0" encoding="utf-8"?>
-<p:sldLayout xmlns:a="http://schemas.openxmlformats.org/drawingml/2006/main" xmlns:p="http://schemas.openxmlformats.org/presentationml/2006/main" xmlns:r="http://schemas.openxmlformats.org/officeDocument/2006/relationships" xmlns:p14="http://schemas.microsoft.com/office/powerpoint/2010/main" xmlns:p15="http://schemas.microsoft.com/office/powerpoint/2012/main" xmlns:mc="http://schemas.openxmlformats.org/markup-compatibility/2006" type="objAndTwoObj" preserve="1">
+<p:sldLayout xmlns:a="http://schemas.openxmlformats.org/drawingml/2006/main" xmlns:r="http://schemas.openxmlformats.org/officeDocument/2006/relationships" xmlns:p="http://schemas.openxmlformats.org/presentationml/2006/main" type="objAndTwoObj" preserve="1">
   <p:cSld name="Title Content and 2 Content">
     <p:spTree>
       <p:nvGrpSpPr>
@@ -2862,15 +3093,16 @@
           </a:prstGeom>
         </p:spPr>
         <p:txBody>
-          <a:bodyPr lIns="0" rIns="0" tIns="0" bIns="0" anchor="ctr"/>
-          <a:p>
-            <a:endParaRPr b="0" lang="pl-PL" sz="1800" spc="-1" strike="noStrike">
-              <a:solidFill>
-                <a:srgbClr val="000000"/>
-              </a:solidFill>
-              <a:uFill>
-                <a:solidFill>
-                  <a:srgbClr val="ffffff"/>
+          <a:bodyPr lIns="0" tIns="0" rIns="0" bIns="0" anchor="ctr"/>
+          <a:lstStyle/>
+          <a:p>
+            <a:endParaRPr lang="pl-PL" sz="1800" b="0" strike="noStrike" spc="-1">
+              <a:solidFill>
+                <a:srgbClr val="000000"/>
+              </a:solidFill>
+              <a:uFill>
+                <a:solidFill>
+                  <a:srgbClr val="FFFFFF"/>
                 </a:solidFill>
               </a:uFill>
               <a:latin typeface="Arial"/>
@@ -2898,15 +3130,16 @@
           </a:prstGeom>
         </p:spPr>
         <p:txBody>
-          <a:bodyPr lIns="0" rIns="0" tIns="0" bIns="0"/>
-          <a:p>
-            <a:endParaRPr b="0" lang="pl-PL" sz="1800" spc="-1" strike="noStrike">
-              <a:solidFill>
-                <a:srgbClr val="000000"/>
-              </a:solidFill>
-              <a:uFill>
-                <a:solidFill>
-                  <a:srgbClr val="ffffff"/>
+          <a:bodyPr lIns="0" tIns="0" rIns="0" bIns="0"/>
+          <a:lstStyle/>
+          <a:p>
+            <a:endParaRPr lang="pl-PL" sz="1800" b="0" strike="noStrike" spc="-1">
+              <a:solidFill>
+                <a:srgbClr val="000000"/>
+              </a:solidFill>
+              <a:uFill>
+                <a:solidFill>
+                  <a:srgbClr val="FFFFFF"/>
                 </a:solidFill>
               </a:uFill>
               <a:latin typeface="Arial"/>
@@ -2934,15 +3167,16 @@
           </a:prstGeom>
         </p:spPr>
         <p:txBody>
-          <a:bodyPr lIns="0" rIns="0" tIns="0" bIns="0"/>
-          <a:p>
-            <a:endParaRPr b="0" lang="pl-PL" sz="1800" spc="-1" strike="noStrike">
-              <a:solidFill>
-                <a:srgbClr val="000000"/>
-              </a:solidFill>
-              <a:uFill>
-                <a:solidFill>
-                  <a:srgbClr val="ffffff"/>
+          <a:bodyPr lIns="0" tIns="0" rIns="0" bIns="0"/>
+          <a:lstStyle/>
+          <a:p>
+            <a:endParaRPr lang="pl-PL" sz="1800" b="0" strike="noStrike" spc="-1">
+              <a:solidFill>
+                <a:srgbClr val="000000"/>
+              </a:solidFill>
+              <a:uFill>
+                <a:solidFill>
+                  <a:srgbClr val="FFFFFF"/>
                 </a:solidFill>
               </a:uFill>
               <a:latin typeface="Arial"/>
@@ -2970,15 +3204,16 @@
           </a:prstGeom>
         </p:spPr>
         <p:txBody>
-          <a:bodyPr lIns="0" rIns="0" tIns="0" bIns="0"/>
-          <a:p>
-            <a:endParaRPr b="0" lang="pl-PL" sz="1800" spc="-1" strike="noStrike">
-              <a:solidFill>
-                <a:srgbClr val="000000"/>
-              </a:solidFill>
-              <a:uFill>
-                <a:solidFill>
-                  <a:srgbClr val="ffffff"/>
+          <a:bodyPr lIns="0" tIns="0" rIns="0" bIns="0"/>
+          <a:lstStyle/>
+          <a:p>
+            <a:endParaRPr lang="pl-PL" sz="1800" b="0" strike="noStrike" spc="-1">
+              <a:solidFill>
+                <a:srgbClr val="000000"/>
+              </a:solidFill>
+              <a:uFill>
+                <a:solidFill>
+                  <a:srgbClr val="FFFFFF"/>
                 </a:solidFill>
               </a:uFill>
               <a:latin typeface="Arial"/>
@@ -2988,11 +3223,14 @@
       </p:sp>
     </p:spTree>
   </p:cSld>
+  <p:clrMapOvr>
+    <a:masterClrMapping/>
+  </p:clrMapOvr>
 </p:sldLayout>
 </file>
 
 <file path=ppt/slideLayouts/slideLayout33.xml><?xml version="1.0" encoding="utf-8"?>
-<p:sldLayout xmlns:a="http://schemas.openxmlformats.org/drawingml/2006/main" xmlns:p="http://schemas.openxmlformats.org/presentationml/2006/main" xmlns:r="http://schemas.openxmlformats.org/officeDocument/2006/relationships" xmlns:p14="http://schemas.microsoft.com/office/powerpoint/2010/main" xmlns:p15="http://schemas.microsoft.com/office/powerpoint/2012/main" xmlns:mc="http://schemas.openxmlformats.org/markup-compatibility/2006" type="twoObjOverTx" preserve="1">
+<p:sldLayout xmlns:a="http://schemas.openxmlformats.org/drawingml/2006/main" xmlns:r="http://schemas.openxmlformats.org/officeDocument/2006/relationships" xmlns:p="http://schemas.openxmlformats.org/presentationml/2006/main" type="twoObjOverTx" preserve="1">
   <p:cSld name="Title, 2 Content over Content">
     <p:spTree>
       <p:nvGrpSpPr>
@@ -3028,15 +3266,16 @@
           </a:prstGeom>
         </p:spPr>
         <p:txBody>
-          <a:bodyPr lIns="0" rIns="0" tIns="0" bIns="0" anchor="ctr"/>
-          <a:p>
-            <a:endParaRPr b="0" lang="pl-PL" sz="1800" spc="-1" strike="noStrike">
-              <a:solidFill>
-                <a:srgbClr val="000000"/>
-              </a:solidFill>
-              <a:uFill>
-                <a:solidFill>
-                  <a:srgbClr val="ffffff"/>
+          <a:bodyPr lIns="0" tIns="0" rIns="0" bIns="0" anchor="ctr"/>
+          <a:lstStyle/>
+          <a:p>
+            <a:endParaRPr lang="pl-PL" sz="1800" b="0" strike="noStrike" spc="-1">
+              <a:solidFill>
+                <a:srgbClr val="000000"/>
+              </a:solidFill>
+              <a:uFill>
+                <a:solidFill>
+                  <a:srgbClr val="FFFFFF"/>
                 </a:solidFill>
               </a:uFill>
               <a:latin typeface="Arial"/>
@@ -3064,15 +3303,16 @@
           </a:prstGeom>
         </p:spPr>
         <p:txBody>
-          <a:bodyPr lIns="0" rIns="0" tIns="0" bIns="0"/>
-          <a:p>
-            <a:endParaRPr b="0" lang="pl-PL" sz="1800" spc="-1" strike="noStrike">
-              <a:solidFill>
-                <a:srgbClr val="000000"/>
-              </a:solidFill>
-              <a:uFill>
-                <a:solidFill>
-                  <a:srgbClr val="ffffff"/>
+          <a:bodyPr lIns="0" tIns="0" rIns="0" bIns="0"/>
+          <a:lstStyle/>
+          <a:p>
+            <a:endParaRPr lang="pl-PL" sz="1800" b="0" strike="noStrike" spc="-1">
+              <a:solidFill>
+                <a:srgbClr val="000000"/>
+              </a:solidFill>
+              <a:uFill>
+                <a:solidFill>
+                  <a:srgbClr val="FFFFFF"/>
                 </a:solidFill>
               </a:uFill>
               <a:latin typeface="Arial"/>
@@ -3100,15 +3340,16 @@
           </a:prstGeom>
         </p:spPr>
         <p:txBody>
-          <a:bodyPr lIns="0" rIns="0" tIns="0" bIns="0"/>
-          <a:p>
-            <a:endParaRPr b="0" lang="pl-PL" sz="1800" spc="-1" strike="noStrike">
-              <a:solidFill>
-                <a:srgbClr val="000000"/>
-              </a:solidFill>
-              <a:uFill>
-                <a:solidFill>
-                  <a:srgbClr val="ffffff"/>
+          <a:bodyPr lIns="0" tIns="0" rIns="0" bIns="0"/>
+          <a:lstStyle/>
+          <a:p>
+            <a:endParaRPr lang="pl-PL" sz="1800" b="0" strike="noStrike" spc="-1">
+              <a:solidFill>
+                <a:srgbClr val="000000"/>
+              </a:solidFill>
+              <a:uFill>
+                <a:solidFill>
+                  <a:srgbClr val="FFFFFF"/>
                 </a:solidFill>
               </a:uFill>
               <a:latin typeface="Arial"/>
@@ -3136,15 +3377,16 @@
           </a:prstGeom>
         </p:spPr>
         <p:txBody>
-          <a:bodyPr lIns="0" rIns="0" tIns="0" bIns="0"/>
-          <a:p>
-            <a:endParaRPr b="0" lang="pl-PL" sz="1800" spc="-1" strike="noStrike">
-              <a:solidFill>
-                <a:srgbClr val="000000"/>
-              </a:solidFill>
-              <a:uFill>
-                <a:solidFill>
-                  <a:srgbClr val="ffffff"/>
+          <a:bodyPr lIns="0" tIns="0" rIns="0" bIns="0"/>
+          <a:lstStyle/>
+          <a:p>
+            <a:endParaRPr lang="pl-PL" sz="1800" b="0" strike="noStrike" spc="-1">
+              <a:solidFill>
+                <a:srgbClr val="000000"/>
+              </a:solidFill>
+              <a:uFill>
+                <a:solidFill>
+                  <a:srgbClr val="FFFFFF"/>
                 </a:solidFill>
               </a:uFill>
               <a:latin typeface="Arial"/>
@@ -3154,11 +3396,14 @@
       </p:sp>
     </p:spTree>
   </p:cSld>
+  <p:clrMapOvr>
+    <a:masterClrMapping/>
+  </p:clrMapOvr>
 </p:sldLayout>
 </file>
 
 <file path=ppt/slideLayouts/slideLayout34.xml><?xml version="1.0" encoding="utf-8"?>
-<p:sldLayout xmlns:a="http://schemas.openxmlformats.org/drawingml/2006/main" xmlns:p="http://schemas.openxmlformats.org/presentationml/2006/main" xmlns:r="http://schemas.openxmlformats.org/officeDocument/2006/relationships" xmlns:p14="http://schemas.microsoft.com/office/powerpoint/2010/main" xmlns:p15="http://schemas.microsoft.com/office/powerpoint/2012/main" xmlns:mc="http://schemas.openxmlformats.org/markup-compatibility/2006" type="objOverTx" preserve="1">
+<p:sldLayout xmlns:a="http://schemas.openxmlformats.org/drawingml/2006/main" xmlns:r="http://schemas.openxmlformats.org/officeDocument/2006/relationships" xmlns:p="http://schemas.openxmlformats.org/presentationml/2006/main" type="objOverTx" preserve="1">
   <p:cSld name="Title, Content over Content">
     <p:spTree>
       <p:nvGrpSpPr>
@@ -3194,15 +3439,16 @@
           </a:prstGeom>
         </p:spPr>
         <p:txBody>
-          <a:bodyPr lIns="0" rIns="0" tIns="0" bIns="0" anchor="ctr"/>
-          <a:p>
-            <a:endParaRPr b="0" lang="pl-PL" sz="1800" spc="-1" strike="noStrike">
-              <a:solidFill>
-                <a:srgbClr val="000000"/>
-              </a:solidFill>
-              <a:uFill>
-                <a:solidFill>
-                  <a:srgbClr val="ffffff"/>
+          <a:bodyPr lIns="0" tIns="0" rIns="0" bIns="0" anchor="ctr"/>
+          <a:lstStyle/>
+          <a:p>
+            <a:endParaRPr lang="pl-PL" sz="1800" b="0" strike="noStrike" spc="-1">
+              <a:solidFill>
+                <a:srgbClr val="000000"/>
+              </a:solidFill>
+              <a:uFill>
+                <a:solidFill>
+                  <a:srgbClr val="FFFFFF"/>
                 </a:solidFill>
               </a:uFill>
               <a:latin typeface="Arial"/>
@@ -3230,15 +3476,16 @@
           </a:prstGeom>
         </p:spPr>
         <p:txBody>
-          <a:bodyPr lIns="0" rIns="0" tIns="0" bIns="0"/>
-          <a:p>
-            <a:endParaRPr b="0" lang="pl-PL" sz="1800" spc="-1" strike="noStrike">
-              <a:solidFill>
-                <a:srgbClr val="000000"/>
-              </a:solidFill>
-              <a:uFill>
-                <a:solidFill>
-                  <a:srgbClr val="ffffff"/>
+          <a:bodyPr lIns="0" tIns="0" rIns="0" bIns="0"/>
+          <a:lstStyle/>
+          <a:p>
+            <a:endParaRPr lang="pl-PL" sz="1800" b="0" strike="noStrike" spc="-1">
+              <a:solidFill>
+                <a:srgbClr val="000000"/>
+              </a:solidFill>
+              <a:uFill>
+                <a:solidFill>
+                  <a:srgbClr val="FFFFFF"/>
                 </a:solidFill>
               </a:uFill>
               <a:latin typeface="Arial"/>
@@ -3266,15 +3513,16 @@
           </a:prstGeom>
         </p:spPr>
         <p:txBody>
-          <a:bodyPr lIns="0" rIns="0" tIns="0" bIns="0"/>
-          <a:p>
-            <a:endParaRPr b="0" lang="pl-PL" sz="1800" spc="-1" strike="noStrike">
-              <a:solidFill>
-                <a:srgbClr val="000000"/>
-              </a:solidFill>
-              <a:uFill>
-                <a:solidFill>
-                  <a:srgbClr val="ffffff"/>
+          <a:bodyPr lIns="0" tIns="0" rIns="0" bIns="0"/>
+          <a:lstStyle/>
+          <a:p>
+            <a:endParaRPr lang="pl-PL" sz="1800" b="0" strike="noStrike" spc="-1">
+              <a:solidFill>
+                <a:srgbClr val="000000"/>
+              </a:solidFill>
+              <a:uFill>
+                <a:solidFill>
+                  <a:srgbClr val="FFFFFF"/>
                 </a:solidFill>
               </a:uFill>
               <a:latin typeface="Arial"/>
@@ -3284,11 +3532,14 @@
       </p:sp>
     </p:spTree>
   </p:cSld>
+  <p:clrMapOvr>
+    <a:masterClrMapping/>
+  </p:clrMapOvr>
 </p:sldLayout>
 </file>
 
 <file path=ppt/slideLayouts/slideLayout35.xml><?xml version="1.0" encoding="utf-8"?>
-<p:sldLayout xmlns:a="http://schemas.openxmlformats.org/drawingml/2006/main" xmlns:p="http://schemas.openxmlformats.org/presentationml/2006/main" xmlns:r="http://schemas.openxmlformats.org/officeDocument/2006/relationships" xmlns:p14="http://schemas.microsoft.com/office/powerpoint/2010/main" xmlns:p15="http://schemas.microsoft.com/office/powerpoint/2012/main" xmlns:mc="http://schemas.openxmlformats.org/markup-compatibility/2006" type="fourObj" preserve="1">
+<p:sldLayout xmlns:a="http://schemas.openxmlformats.org/drawingml/2006/main" xmlns:r="http://schemas.openxmlformats.org/officeDocument/2006/relationships" xmlns:p="http://schemas.openxmlformats.org/presentationml/2006/main" type="fourObj" preserve="1">
   <p:cSld name="Title, 4 Content">
     <p:spTree>
       <p:nvGrpSpPr>
@@ -3324,15 +3575,16 @@
           </a:prstGeom>
         </p:spPr>
         <p:txBody>
-          <a:bodyPr lIns="0" rIns="0" tIns="0" bIns="0" anchor="ctr"/>
-          <a:p>
-            <a:endParaRPr b="0" lang="pl-PL" sz="1800" spc="-1" strike="noStrike">
-              <a:solidFill>
-                <a:srgbClr val="000000"/>
-              </a:solidFill>
-              <a:uFill>
-                <a:solidFill>
-                  <a:srgbClr val="ffffff"/>
+          <a:bodyPr lIns="0" tIns="0" rIns="0" bIns="0" anchor="ctr"/>
+          <a:lstStyle/>
+          <a:p>
+            <a:endParaRPr lang="pl-PL" sz="1800" b="0" strike="noStrike" spc="-1">
+              <a:solidFill>
+                <a:srgbClr val="000000"/>
+              </a:solidFill>
+              <a:uFill>
+                <a:solidFill>
+                  <a:srgbClr val="FFFFFF"/>
                 </a:solidFill>
               </a:uFill>
               <a:latin typeface="Arial"/>
@@ -3360,15 +3612,16 @@
           </a:prstGeom>
         </p:spPr>
         <p:txBody>
-          <a:bodyPr lIns="0" rIns="0" tIns="0" bIns="0"/>
-          <a:p>
-            <a:endParaRPr b="0" lang="pl-PL" sz="1800" spc="-1" strike="noStrike">
-              <a:solidFill>
-                <a:srgbClr val="000000"/>
-              </a:solidFill>
-              <a:uFill>
-                <a:solidFill>
-                  <a:srgbClr val="ffffff"/>
+          <a:bodyPr lIns="0" tIns="0" rIns="0" bIns="0"/>
+          <a:lstStyle/>
+          <a:p>
+            <a:endParaRPr lang="pl-PL" sz="1800" b="0" strike="noStrike" spc="-1">
+              <a:solidFill>
+                <a:srgbClr val="000000"/>
+              </a:solidFill>
+              <a:uFill>
+                <a:solidFill>
+                  <a:srgbClr val="FFFFFF"/>
                 </a:solidFill>
               </a:uFill>
               <a:latin typeface="Arial"/>
@@ -3396,15 +3649,16 @@
           </a:prstGeom>
         </p:spPr>
         <p:txBody>
-          <a:bodyPr lIns="0" rIns="0" tIns="0" bIns="0"/>
-          <a:p>
-            <a:endParaRPr b="0" lang="pl-PL" sz="1800" spc="-1" strike="noStrike">
-              <a:solidFill>
-                <a:srgbClr val="000000"/>
-              </a:solidFill>
-              <a:uFill>
-                <a:solidFill>
-                  <a:srgbClr val="ffffff"/>
+          <a:bodyPr lIns="0" tIns="0" rIns="0" bIns="0"/>
+          <a:lstStyle/>
+          <a:p>
+            <a:endParaRPr lang="pl-PL" sz="1800" b="0" strike="noStrike" spc="-1">
+              <a:solidFill>
+                <a:srgbClr val="000000"/>
+              </a:solidFill>
+              <a:uFill>
+                <a:solidFill>
+                  <a:srgbClr val="FFFFFF"/>
                 </a:solidFill>
               </a:uFill>
               <a:latin typeface="Arial"/>
@@ -3432,15 +3686,16 @@
           </a:prstGeom>
         </p:spPr>
         <p:txBody>
-          <a:bodyPr lIns="0" rIns="0" tIns="0" bIns="0"/>
-          <a:p>
-            <a:endParaRPr b="0" lang="pl-PL" sz="1800" spc="-1" strike="noStrike">
-              <a:solidFill>
-                <a:srgbClr val="000000"/>
-              </a:solidFill>
-              <a:uFill>
-                <a:solidFill>
-                  <a:srgbClr val="ffffff"/>
+          <a:bodyPr lIns="0" tIns="0" rIns="0" bIns="0"/>
+          <a:lstStyle/>
+          <a:p>
+            <a:endParaRPr lang="pl-PL" sz="1800" b="0" strike="noStrike" spc="-1">
+              <a:solidFill>
+                <a:srgbClr val="000000"/>
+              </a:solidFill>
+              <a:uFill>
+                <a:solidFill>
+                  <a:srgbClr val="FFFFFF"/>
                 </a:solidFill>
               </a:uFill>
               <a:latin typeface="Arial"/>
@@ -3468,15 +3723,16 @@
           </a:prstGeom>
         </p:spPr>
         <p:txBody>
-          <a:bodyPr lIns="0" rIns="0" tIns="0" bIns="0"/>
-          <a:p>
-            <a:endParaRPr b="0" lang="pl-PL" sz="1800" spc="-1" strike="noStrike">
-              <a:solidFill>
-                <a:srgbClr val="000000"/>
-              </a:solidFill>
-              <a:uFill>
-                <a:solidFill>
-                  <a:srgbClr val="ffffff"/>
+          <a:bodyPr lIns="0" tIns="0" rIns="0" bIns="0"/>
+          <a:lstStyle/>
+          <a:p>
+            <a:endParaRPr lang="pl-PL" sz="1800" b="0" strike="noStrike" spc="-1">
+              <a:solidFill>
+                <a:srgbClr val="000000"/>
+              </a:solidFill>
+              <a:uFill>
+                <a:solidFill>
+                  <a:srgbClr val="FFFFFF"/>
                 </a:solidFill>
               </a:uFill>
               <a:latin typeface="Arial"/>
@@ -3486,11 +3742,14 @@
       </p:sp>
     </p:spTree>
   </p:cSld>
+  <p:clrMapOvr>
+    <a:masterClrMapping/>
+  </p:clrMapOvr>
 </p:sldLayout>
 </file>
 
 <file path=ppt/slideLayouts/slideLayout36.xml><?xml version="1.0" encoding="utf-8"?>
-<p:sldLayout xmlns:a="http://schemas.openxmlformats.org/drawingml/2006/main" xmlns:p="http://schemas.openxmlformats.org/presentationml/2006/main" xmlns:r="http://schemas.openxmlformats.org/officeDocument/2006/relationships" xmlns:p14="http://schemas.microsoft.com/office/powerpoint/2010/main" xmlns:p15="http://schemas.microsoft.com/office/powerpoint/2012/main" xmlns:mc="http://schemas.openxmlformats.org/markup-compatibility/2006" type="blank" preserve="1">
+<p:sldLayout xmlns:a="http://schemas.openxmlformats.org/drawingml/2006/main" xmlns:r="http://schemas.openxmlformats.org/officeDocument/2006/relationships" xmlns:p="http://schemas.openxmlformats.org/presentationml/2006/main" type="blank" preserve="1">
   <p:cSld name="Title, 6 Content">
     <p:spTree>
       <p:nvGrpSpPr>
@@ -3526,15 +3785,16 @@
           </a:prstGeom>
         </p:spPr>
         <p:txBody>
-          <a:bodyPr lIns="0" rIns="0" tIns="0" bIns="0" anchor="ctr"/>
-          <a:p>
-            <a:endParaRPr b="0" lang="pl-PL" sz="1800" spc="-1" strike="noStrike">
-              <a:solidFill>
-                <a:srgbClr val="000000"/>
-              </a:solidFill>
-              <a:uFill>
-                <a:solidFill>
-                  <a:srgbClr val="ffffff"/>
+          <a:bodyPr lIns="0" tIns="0" rIns="0" bIns="0" anchor="ctr"/>
+          <a:lstStyle/>
+          <a:p>
+            <a:endParaRPr lang="pl-PL" sz="1800" b="0" strike="noStrike" spc="-1">
+              <a:solidFill>
+                <a:srgbClr val="000000"/>
+              </a:solidFill>
+              <a:uFill>
+                <a:solidFill>
+                  <a:srgbClr val="FFFFFF"/>
                 </a:solidFill>
               </a:uFill>
               <a:latin typeface="Arial"/>
@@ -3562,15 +3822,16 @@
           </a:prstGeom>
         </p:spPr>
         <p:txBody>
-          <a:bodyPr lIns="0" rIns="0" tIns="0" bIns="0"/>
-          <a:p>
-            <a:endParaRPr b="0" lang="pl-PL" sz="1800" spc="-1" strike="noStrike">
-              <a:solidFill>
-                <a:srgbClr val="000000"/>
-              </a:solidFill>
-              <a:uFill>
-                <a:solidFill>
-                  <a:srgbClr val="ffffff"/>
+          <a:bodyPr lIns="0" tIns="0" rIns="0" bIns="0"/>
+          <a:lstStyle/>
+          <a:p>
+            <a:endParaRPr lang="pl-PL" sz="1800" b="0" strike="noStrike" spc="-1">
+              <a:solidFill>
+                <a:srgbClr val="000000"/>
+              </a:solidFill>
+              <a:uFill>
+                <a:solidFill>
+                  <a:srgbClr val="FFFFFF"/>
                 </a:solidFill>
               </a:uFill>
               <a:latin typeface="Arial"/>
@@ -3598,15 +3859,16 @@
           </a:prstGeom>
         </p:spPr>
         <p:txBody>
-          <a:bodyPr lIns="0" rIns="0" tIns="0" bIns="0"/>
-          <a:p>
-            <a:endParaRPr b="0" lang="pl-PL" sz="1800" spc="-1" strike="noStrike">
-              <a:solidFill>
-                <a:srgbClr val="000000"/>
-              </a:solidFill>
-              <a:uFill>
-                <a:solidFill>
-                  <a:srgbClr val="ffffff"/>
+          <a:bodyPr lIns="0" tIns="0" rIns="0" bIns="0"/>
+          <a:lstStyle/>
+          <a:p>
+            <a:endParaRPr lang="pl-PL" sz="1800" b="0" strike="noStrike" spc="-1">
+              <a:solidFill>
+                <a:srgbClr val="000000"/>
+              </a:solidFill>
+              <a:uFill>
+                <a:solidFill>
+                  <a:srgbClr val="FFFFFF"/>
                 </a:solidFill>
               </a:uFill>
               <a:latin typeface="Arial"/>
@@ -3616,7 +3878,7 @@
       </p:sp>
       <p:pic>
         <p:nvPicPr>
-          <p:cNvPr id="106" name="" descr=""/>
+          <p:cNvPr id="106" name="Obraz 105"/>
           <p:cNvPicPr/>
           <p:nvPr/>
         </p:nvPicPr>
@@ -3639,12 +3901,12 @@
       </p:pic>
       <p:pic>
         <p:nvPicPr>
-          <p:cNvPr id="107" name="" descr=""/>
+          <p:cNvPr id="107" name="Obraz 106"/>
           <p:cNvPicPr/>
           <p:nvPr/>
         </p:nvPicPr>
         <p:blipFill>
-          <a:blip r:embed="rId3"/>
+          <a:blip r:embed="rId2"/>
           <a:stretch/>
         </p:blipFill>
         <p:spPr>
@@ -3662,11 +3924,14 @@
       </p:pic>
     </p:spTree>
   </p:cSld>
+  <p:clrMapOvr>
+    <a:masterClrMapping/>
+  </p:clrMapOvr>
 </p:sldLayout>
 </file>
 
 <file path=ppt/slideLayouts/slideLayout4.xml><?xml version="1.0" encoding="utf-8"?>
-<p:sldLayout xmlns:a="http://schemas.openxmlformats.org/drawingml/2006/main" xmlns:p="http://schemas.openxmlformats.org/presentationml/2006/main" xmlns:r="http://schemas.openxmlformats.org/officeDocument/2006/relationships" xmlns:p14="http://schemas.microsoft.com/office/powerpoint/2010/main" xmlns:p15="http://schemas.microsoft.com/office/powerpoint/2012/main" xmlns:mc="http://schemas.openxmlformats.org/markup-compatibility/2006" type="twoObj" preserve="1">
+<p:sldLayout xmlns:a="http://schemas.openxmlformats.org/drawingml/2006/main" xmlns:r="http://schemas.openxmlformats.org/officeDocument/2006/relationships" xmlns:p="http://schemas.openxmlformats.org/presentationml/2006/main" type="twoObj" preserve="1">
   <p:cSld name="Title, 2 Content">
     <p:spTree>
       <p:nvGrpSpPr>
@@ -3702,15 +3967,16 @@
           </a:prstGeom>
         </p:spPr>
         <p:txBody>
-          <a:bodyPr lIns="0" rIns="0" tIns="0" bIns="0" anchor="ctr"/>
-          <a:p>
-            <a:endParaRPr b="0" lang="pl-PL" sz="1800" spc="-1" strike="noStrike">
-              <a:solidFill>
-                <a:srgbClr val="000000"/>
-              </a:solidFill>
-              <a:uFill>
-                <a:solidFill>
-                  <a:srgbClr val="ffffff"/>
+          <a:bodyPr lIns="0" tIns="0" rIns="0" bIns="0" anchor="ctr"/>
+          <a:lstStyle/>
+          <a:p>
+            <a:endParaRPr lang="pl-PL" sz="1800" b="0" strike="noStrike" spc="-1">
+              <a:solidFill>
+                <a:srgbClr val="000000"/>
+              </a:solidFill>
+              <a:uFill>
+                <a:solidFill>
+                  <a:srgbClr val="FFFFFF"/>
                 </a:solidFill>
               </a:uFill>
               <a:latin typeface="Arial"/>
@@ -3738,15 +4004,16 @@
           </a:prstGeom>
         </p:spPr>
         <p:txBody>
-          <a:bodyPr lIns="0" rIns="0" tIns="0" bIns="0"/>
-          <a:p>
-            <a:endParaRPr b="0" lang="pl-PL" sz="1800" spc="-1" strike="noStrike">
-              <a:solidFill>
-                <a:srgbClr val="000000"/>
-              </a:solidFill>
-              <a:uFill>
-                <a:solidFill>
-                  <a:srgbClr val="ffffff"/>
+          <a:bodyPr lIns="0" tIns="0" rIns="0" bIns="0"/>
+          <a:lstStyle/>
+          <a:p>
+            <a:endParaRPr lang="pl-PL" sz="1800" b="0" strike="noStrike" spc="-1">
+              <a:solidFill>
+                <a:srgbClr val="000000"/>
+              </a:solidFill>
+              <a:uFill>
+                <a:solidFill>
+                  <a:srgbClr val="FFFFFF"/>
                 </a:solidFill>
               </a:uFill>
               <a:latin typeface="Arial"/>
@@ -3774,15 +4041,16 @@
           </a:prstGeom>
         </p:spPr>
         <p:txBody>
-          <a:bodyPr lIns="0" rIns="0" tIns="0" bIns="0"/>
-          <a:p>
-            <a:endParaRPr b="0" lang="pl-PL" sz="1800" spc="-1" strike="noStrike">
-              <a:solidFill>
-                <a:srgbClr val="000000"/>
-              </a:solidFill>
-              <a:uFill>
-                <a:solidFill>
-                  <a:srgbClr val="ffffff"/>
+          <a:bodyPr lIns="0" tIns="0" rIns="0" bIns="0"/>
+          <a:lstStyle/>
+          <a:p>
+            <a:endParaRPr lang="pl-PL" sz="1800" b="0" strike="noStrike" spc="-1">
+              <a:solidFill>
+                <a:srgbClr val="000000"/>
+              </a:solidFill>
+              <a:uFill>
+                <a:solidFill>
+                  <a:srgbClr val="FFFFFF"/>
                 </a:solidFill>
               </a:uFill>
               <a:latin typeface="Arial"/>
@@ -3792,11 +4060,14 @@
       </p:sp>
     </p:spTree>
   </p:cSld>
+  <p:clrMapOvr>
+    <a:masterClrMapping/>
+  </p:clrMapOvr>
 </p:sldLayout>
 </file>
 
 <file path=ppt/slideLayouts/slideLayout5.xml><?xml version="1.0" encoding="utf-8"?>
-<p:sldLayout xmlns:a="http://schemas.openxmlformats.org/drawingml/2006/main" xmlns:p="http://schemas.openxmlformats.org/presentationml/2006/main" xmlns:r="http://schemas.openxmlformats.org/officeDocument/2006/relationships" xmlns:p14="http://schemas.microsoft.com/office/powerpoint/2010/main" xmlns:p15="http://schemas.microsoft.com/office/powerpoint/2012/main" xmlns:mc="http://schemas.openxmlformats.org/markup-compatibility/2006" type="titleOnly" preserve="1">
+<p:sldLayout xmlns:a="http://schemas.openxmlformats.org/drawingml/2006/main" xmlns:r="http://schemas.openxmlformats.org/officeDocument/2006/relationships" xmlns:p="http://schemas.openxmlformats.org/presentationml/2006/main" type="titleOnly" preserve="1">
   <p:cSld name="Title Only">
     <p:spTree>
       <p:nvGrpSpPr>
@@ -3832,15 +4103,16 @@
           </a:prstGeom>
         </p:spPr>
         <p:txBody>
-          <a:bodyPr lIns="0" rIns="0" tIns="0" bIns="0" anchor="ctr"/>
-          <a:p>
-            <a:endParaRPr b="0" lang="pl-PL" sz="1800" spc="-1" strike="noStrike">
-              <a:solidFill>
-                <a:srgbClr val="000000"/>
-              </a:solidFill>
-              <a:uFill>
-                <a:solidFill>
-                  <a:srgbClr val="ffffff"/>
+          <a:bodyPr lIns="0" tIns="0" rIns="0" bIns="0" anchor="ctr"/>
+          <a:lstStyle/>
+          <a:p>
+            <a:endParaRPr lang="pl-PL" sz="1800" b="0" strike="noStrike" spc="-1">
+              <a:solidFill>
+                <a:srgbClr val="000000"/>
+              </a:solidFill>
+              <a:uFill>
+                <a:solidFill>
+                  <a:srgbClr val="FFFFFF"/>
                 </a:solidFill>
               </a:uFill>
               <a:latin typeface="Arial"/>
@@ -3850,11 +4122,14 @@
       </p:sp>
     </p:spTree>
   </p:cSld>
+  <p:clrMapOvr>
+    <a:masterClrMapping/>
+  </p:clrMapOvr>
 </p:sldLayout>
 </file>
 
 <file path=ppt/slideLayouts/slideLayout6.xml><?xml version="1.0" encoding="utf-8"?>
-<p:sldLayout xmlns:a="http://schemas.openxmlformats.org/drawingml/2006/main" xmlns:p="http://schemas.openxmlformats.org/presentationml/2006/main" xmlns:r="http://schemas.openxmlformats.org/officeDocument/2006/relationships" xmlns:p14="http://schemas.microsoft.com/office/powerpoint/2010/main" xmlns:p15="http://schemas.microsoft.com/office/powerpoint/2012/main" xmlns:mc="http://schemas.openxmlformats.org/markup-compatibility/2006" type="objOnly" preserve="1">
+<p:sldLayout xmlns:a="http://schemas.openxmlformats.org/drawingml/2006/main" xmlns:r="http://schemas.openxmlformats.org/officeDocument/2006/relationships" xmlns:p="http://schemas.openxmlformats.org/presentationml/2006/main" type="objOnly" preserve="1">
   <p:cSld name="Centered Text">
     <p:spTree>
       <p:nvGrpSpPr>
@@ -3890,16 +4165,17 @@
           </a:prstGeom>
         </p:spPr>
         <p:txBody>
-          <a:bodyPr lIns="0" rIns="0" tIns="0" bIns="0" anchor="ctr"/>
+          <a:bodyPr lIns="0" tIns="0" rIns="0" bIns="0" anchor="ctr"/>
+          <a:lstStyle/>
           <a:p>
             <a:pPr algn="ctr"/>
-            <a:endParaRPr b="0" lang="pl-PL" sz="3200" spc="-1" strike="noStrike">
-              <a:solidFill>
-                <a:srgbClr val="000000"/>
-              </a:solidFill>
-              <a:uFill>
-                <a:solidFill>
-                  <a:srgbClr val="ffffff"/>
+            <a:endParaRPr lang="pl-PL" sz="3200" b="0" strike="noStrike" spc="-1">
+              <a:solidFill>
+                <a:srgbClr val="000000"/>
+              </a:solidFill>
+              <a:uFill>
+                <a:solidFill>
+                  <a:srgbClr val="FFFFFF"/>
                 </a:solidFill>
               </a:uFill>
               <a:latin typeface="Arial"/>
@@ -3909,11 +4185,14 @@
       </p:sp>
     </p:spTree>
   </p:cSld>
+  <p:clrMapOvr>
+    <a:masterClrMapping/>
+  </p:clrMapOvr>
 </p:sldLayout>
 </file>
 
 <file path=ppt/slideLayouts/slideLayout7.xml><?xml version="1.0" encoding="utf-8"?>
-<p:sldLayout xmlns:a="http://schemas.openxmlformats.org/drawingml/2006/main" xmlns:p="http://schemas.openxmlformats.org/presentationml/2006/main" xmlns:r="http://schemas.openxmlformats.org/officeDocument/2006/relationships" xmlns:p14="http://schemas.microsoft.com/office/powerpoint/2010/main" xmlns:p15="http://schemas.microsoft.com/office/powerpoint/2012/main" xmlns:mc="http://schemas.openxmlformats.org/markup-compatibility/2006" type="twoObjAndObj" preserve="1">
+<p:sldLayout xmlns:a="http://schemas.openxmlformats.org/drawingml/2006/main" xmlns:r="http://schemas.openxmlformats.org/officeDocument/2006/relationships" xmlns:p="http://schemas.openxmlformats.org/presentationml/2006/main" type="twoObjAndObj" preserve="1">
   <p:cSld name="Title, 2 Content and Content">
     <p:spTree>
       <p:nvGrpSpPr>
@@ -3949,15 +4228,16 @@
           </a:prstGeom>
         </p:spPr>
         <p:txBody>
-          <a:bodyPr lIns="0" rIns="0" tIns="0" bIns="0" anchor="ctr"/>
-          <a:p>
-            <a:endParaRPr b="0" lang="pl-PL" sz="1800" spc="-1" strike="noStrike">
-              <a:solidFill>
-                <a:srgbClr val="000000"/>
-              </a:solidFill>
-              <a:uFill>
-                <a:solidFill>
-                  <a:srgbClr val="ffffff"/>
+          <a:bodyPr lIns="0" tIns="0" rIns="0" bIns="0" anchor="ctr"/>
+          <a:lstStyle/>
+          <a:p>
+            <a:endParaRPr lang="pl-PL" sz="1800" b="0" strike="noStrike" spc="-1">
+              <a:solidFill>
+                <a:srgbClr val="000000"/>
+              </a:solidFill>
+              <a:uFill>
+                <a:solidFill>
+                  <a:srgbClr val="FFFFFF"/>
                 </a:solidFill>
               </a:uFill>
               <a:latin typeface="Arial"/>
@@ -3985,15 +4265,16 @@
           </a:prstGeom>
         </p:spPr>
         <p:txBody>
-          <a:bodyPr lIns="0" rIns="0" tIns="0" bIns="0"/>
-          <a:p>
-            <a:endParaRPr b="0" lang="pl-PL" sz="1800" spc="-1" strike="noStrike">
-              <a:solidFill>
-                <a:srgbClr val="000000"/>
-              </a:solidFill>
-              <a:uFill>
-                <a:solidFill>
-                  <a:srgbClr val="ffffff"/>
+          <a:bodyPr lIns="0" tIns="0" rIns="0" bIns="0"/>
+          <a:lstStyle/>
+          <a:p>
+            <a:endParaRPr lang="pl-PL" sz="1800" b="0" strike="noStrike" spc="-1">
+              <a:solidFill>
+                <a:srgbClr val="000000"/>
+              </a:solidFill>
+              <a:uFill>
+                <a:solidFill>
+                  <a:srgbClr val="FFFFFF"/>
                 </a:solidFill>
               </a:uFill>
               <a:latin typeface="Arial"/>
@@ -4021,15 +4302,16 @@
           </a:prstGeom>
         </p:spPr>
         <p:txBody>
-          <a:bodyPr lIns="0" rIns="0" tIns="0" bIns="0"/>
-          <a:p>
-            <a:endParaRPr b="0" lang="pl-PL" sz="1800" spc="-1" strike="noStrike">
-              <a:solidFill>
-                <a:srgbClr val="000000"/>
-              </a:solidFill>
-              <a:uFill>
-                <a:solidFill>
-                  <a:srgbClr val="ffffff"/>
+          <a:bodyPr lIns="0" tIns="0" rIns="0" bIns="0"/>
+          <a:lstStyle/>
+          <a:p>
+            <a:endParaRPr lang="pl-PL" sz="1800" b="0" strike="noStrike" spc="-1">
+              <a:solidFill>
+                <a:srgbClr val="000000"/>
+              </a:solidFill>
+              <a:uFill>
+                <a:solidFill>
+                  <a:srgbClr val="FFFFFF"/>
                 </a:solidFill>
               </a:uFill>
               <a:latin typeface="Arial"/>
@@ -4057,15 +4339,16 @@
           </a:prstGeom>
         </p:spPr>
         <p:txBody>
-          <a:bodyPr lIns="0" rIns="0" tIns="0" bIns="0"/>
-          <a:p>
-            <a:endParaRPr b="0" lang="pl-PL" sz="1800" spc="-1" strike="noStrike">
-              <a:solidFill>
-                <a:srgbClr val="000000"/>
-              </a:solidFill>
-              <a:uFill>
-                <a:solidFill>
-                  <a:srgbClr val="ffffff"/>
+          <a:bodyPr lIns="0" tIns="0" rIns="0" bIns="0"/>
+          <a:lstStyle/>
+          <a:p>
+            <a:endParaRPr lang="pl-PL" sz="1800" b="0" strike="noStrike" spc="-1">
+              <a:solidFill>
+                <a:srgbClr val="000000"/>
+              </a:solidFill>
+              <a:uFill>
+                <a:solidFill>
+                  <a:srgbClr val="FFFFFF"/>
                 </a:solidFill>
               </a:uFill>
               <a:latin typeface="Arial"/>
@@ -4075,11 +4358,14 @@
       </p:sp>
     </p:spTree>
   </p:cSld>
+  <p:clrMapOvr>
+    <a:masterClrMapping/>
+  </p:clrMapOvr>
 </p:sldLayout>
 </file>
 
 <file path=ppt/slideLayouts/slideLayout8.xml><?xml version="1.0" encoding="utf-8"?>
-<p:sldLayout xmlns:a="http://schemas.openxmlformats.org/drawingml/2006/main" xmlns:p="http://schemas.openxmlformats.org/presentationml/2006/main" xmlns:r="http://schemas.openxmlformats.org/officeDocument/2006/relationships" xmlns:p14="http://schemas.microsoft.com/office/powerpoint/2010/main" xmlns:p15="http://schemas.microsoft.com/office/powerpoint/2012/main" xmlns:mc="http://schemas.openxmlformats.org/markup-compatibility/2006" type="objAndTwoObj" preserve="1">
+<p:sldLayout xmlns:a="http://schemas.openxmlformats.org/drawingml/2006/main" xmlns:r="http://schemas.openxmlformats.org/officeDocument/2006/relationships" xmlns:p="http://schemas.openxmlformats.org/presentationml/2006/main" type="objAndTwoObj" preserve="1">
   <p:cSld name="Title Content and 2 Content">
     <p:spTree>
       <p:nvGrpSpPr>
@@ -4115,15 +4401,16 @@
           </a:prstGeom>
         </p:spPr>
         <p:txBody>
-          <a:bodyPr lIns="0" rIns="0" tIns="0" bIns="0" anchor="ctr"/>
-          <a:p>
-            <a:endParaRPr b="0" lang="pl-PL" sz="1800" spc="-1" strike="noStrike">
-              <a:solidFill>
-                <a:srgbClr val="000000"/>
-              </a:solidFill>
-              <a:uFill>
-                <a:solidFill>
-                  <a:srgbClr val="ffffff"/>
+          <a:bodyPr lIns="0" tIns="0" rIns="0" bIns="0" anchor="ctr"/>
+          <a:lstStyle/>
+          <a:p>
+            <a:endParaRPr lang="pl-PL" sz="1800" b="0" strike="noStrike" spc="-1">
+              <a:solidFill>
+                <a:srgbClr val="000000"/>
+              </a:solidFill>
+              <a:uFill>
+                <a:solidFill>
+                  <a:srgbClr val="FFFFFF"/>
                 </a:solidFill>
               </a:uFill>
               <a:latin typeface="Arial"/>
@@ -4151,15 +4438,16 @@
           </a:prstGeom>
         </p:spPr>
         <p:txBody>
-          <a:bodyPr lIns="0" rIns="0" tIns="0" bIns="0"/>
-          <a:p>
-            <a:endParaRPr b="0" lang="pl-PL" sz="1800" spc="-1" strike="noStrike">
-              <a:solidFill>
-                <a:srgbClr val="000000"/>
-              </a:solidFill>
-              <a:uFill>
-                <a:solidFill>
-                  <a:srgbClr val="ffffff"/>
+          <a:bodyPr lIns="0" tIns="0" rIns="0" bIns="0"/>
+          <a:lstStyle/>
+          <a:p>
+            <a:endParaRPr lang="pl-PL" sz="1800" b="0" strike="noStrike" spc="-1">
+              <a:solidFill>
+                <a:srgbClr val="000000"/>
+              </a:solidFill>
+              <a:uFill>
+                <a:solidFill>
+                  <a:srgbClr val="FFFFFF"/>
                 </a:solidFill>
               </a:uFill>
               <a:latin typeface="Arial"/>
@@ -4187,15 +4475,16 @@
           </a:prstGeom>
         </p:spPr>
         <p:txBody>
-          <a:bodyPr lIns="0" rIns="0" tIns="0" bIns="0"/>
-          <a:p>
-            <a:endParaRPr b="0" lang="pl-PL" sz="1800" spc="-1" strike="noStrike">
-              <a:solidFill>
-                <a:srgbClr val="000000"/>
-              </a:solidFill>
-              <a:uFill>
-                <a:solidFill>
-                  <a:srgbClr val="ffffff"/>
+          <a:bodyPr lIns="0" tIns="0" rIns="0" bIns="0"/>
+          <a:lstStyle/>
+          <a:p>
+            <a:endParaRPr lang="pl-PL" sz="1800" b="0" strike="noStrike" spc="-1">
+              <a:solidFill>
+                <a:srgbClr val="000000"/>
+              </a:solidFill>
+              <a:uFill>
+                <a:solidFill>
+                  <a:srgbClr val="FFFFFF"/>
                 </a:solidFill>
               </a:uFill>
               <a:latin typeface="Arial"/>
@@ -4223,15 +4512,16 @@
           </a:prstGeom>
         </p:spPr>
         <p:txBody>
-          <a:bodyPr lIns="0" rIns="0" tIns="0" bIns="0"/>
-          <a:p>
-            <a:endParaRPr b="0" lang="pl-PL" sz="1800" spc="-1" strike="noStrike">
-              <a:solidFill>
-                <a:srgbClr val="000000"/>
-              </a:solidFill>
-              <a:uFill>
-                <a:solidFill>
-                  <a:srgbClr val="ffffff"/>
+          <a:bodyPr lIns="0" tIns="0" rIns="0" bIns="0"/>
+          <a:lstStyle/>
+          <a:p>
+            <a:endParaRPr lang="pl-PL" sz="1800" b="0" strike="noStrike" spc="-1">
+              <a:solidFill>
+                <a:srgbClr val="000000"/>
+              </a:solidFill>
+              <a:uFill>
+                <a:solidFill>
+                  <a:srgbClr val="FFFFFF"/>
                 </a:solidFill>
               </a:uFill>
               <a:latin typeface="Arial"/>
@@ -4241,11 +4531,14 @@
       </p:sp>
     </p:spTree>
   </p:cSld>
+  <p:clrMapOvr>
+    <a:masterClrMapping/>
+  </p:clrMapOvr>
 </p:sldLayout>
 </file>
 
 <file path=ppt/slideLayouts/slideLayout9.xml><?xml version="1.0" encoding="utf-8"?>
-<p:sldLayout xmlns:a="http://schemas.openxmlformats.org/drawingml/2006/main" xmlns:p="http://schemas.openxmlformats.org/presentationml/2006/main" xmlns:r="http://schemas.openxmlformats.org/officeDocument/2006/relationships" xmlns:p14="http://schemas.microsoft.com/office/powerpoint/2010/main" xmlns:p15="http://schemas.microsoft.com/office/powerpoint/2012/main" xmlns:mc="http://schemas.openxmlformats.org/markup-compatibility/2006" type="twoObjOverTx" preserve="1">
+<p:sldLayout xmlns:a="http://schemas.openxmlformats.org/drawingml/2006/main" xmlns:r="http://schemas.openxmlformats.org/officeDocument/2006/relationships" xmlns:p="http://schemas.openxmlformats.org/presentationml/2006/main" type="twoObjOverTx" preserve="1">
   <p:cSld name="Title, 2 Content over Content">
     <p:spTree>
       <p:nvGrpSpPr>
@@ -4281,15 +4574,16 @@
           </a:prstGeom>
         </p:spPr>
         <p:txBody>
-          <a:bodyPr lIns="0" rIns="0" tIns="0" bIns="0" anchor="ctr"/>
-          <a:p>
-            <a:endParaRPr b="0" lang="pl-PL" sz="1800" spc="-1" strike="noStrike">
-              <a:solidFill>
-                <a:srgbClr val="000000"/>
-              </a:solidFill>
-              <a:uFill>
-                <a:solidFill>
-                  <a:srgbClr val="ffffff"/>
+          <a:bodyPr lIns="0" tIns="0" rIns="0" bIns="0" anchor="ctr"/>
+          <a:lstStyle/>
+          <a:p>
+            <a:endParaRPr lang="pl-PL" sz="1800" b="0" strike="noStrike" spc="-1">
+              <a:solidFill>
+                <a:srgbClr val="000000"/>
+              </a:solidFill>
+              <a:uFill>
+                <a:solidFill>
+                  <a:srgbClr val="FFFFFF"/>
                 </a:solidFill>
               </a:uFill>
               <a:latin typeface="Arial"/>
@@ -4317,15 +4611,16 @@
           </a:prstGeom>
         </p:spPr>
         <p:txBody>
-          <a:bodyPr lIns="0" rIns="0" tIns="0" bIns="0"/>
-          <a:p>
-            <a:endParaRPr b="0" lang="pl-PL" sz="1800" spc="-1" strike="noStrike">
-              <a:solidFill>
-                <a:srgbClr val="000000"/>
-              </a:solidFill>
-              <a:uFill>
-                <a:solidFill>
-                  <a:srgbClr val="ffffff"/>
+          <a:bodyPr lIns="0" tIns="0" rIns="0" bIns="0"/>
+          <a:lstStyle/>
+          <a:p>
+            <a:endParaRPr lang="pl-PL" sz="1800" b="0" strike="noStrike" spc="-1">
+              <a:solidFill>
+                <a:srgbClr val="000000"/>
+              </a:solidFill>
+              <a:uFill>
+                <a:solidFill>
+                  <a:srgbClr val="FFFFFF"/>
                 </a:solidFill>
               </a:uFill>
               <a:latin typeface="Arial"/>
@@ -4353,15 +4648,16 @@
           </a:prstGeom>
         </p:spPr>
         <p:txBody>
-          <a:bodyPr lIns="0" rIns="0" tIns="0" bIns="0"/>
-          <a:p>
-            <a:endParaRPr b="0" lang="pl-PL" sz="1800" spc="-1" strike="noStrike">
-              <a:solidFill>
-                <a:srgbClr val="000000"/>
-              </a:solidFill>
-              <a:uFill>
-                <a:solidFill>
-                  <a:srgbClr val="ffffff"/>
+          <a:bodyPr lIns="0" tIns="0" rIns="0" bIns="0"/>
+          <a:lstStyle/>
+          <a:p>
+            <a:endParaRPr lang="pl-PL" sz="1800" b="0" strike="noStrike" spc="-1">
+              <a:solidFill>
+                <a:srgbClr val="000000"/>
+              </a:solidFill>
+              <a:uFill>
+                <a:solidFill>
+                  <a:srgbClr val="FFFFFF"/>
                 </a:solidFill>
               </a:uFill>
               <a:latin typeface="Arial"/>
@@ -4389,15 +4685,16 @@
           </a:prstGeom>
         </p:spPr>
         <p:txBody>
-          <a:bodyPr lIns="0" rIns="0" tIns="0" bIns="0"/>
-          <a:p>
-            <a:endParaRPr b="0" lang="pl-PL" sz="1800" spc="-1" strike="noStrike">
-              <a:solidFill>
-                <a:srgbClr val="000000"/>
-              </a:solidFill>
-              <a:uFill>
-                <a:solidFill>
-                  <a:srgbClr val="ffffff"/>
+          <a:bodyPr lIns="0" tIns="0" rIns="0" bIns="0"/>
+          <a:lstStyle/>
+          <a:p>
+            <a:endParaRPr lang="pl-PL" sz="1800" b="0" strike="noStrike" spc="-1">
+              <a:solidFill>
+                <a:srgbClr val="000000"/>
+              </a:solidFill>
+              <a:uFill>
+                <a:solidFill>
+                  <a:srgbClr val="FFFFFF"/>
                 </a:solidFill>
               </a:uFill>
               <a:latin typeface="Arial"/>
@@ -4407,17 +4704,21 @@
       </p:sp>
     </p:spTree>
   </p:cSld>
+  <p:clrMapOvr>
+    <a:masterClrMapping/>
+  </p:clrMapOvr>
 </p:sldLayout>
 </file>
 
 <file path=ppt/slideMasters/slideMaster1.xml><?xml version="1.0" encoding="utf-8"?>
-<p:sldMaster xmlns:a="http://schemas.openxmlformats.org/drawingml/2006/main" xmlns:p="http://schemas.openxmlformats.org/presentationml/2006/main" xmlns:r="http://schemas.openxmlformats.org/officeDocument/2006/relationships" xmlns:p14="http://schemas.microsoft.com/office/powerpoint/2010/main" xmlns:p15="http://schemas.microsoft.com/office/powerpoint/2012/main" xmlns:mc="http://schemas.openxmlformats.org/markup-compatibility/2006">
+<p:sldMaster xmlns:a="http://schemas.openxmlformats.org/drawingml/2006/main" xmlns:r="http://schemas.openxmlformats.org/officeDocument/2006/relationships" xmlns:p="http://schemas.openxmlformats.org/presentationml/2006/main">
   <p:cSld>
     <p:bg>
       <p:bgPr>
         <a:solidFill>
-          <a:srgbClr val="ffffff"/>
+          <a:srgbClr val="FFFFFF"/>
         </a:solidFill>
+        <a:effectLst/>
       </p:bgPr>
     </p:bg>
     <p:spTree>
@@ -4436,7 +4737,7 @@
       </p:grpSpPr>
       <p:sp>
         <p:nvSpPr>
-          <p:cNvPr id="0" name="PlaceHolder 1"/>
+          <p:cNvPr id="2" name="PlaceHolder 1"/>
           <p:cNvSpPr>
             <a:spLocks noGrp="1"/>
           </p:cNvSpPr>
@@ -4454,25 +4755,26 @@
           </a:prstGeom>
         </p:spPr>
         <p:txBody>
-          <a:bodyPr lIns="0" rIns="0" tIns="0" bIns="0" anchor="ctr"/>
-          <a:p>
-            <a:endParaRPr b="0" lang="pl-PL" sz="1800" spc="-1" strike="noStrike">
-              <a:solidFill>
-                <a:srgbClr val="000000"/>
-              </a:solidFill>
-              <a:uFill>
-                <a:solidFill>
-                  <a:srgbClr val="ffffff"/>
-                </a:solidFill>
-              </a:uFill>
-              <a:latin typeface="Arial"/>
-            </a:endParaRPr>
-          </a:p>
-        </p:txBody>
-      </p:sp>
-      <p:sp>
-        <p:nvSpPr>
-          <p:cNvPr id="1" name="PlaceHolder 2"/>
+          <a:bodyPr lIns="0" tIns="0" rIns="0" bIns="0" anchor="ctr"/>
+          <a:lstStyle/>
+          <a:p>
+            <a:endParaRPr lang="pl-PL" sz="1800" b="0" strike="noStrike" spc="-1">
+              <a:solidFill>
+                <a:srgbClr val="000000"/>
+              </a:solidFill>
+              <a:uFill>
+                <a:solidFill>
+                  <a:srgbClr val="FFFFFF"/>
+                </a:solidFill>
+              </a:uFill>
+              <a:latin typeface="Arial"/>
+            </a:endParaRPr>
+          </a:p>
+        </p:txBody>
+      </p:sp>
+      <p:sp>
+        <p:nvSpPr>
+          <p:cNvPr id="3" name="PlaceHolder 2"/>
           <p:cNvSpPr>
             <a:spLocks noGrp="1"/>
           </p:cNvSpPr>
@@ -4490,7 +4792,8 @@
           </a:prstGeom>
         </p:spPr>
         <p:txBody>
-          <a:bodyPr lIns="0" rIns="0" tIns="0" bIns="0"/>
+          <a:bodyPr lIns="0" tIns="0" rIns="0" bIns="0"/>
+          <a:lstStyle/>
           <a:p>
             <a:pPr marL="432000" indent="-324000">
               <a:buClr>
@@ -4501,33 +4804,22 @@
               <a:buChar char=""/>
             </a:pPr>
             <a:r>
-              <a:rPr b="0" lang="pl-PL" sz="1800" spc="-1" strike="noStrike">
+              <a:rPr lang="pl-PL" sz="1800" b="0" strike="noStrike" spc="-1">
                 <a:solidFill>
                   <a:srgbClr val="000000"/>
                 </a:solidFill>
                 <a:uFill>
                   <a:solidFill>
-                    <a:srgbClr val="ffffff"/>
+                    <a:srgbClr val="FFFFFF"/>
                   </a:solidFill>
                 </a:uFill>
                 <a:latin typeface="Arial"/>
               </a:rPr>
               <a:t>Kliknij, aby edytować format tekstu konspektu</a:t>
             </a:r>
-            <a:endParaRPr b="0" lang="pl-PL" sz="1800" spc="-1" strike="noStrike">
-              <a:solidFill>
-                <a:srgbClr val="000000"/>
-              </a:solidFill>
-              <a:uFill>
-                <a:solidFill>
-                  <a:srgbClr val="ffffff"/>
-                </a:solidFill>
-              </a:uFill>
-              <a:latin typeface="Arial"/>
-            </a:endParaRPr>
-          </a:p>
-          <a:p>
-            <a:pPr lvl="1" marL="864000" indent="-324000">
+          </a:p>
+          <a:p>
+            <a:pPr marL="864000" lvl="1" indent="-324000">
               <a:buClr>
                 <a:srgbClr val="000000"/>
               </a:buClr>
@@ -4536,33 +4828,22 @@
               <a:buChar char=""/>
             </a:pPr>
             <a:r>
-              <a:rPr b="0" lang="pl-PL" sz="1800" spc="-1" strike="noStrike">
+              <a:rPr lang="pl-PL" sz="1800" b="0" strike="noStrike" spc="-1">
                 <a:solidFill>
                   <a:srgbClr val="000000"/>
                 </a:solidFill>
                 <a:uFill>
                   <a:solidFill>
-                    <a:srgbClr val="ffffff"/>
+                    <a:srgbClr val="FFFFFF"/>
                   </a:solidFill>
                 </a:uFill>
                 <a:latin typeface="Arial"/>
               </a:rPr>
               <a:t>Drugi poziom konspektu</a:t>
             </a:r>
-            <a:endParaRPr b="0" lang="pl-PL" sz="1800" spc="-1" strike="noStrike">
-              <a:solidFill>
-                <a:srgbClr val="000000"/>
-              </a:solidFill>
-              <a:uFill>
-                <a:solidFill>
-                  <a:srgbClr val="ffffff"/>
-                </a:solidFill>
-              </a:uFill>
-              <a:latin typeface="Arial"/>
-            </a:endParaRPr>
-          </a:p>
-          <a:p>
-            <a:pPr lvl="2" marL="1296000" indent="-288000">
+          </a:p>
+          <a:p>
+            <a:pPr marL="1296000" lvl="2" indent="-288000">
               <a:buClr>
                 <a:srgbClr val="000000"/>
               </a:buClr>
@@ -4571,33 +4852,22 @@
               <a:buChar char=""/>
             </a:pPr>
             <a:r>
-              <a:rPr b="0" lang="pl-PL" sz="1800" spc="-1" strike="noStrike">
+              <a:rPr lang="pl-PL" sz="1800" b="0" strike="noStrike" spc="-1">
                 <a:solidFill>
                   <a:srgbClr val="000000"/>
                 </a:solidFill>
                 <a:uFill>
                   <a:solidFill>
-                    <a:srgbClr val="ffffff"/>
+                    <a:srgbClr val="FFFFFF"/>
                   </a:solidFill>
                 </a:uFill>
                 <a:latin typeface="Arial"/>
               </a:rPr>
               <a:t>Trzeci poziom konspektu</a:t>
             </a:r>
-            <a:endParaRPr b="0" lang="pl-PL" sz="1800" spc="-1" strike="noStrike">
-              <a:solidFill>
-                <a:srgbClr val="000000"/>
-              </a:solidFill>
-              <a:uFill>
-                <a:solidFill>
-                  <a:srgbClr val="ffffff"/>
-                </a:solidFill>
-              </a:uFill>
-              <a:latin typeface="Arial"/>
-            </a:endParaRPr>
-          </a:p>
-          <a:p>
-            <a:pPr lvl="3" marL="1728000" indent="-216000">
+          </a:p>
+          <a:p>
+            <a:pPr marL="1728000" lvl="3" indent="-216000">
               <a:buClr>
                 <a:srgbClr val="000000"/>
               </a:buClr>
@@ -4606,33 +4876,22 @@
               <a:buChar char=""/>
             </a:pPr>
             <a:r>
-              <a:rPr b="0" lang="pl-PL" sz="1800" spc="-1" strike="noStrike">
+              <a:rPr lang="pl-PL" sz="1800" b="0" strike="noStrike" spc="-1">
                 <a:solidFill>
                   <a:srgbClr val="000000"/>
                 </a:solidFill>
                 <a:uFill>
                   <a:solidFill>
-                    <a:srgbClr val="ffffff"/>
+                    <a:srgbClr val="FFFFFF"/>
                   </a:solidFill>
                 </a:uFill>
                 <a:latin typeface="Arial"/>
               </a:rPr>
               <a:t>Czwarty poziom konspektu</a:t>
             </a:r>
-            <a:endParaRPr b="0" lang="pl-PL" sz="1800" spc="-1" strike="noStrike">
-              <a:solidFill>
-                <a:srgbClr val="000000"/>
-              </a:solidFill>
-              <a:uFill>
-                <a:solidFill>
-                  <a:srgbClr val="ffffff"/>
-                </a:solidFill>
-              </a:uFill>
-              <a:latin typeface="Arial"/>
-            </a:endParaRPr>
-          </a:p>
-          <a:p>
-            <a:pPr lvl="4" marL="2160000" indent="-216000">
+          </a:p>
+          <a:p>
+            <a:pPr marL="2160000" lvl="4" indent="-216000">
               <a:buClr>
                 <a:srgbClr val="000000"/>
               </a:buClr>
@@ -4641,33 +4900,22 @@
               <a:buChar char=""/>
             </a:pPr>
             <a:r>
-              <a:rPr b="0" lang="pl-PL" sz="2000" spc="-1" strike="noStrike">
+              <a:rPr lang="pl-PL" sz="2000" b="0" strike="noStrike" spc="-1">
                 <a:solidFill>
                   <a:srgbClr val="000000"/>
                 </a:solidFill>
                 <a:uFill>
                   <a:solidFill>
-                    <a:srgbClr val="ffffff"/>
+                    <a:srgbClr val="FFFFFF"/>
                   </a:solidFill>
                 </a:uFill>
                 <a:latin typeface="Arial"/>
               </a:rPr>
               <a:t>Piąty poziom konspektu</a:t>
             </a:r>
-            <a:endParaRPr b="0" lang="pl-PL" sz="2000" spc="-1" strike="noStrike">
-              <a:solidFill>
-                <a:srgbClr val="000000"/>
-              </a:solidFill>
-              <a:uFill>
-                <a:solidFill>
-                  <a:srgbClr val="ffffff"/>
-                </a:solidFill>
-              </a:uFill>
-              <a:latin typeface="Arial"/>
-            </a:endParaRPr>
-          </a:p>
-          <a:p>
-            <a:pPr lvl="5" marL="2592000" indent="-216000">
+          </a:p>
+          <a:p>
+            <a:pPr marL="2592000" lvl="5" indent="-216000">
               <a:buClr>
                 <a:srgbClr val="000000"/>
               </a:buClr>
@@ -4676,33 +4924,22 @@
               <a:buChar char=""/>
             </a:pPr>
             <a:r>
-              <a:rPr b="0" lang="pl-PL" sz="2000" spc="-1" strike="noStrike">
+              <a:rPr lang="pl-PL" sz="2000" b="0" strike="noStrike" spc="-1">
                 <a:solidFill>
                   <a:srgbClr val="000000"/>
                 </a:solidFill>
                 <a:uFill>
                   <a:solidFill>
-                    <a:srgbClr val="ffffff"/>
+                    <a:srgbClr val="FFFFFF"/>
                   </a:solidFill>
                 </a:uFill>
                 <a:latin typeface="Arial"/>
               </a:rPr>
               <a:t>Szósty poziom konspektu</a:t>
             </a:r>
-            <a:endParaRPr b="0" lang="pl-PL" sz="2000" spc="-1" strike="noStrike">
-              <a:solidFill>
-                <a:srgbClr val="000000"/>
-              </a:solidFill>
-              <a:uFill>
-                <a:solidFill>
-                  <a:srgbClr val="ffffff"/>
-                </a:solidFill>
-              </a:uFill>
-              <a:latin typeface="Arial"/>
-            </a:endParaRPr>
-          </a:p>
-          <a:p>
-            <a:pPr lvl="6" marL="3024000" indent="-216000">
+          </a:p>
+          <a:p>
+            <a:pPr marL="3024000" lvl="6" indent="-216000">
               <a:buClr>
                 <a:srgbClr val="000000"/>
               </a:buClr>
@@ -4711,61 +4948,56 @@
               <a:buChar char=""/>
             </a:pPr>
             <a:r>
-              <a:rPr b="0" lang="pl-PL" sz="2000" spc="-1" strike="noStrike">
+              <a:rPr lang="pl-PL" sz="2000" b="0" strike="noStrike" spc="-1">
                 <a:solidFill>
                   <a:srgbClr val="000000"/>
                 </a:solidFill>
                 <a:uFill>
                   <a:solidFill>
-                    <a:srgbClr val="ffffff"/>
+                    <a:srgbClr val="FFFFFF"/>
                   </a:solidFill>
                 </a:uFill>
                 <a:latin typeface="Arial"/>
               </a:rPr>
               <a:t>Siódmy poziom konspektu</a:t>
             </a:r>
-            <a:endParaRPr b="0" lang="pl-PL" sz="2000" spc="-1" strike="noStrike">
-              <a:solidFill>
-                <a:srgbClr val="000000"/>
-              </a:solidFill>
-              <a:uFill>
-                <a:solidFill>
-                  <a:srgbClr val="ffffff"/>
-                </a:solidFill>
-              </a:uFill>
-              <a:latin typeface="Arial"/>
-            </a:endParaRPr>
           </a:p>
         </p:txBody>
       </p:sp>
     </p:spTree>
   </p:cSld>
-  <p:clrMap bg1="lt1" bg2="lt2" tx1="dk1" tx2="dk2" accent1="accent1" accent2="accent2" accent3="accent3" accent4="accent4" accent5="accent5" accent6="accent6" hlink="hlink" folHlink="folHlink"/>
+  <p:clrMap bg1="lt1" tx1="dk1" bg2="lt2" tx2="dk2" accent1="accent1" accent2="accent2" accent3="accent3" accent4="accent4" accent5="accent5" accent6="accent6" hlink="hlink" folHlink="folHlink"/>
   <p:sldLayoutIdLst>
-    <p:sldLayoutId id="2147483649" r:id="rId2"/>
-    <p:sldLayoutId id="2147483650" r:id="rId3"/>
-    <p:sldLayoutId id="2147483651" r:id="rId4"/>
-    <p:sldLayoutId id="2147483652" r:id="rId5"/>
-    <p:sldLayoutId id="2147483653" r:id="rId6"/>
-    <p:sldLayoutId id="2147483654" r:id="rId7"/>
-    <p:sldLayoutId id="2147483655" r:id="rId8"/>
-    <p:sldLayoutId id="2147483656" r:id="rId9"/>
-    <p:sldLayoutId id="2147483657" r:id="rId10"/>
-    <p:sldLayoutId id="2147483658" r:id="rId11"/>
-    <p:sldLayoutId id="2147483659" r:id="rId12"/>
-    <p:sldLayoutId id="2147483660" r:id="rId13"/>
+    <p:sldLayoutId id="2147483649" r:id="rId1"/>
+    <p:sldLayoutId id="2147483650" r:id="rId2"/>
+    <p:sldLayoutId id="2147483651" r:id="rId3"/>
+    <p:sldLayoutId id="2147483652" r:id="rId4"/>
+    <p:sldLayoutId id="2147483653" r:id="rId5"/>
+    <p:sldLayoutId id="2147483654" r:id="rId6"/>
+    <p:sldLayoutId id="2147483655" r:id="rId7"/>
+    <p:sldLayoutId id="2147483656" r:id="rId8"/>
+    <p:sldLayoutId id="2147483657" r:id="rId9"/>
+    <p:sldLayoutId id="2147483658" r:id="rId10"/>
+    <p:sldLayoutId id="2147483659" r:id="rId11"/>
+    <p:sldLayoutId id="2147483660" r:id="rId12"/>
   </p:sldLayoutIdLst>
+  <p:txStyles>
+    <p:titleStyle/>
+    <p:bodyStyle/>
+    <p:otherStyle/>
+  </p:txStyles>
 </p:sldMaster>
 </file>
 
 <file path=ppt/slideMasters/slideMaster2.xml><?xml version="1.0" encoding="utf-8"?>
-<p:sldMaster xmlns:a="http://schemas.openxmlformats.org/drawingml/2006/main" xmlns:p="http://schemas.openxmlformats.org/presentationml/2006/main" xmlns:r="http://schemas.openxmlformats.org/officeDocument/2006/relationships" xmlns:p14="http://schemas.microsoft.com/office/powerpoint/2010/main" xmlns:p15="http://schemas.microsoft.com/office/powerpoint/2012/main" xmlns:mc="http://schemas.openxmlformats.org/markup-compatibility/2006">
+<p:sldMaster xmlns:a="http://schemas.openxmlformats.org/drawingml/2006/main" xmlns:r="http://schemas.openxmlformats.org/officeDocument/2006/relationships" xmlns:p="http://schemas.openxmlformats.org/presentationml/2006/main">
   <p:cSld>
     <p:bg>
       <p:bgPr>
         <a:solidFill>
-          <a:srgbClr val="ffffff"/>
+          <a:srgbClr val="FFFFFF"/>
         </a:solidFill>
+        <a:effectLst/>
       </p:bgPr>
     </p:bg>
     <p:spTree>
@@ -4802,33 +5034,23 @@
           </a:prstGeom>
         </p:spPr>
         <p:txBody>
-          <a:bodyPr lIns="0" rIns="0" tIns="0" bIns="0" anchor="ctr"/>
+          <a:bodyPr lIns="0" tIns="0" rIns="0" bIns="0" anchor="ctr"/>
+          <a:lstStyle/>
           <a:p>
             <a:r>
-              <a:rPr b="0" lang="pl-PL" sz="1800" spc="-1" strike="noStrike">
+              <a:rPr lang="pl-PL" sz="1800" b="0" strike="noStrike" spc="-1">
                 <a:solidFill>
                   <a:srgbClr val="000000"/>
                 </a:solidFill>
                 <a:uFill>
                   <a:solidFill>
-                    <a:srgbClr val="ffffff"/>
+                    <a:srgbClr val="FFFFFF"/>
                   </a:solidFill>
                 </a:uFill>
                 <a:latin typeface="Arial"/>
               </a:rPr>
               <a:t>Kliknij, aby edytować format tekstu tytułu</a:t>
             </a:r>
-            <a:endParaRPr b="0" lang="pl-PL" sz="1800" spc="-1" strike="noStrike">
-              <a:solidFill>
-                <a:srgbClr val="000000"/>
-              </a:solidFill>
-              <a:uFill>
-                <a:solidFill>
-                  <a:srgbClr val="ffffff"/>
-                </a:solidFill>
-              </a:uFill>
-              <a:latin typeface="Arial"/>
-            </a:endParaRPr>
           </a:p>
         </p:txBody>
       </p:sp>
@@ -4852,7 +5074,8 @@
           </a:prstGeom>
         </p:spPr>
         <p:txBody>
-          <a:bodyPr lIns="0" rIns="0" tIns="0" bIns="0"/>
+          <a:bodyPr lIns="0" tIns="0" rIns="0" bIns="0"/>
+          <a:lstStyle/>
           <a:p>
             <a:pPr marL="432000" indent="-324000">
               <a:buClr>
@@ -4863,33 +5086,22 @@
               <a:buChar char=""/>
             </a:pPr>
             <a:r>
-              <a:rPr b="0" lang="pl-PL" sz="1800" spc="-1" strike="noStrike">
+              <a:rPr lang="pl-PL" sz="1800" b="0" strike="noStrike" spc="-1">
                 <a:solidFill>
                   <a:srgbClr val="000000"/>
                 </a:solidFill>
                 <a:uFill>
                   <a:solidFill>
-                    <a:srgbClr val="ffffff"/>
+                    <a:srgbClr val="FFFFFF"/>
                   </a:solidFill>
                 </a:uFill>
                 <a:latin typeface="Arial"/>
               </a:rPr>
               <a:t>Kliknij, aby edytować format tekstu konspektu</a:t>
             </a:r>
-            <a:endParaRPr b="0" lang="pl-PL" sz="1800" spc="-1" strike="noStrike">
-              <a:solidFill>
-                <a:srgbClr val="000000"/>
-              </a:solidFill>
-              <a:uFill>
-                <a:solidFill>
-                  <a:srgbClr val="ffffff"/>
-                </a:solidFill>
-              </a:uFill>
-              <a:latin typeface="Arial"/>
-            </a:endParaRPr>
-          </a:p>
-          <a:p>
-            <a:pPr lvl="1" marL="864000" indent="-324000">
+          </a:p>
+          <a:p>
+            <a:pPr marL="864000" lvl="1" indent="-324000">
               <a:buClr>
                 <a:srgbClr val="000000"/>
               </a:buClr>
@@ -4898,33 +5110,22 @@
               <a:buChar char=""/>
             </a:pPr>
             <a:r>
-              <a:rPr b="0" lang="pl-PL" sz="1800" spc="-1" strike="noStrike">
+              <a:rPr lang="pl-PL" sz="1800" b="0" strike="noStrike" spc="-1">
                 <a:solidFill>
                   <a:srgbClr val="000000"/>
                 </a:solidFill>
                 <a:uFill>
                   <a:solidFill>
-                    <a:srgbClr val="ffffff"/>
+                    <a:srgbClr val="FFFFFF"/>
                   </a:solidFill>
                 </a:uFill>
                 <a:latin typeface="Arial"/>
               </a:rPr>
               <a:t>Drugi poziom konspektu</a:t>
             </a:r>
-            <a:endParaRPr b="0" lang="pl-PL" sz="1800" spc="-1" strike="noStrike">
-              <a:solidFill>
-                <a:srgbClr val="000000"/>
-              </a:solidFill>
-              <a:uFill>
-                <a:solidFill>
-                  <a:srgbClr val="ffffff"/>
-                </a:solidFill>
-              </a:uFill>
-              <a:latin typeface="Arial"/>
-            </a:endParaRPr>
-          </a:p>
-          <a:p>
-            <a:pPr lvl="2" marL="1296000" indent="-288000">
+          </a:p>
+          <a:p>
+            <a:pPr marL="1296000" lvl="2" indent="-288000">
               <a:buClr>
                 <a:srgbClr val="000000"/>
               </a:buClr>
@@ -4933,33 +5134,22 @@
               <a:buChar char=""/>
             </a:pPr>
             <a:r>
-              <a:rPr b="0" lang="pl-PL" sz="1800" spc="-1" strike="noStrike">
+              <a:rPr lang="pl-PL" sz="1800" b="0" strike="noStrike" spc="-1">
                 <a:solidFill>
                   <a:srgbClr val="000000"/>
                 </a:solidFill>
                 <a:uFill>
                   <a:solidFill>
-                    <a:srgbClr val="ffffff"/>
+                    <a:srgbClr val="FFFFFF"/>
                   </a:solidFill>
                 </a:uFill>
                 <a:latin typeface="Arial"/>
               </a:rPr>
               <a:t>Trzeci poziom konspektu</a:t>
             </a:r>
-            <a:endParaRPr b="0" lang="pl-PL" sz="1800" spc="-1" strike="noStrike">
-              <a:solidFill>
-                <a:srgbClr val="000000"/>
-              </a:solidFill>
-              <a:uFill>
-                <a:solidFill>
-                  <a:srgbClr val="ffffff"/>
-                </a:solidFill>
-              </a:uFill>
-              <a:latin typeface="Arial"/>
-            </a:endParaRPr>
-          </a:p>
-          <a:p>
-            <a:pPr lvl="3" marL="1728000" indent="-216000">
+          </a:p>
+          <a:p>
+            <a:pPr marL="1728000" lvl="3" indent="-216000">
               <a:buClr>
                 <a:srgbClr val="000000"/>
               </a:buClr>
@@ -4968,33 +5158,22 @@
               <a:buChar char=""/>
             </a:pPr>
             <a:r>
-              <a:rPr b="0" lang="pl-PL" sz="1800" spc="-1" strike="noStrike">
+              <a:rPr lang="pl-PL" sz="1800" b="0" strike="noStrike" spc="-1">
                 <a:solidFill>
                   <a:srgbClr val="000000"/>
                 </a:solidFill>
                 <a:uFill>
                   <a:solidFill>
-                    <a:srgbClr val="ffffff"/>
+                    <a:srgbClr val="FFFFFF"/>
                   </a:solidFill>
                 </a:uFill>
                 <a:latin typeface="Arial"/>
               </a:rPr>
               <a:t>Czwarty poziom konspektu</a:t>
             </a:r>
-            <a:endParaRPr b="0" lang="pl-PL" sz="1800" spc="-1" strike="noStrike">
-              <a:solidFill>
-                <a:srgbClr val="000000"/>
-              </a:solidFill>
-              <a:uFill>
-                <a:solidFill>
-                  <a:srgbClr val="ffffff"/>
-                </a:solidFill>
-              </a:uFill>
-              <a:latin typeface="Arial"/>
-            </a:endParaRPr>
-          </a:p>
-          <a:p>
-            <a:pPr lvl="4" marL="2160000" indent="-216000">
+          </a:p>
+          <a:p>
+            <a:pPr marL="2160000" lvl="4" indent="-216000">
               <a:buClr>
                 <a:srgbClr val="000000"/>
               </a:buClr>
@@ -5003,33 +5182,22 @@
               <a:buChar char=""/>
             </a:pPr>
             <a:r>
-              <a:rPr b="0" lang="pl-PL" sz="2000" spc="-1" strike="noStrike">
+              <a:rPr lang="pl-PL" sz="2000" b="0" strike="noStrike" spc="-1">
                 <a:solidFill>
                   <a:srgbClr val="000000"/>
                 </a:solidFill>
                 <a:uFill>
                   <a:solidFill>
-                    <a:srgbClr val="ffffff"/>
+                    <a:srgbClr val="FFFFFF"/>
                   </a:solidFill>
                 </a:uFill>
                 <a:latin typeface="Arial"/>
               </a:rPr>
               <a:t>Piąty poziom konspektu</a:t>
             </a:r>
-            <a:endParaRPr b="0" lang="pl-PL" sz="2000" spc="-1" strike="noStrike">
-              <a:solidFill>
-                <a:srgbClr val="000000"/>
-              </a:solidFill>
-              <a:uFill>
-                <a:solidFill>
-                  <a:srgbClr val="ffffff"/>
-                </a:solidFill>
-              </a:uFill>
-              <a:latin typeface="Arial"/>
-            </a:endParaRPr>
-          </a:p>
-          <a:p>
-            <a:pPr lvl="5" marL="2592000" indent="-216000">
+          </a:p>
+          <a:p>
+            <a:pPr marL="2592000" lvl="5" indent="-216000">
               <a:buClr>
                 <a:srgbClr val="000000"/>
               </a:buClr>
@@ -5038,33 +5206,22 @@
               <a:buChar char=""/>
             </a:pPr>
             <a:r>
-              <a:rPr b="0" lang="pl-PL" sz="2000" spc="-1" strike="noStrike">
+              <a:rPr lang="pl-PL" sz="2000" b="0" strike="noStrike" spc="-1">
                 <a:solidFill>
                   <a:srgbClr val="000000"/>
                 </a:solidFill>
                 <a:uFill>
                   <a:solidFill>
-                    <a:srgbClr val="ffffff"/>
+                    <a:srgbClr val="FFFFFF"/>
                   </a:solidFill>
                 </a:uFill>
                 <a:latin typeface="Arial"/>
               </a:rPr>
               <a:t>Szósty poziom konspektu</a:t>
             </a:r>
-            <a:endParaRPr b="0" lang="pl-PL" sz="2000" spc="-1" strike="noStrike">
-              <a:solidFill>
-                <a:srgbClr val="000000"/>
-              </a:solidFill>
-              <a:uFill>
-                <a:solidFill>
-                  <a:srgbClr val="ffffff"/>
-                </a:solidFill>
-              </a:uFill>
-              <a:latin typeface="Arial"/>
-            </a:endParaRPr>
-          </a:p>
-          <a:p>
-            <a:pPr lvl="6" marL="3024000" indent="-216000">
+          </a:p>
+          <a:p>
+            <a:pPr marL="3024000" lvl="6" indent="-216000">
               <a:buClr>
                 <a:srgbClr val="000000"/>
               </a:buClr>
@@ -5073,61 +5230,56 @@
               <a:buChar char=""/>
             </a:pPr>
             <a:r>
-              <a:rPr b="0" lang="pl-PL" sz="2000" spc="-1" strike="noStrike">
+              <a:rPr lang="pl-PL" sz="2000" b="0" strike="noStrike" spc="-1">
                 <a:solidFill>
                   <a:srgbClr val="000000"/>
                 </a:solidFill>
                 <a:uFill>
                   <a:solidFill>
-                    <a:srgbClr val="ffffff"/>
+                    <a:srgbClr val="FFFFFF"/>
                   </a:solidFill>
                 </a:uFill>
                 <a:latin typeface="Arial"/>
               </a:rPr>
               <a:t>Siódmy poziom konspektu</a:t>
             </a:r>
-            <a:endParaRPr b="0" lang="pl-PL" sz="2000" spc="-1" strike="noStrike">
-              <a:solidFill>
-                <a:srgbClr val="000000"/>
-              </a:solidFill>
-              <a:uFill>
-                <a:solidFill>
-                  <a:srgbClr val="ffffff"/>
-                </a:solidFill>
-              </a:uFill>
-              <a:latin typeface="Arial"/>
-            </a:endParaRPr>
           </a:p>
         </p:txBody>
       </p:sp>
     </p:spTree>
   </p:cSld>
-  <p:clrMap bg1="lt1" bg2="lt2" tx1="dk1" tx2="dk2" accent1="accent1" accent2="accent2" accent3="accent3" accent4="accent4" accent5="accent5" accent6="accent6" hlink="hlink" folHlink="folHlink"/>
+  <p:clrMap bg1="lt1" tx1="dk1" bg2="lt2" tx2="dk2" accent1="accent1" accent2="accent2" accent3="accent3" accent4="accent4" accent5="accent5" accent6="accent6" hlink="hlink" folHlink="folHlink"/>
   <p:sldLayoutIdLst>
-    <p:sldLayoutId id="2147483662" r:id="rId2"/>
-    <p:sldLayoutId id="2147483663" r:id="rId3"/>
-    <p:sldLayoutId id="2147483664" r:id="rId4"/>
-    <p:sldLayoutId id="2147483665" r:id="rId5"/>
-    <p:sldLayoutId id="2147483666" r:id="rId6"/>
-    <p:sldLayoutId id="2147483667" r:id="rId7"/>
-    <p:sldLayoutId id="2147483668" r:id="rId8"/>
-    <p:sldLayoutId id="2147483669" r:id="rId9"/>
-    <p:sldLayoutId id="2147483670" r:id="rId10"/>
-    <p:sldLayoutId id="2147483671" r:id="rId11"/>
-    <p:sldLayoutId id="2147483672" r:id="rId12"/>
-    <p:sldLayoutId id="2147483673" r:id="rId13"/>
+    <p:sldLayoutId id="2147483662" r:id="rId1"/>
+    <p:sldLayoutId id="2147483663" r:id="rId2"/>
+    <p:sldLayoutId id="2147483664" r:id="rId3"/>
+    <p:sldLayoutId id="2147483665" r:id="rId4"/>
+    <p:sldLayoutId id="2147483666" r:id="rId5"/>
+    <p:sldLayoutId id="2147483667" r:id="rId6"/>
+    <p:sldLayoutId id="2147483668" r:id="rId7"/>
+    <p:sldLayoutId id="2147483669" r:id="rId8"/>
+    <p:sldLayoutId id="2147483670" r:id="rId9"/>
+    <p:sldLayoutId id="2147483671" r:id="rId10"/>
+    <p:sldLayoutId id="2147483672" r:id="rId11"/>
+    <p:sldLayoutId id="2147483673" r:id="rId12"/>
   </p:sldLayoutIdLst>
+  <p:txStyles>
+    <p:titleStyle/>
+    <p:bodyStyle/>
+    <p:otherStyle/>
+  </p:txStyles>
 </p:sldMaster>
 </file>
 
 <file path=ppt/slideMasters/slideMaster3.xml><?xml version="1.0" encoding="utf-8"?>
-<p:sldMaster xmlns:a="http://schemas.openxmlformats.org/drawingml/2006/main" xmlns:p="http://schemas.openxmlformats.org/presentationml/2006/main" xmlns:r="http://schemas.openxmlformats.org/officeDocument/2006/relationships" xmlns:p14="http://schemas.microsoft.com/office/powerpoint/2010/main" xmlns:p15="http://schemas.microsoft.com/office/powerpoint/2012/main" xmlns:mc="http://schemas.openxmlformats.org/markup-compatibility/2006">
+<p:sldMaster xmlns:a="http://schemas.openxmlformats.org/drawingml/2006/main" xmlns:r="http://schemas.openxmlformats.org/officeDocument/2006/relationships" xmlns:p="http://schemas.openxmlformats.org/presentationml/2006/main">
   <p:cSld>
     <p:bg>
       <p:bgPr>
         <a:solidFill>
-          <a:srgbClr val="ffffff"/>
+          <a:srgbClr val="FFFFFF"/>
         </a:solidFill>
+        <a:effectLst/>
       </p:bgPr>
     </p:bg>
     <p:spTree>
@@ -5164,15 +5316,16 @@
           </a:prstGeom>
         </p:spPr>
         <p:txBody>
-          <a:bodyPr lIns="0" rIns="0" tIns="0" bIns="0" anchor="ctr"/>
-          <a:p>
-            <a:endParaRPr b="0" lang="pl-PL" sz="1800" spc="-1" strike="noStrike">
-              <a:solidFill>
-                <a:srgbClr val="000000"/>
-              </a:solidFill>
-              <a:uFill>
-                <a:solidFill>
-                  <a:srgbClr val="ffffff"/>
+          <a:bodyPr lIns="0" tIns="0" rIns="0" bIns="0" anchor="ctr"/>
+          <a:lstStyle/>
+          <a:p>
+            <a:endParaRPr lang="pl-PL" sz="1800" b="0" strike="noStrike" spc="-1">
+              <a:solidFill>
+                <a:srgbClr val="000000"/>
+              </a:solidFill>
+              <a:uFill>
+                <a:solidFill>
+                  <a:srgbClr val="FFFFFF"/>
                 </a:solidFill>
               </a:uFill>
               <a:latin typeface="Arial"/>
@@ -5200,7 +5353,8 @@
           </a:prstGeom>
         </p:spPr>
         <p:txBody>
-          <a:bodyPr lIns="0" rIns="0" tIns="0" bIns="0"/>
+          <a:bodyPr lIns="0" tIns="0" rIns="0" bIns="0"/>
+          <a:lstStyle/>
           <a:p>
             <a:pPr marL="432000" indent="-324000">
               <a:buClr>
@@ -5211,33 +5365,22 @@
               <a:buChar char=""/>
             </a:pPr>
             <a:r>
-              <a:rPr b="0" lang="pl-PL" sz="1800" spc="-1" strike="noStrike">
+              <a:rPr lang="pl-PL" sz="1800" b="0" strike="noStrike" spc="-1">
                 <a:solidFill>
                   <a:srgbClr val="000000"/>
                 </a:solidFill>
                 <a:uFill>
                   <a:solidFill>
-                    <a:srgbClr val="ffffff"/>
+                    <a:srgbClr val="FFFFFF"/>
                   </a:solidFill>
                 </a:uFill>
                 <a:latin typeface="Arial"/>
               </a:rPr>
               <a:t>Kliknij, aby edytować format tekstu konspektu</a:t>
             </a:r>
-            <a:endParaRPr b="0" lang="pl-PL" sz="1800" spc="-1" strike="noStrike">
-              <a:solidFill>
-                <a:srgbClr val="000000"/>
-              </a:solidFill>
-              <a:uFill>
-                <a:solidFill>
-                  <a:srgbClr val="ffffff"/>
-                </a:solidFill>
-              </a:uFill>
-              <a:latin typeface="Arial"/>
-            </a:endParaRPr>
-          </a:p>
-          <a:p>
-            <a:pPr lvl="1" marL="864000" indent="-324000">
+          </a:p>
+          <a:p>
+            <a:pPr marL="864000" lvl="1" indent="-324000">
               <a:buClr>
                 <a:srgbClr val="000000"/>
               </a:buClr>
@@ -5246,33 +5389,22 @@
               <a:buChar char=""/>
             </a:pPr>
             <a:r>
-              <a:rPr b="0" lang="pl-PL" sz="1800" spc="-1" strike="noStrike">
+              <a:rPr lang="pl-PL" sz="1800" b="0" strike="noStrike" spc="-1">
                 <a:solidFill>
                   <a:srgbClr val="000000"/>
                 </a:solidFill>
                 <a:uFill>
                   <a:solidFill>
-                    <a:srgbClr val="ffffff"/>
+                    <a:srgbClr val="FFFFFF"/>
                   </a:solidFill>
                 </a:uFill>
                 <a:latin typeface="Arial"/>
               </a:rPr>
               <a:t>Drugi poziom konspektu</a:t>
             </a:r>
-            <a:endParaRPr b="0" lang="pl-PL" sz="1800" spc="-1" strike="noStrike">
-              <a:solidFill>
-                <a:srgbClr val="000000"/>
-              </a:solidFill>
-              <a:uFill>
-                <a:solidFill>
-                  <a:srgbClr val="ffffff"/>
-                </a:solidFill>
-              </a:uFill>
-              <a:latin typeface="Arial"/>
-            </a:endParaRPr>
-          </a:p>
-          <a:p>
-            <a:pPr lvl="2" marL="1296000" indent="-288000">
+          </a:p>
+          <a:p>
+            <a:pPr marL="1296000" lvl="2" indent="-288000">
               <a:buClr>
                 <a:srgbClr val="000000"/>
               </a:buClr>
@@ -5281,33 +5413,22 @@
               <a:buChar char=""/>
             </a:pPr>
             <a:r>
-              <a:rPr b="0" lang="pl-PL" sz="1800" spc="-1" strike="noStrike">
+              <a:rPr lang="pl-PL" sz="1800" b="0" strike="noStrike" spc="-1">
                 <a:solidFill>
                   <a:srgbClr val="000000"/>
                 </a:solidFill>
                 <a:uFill>
                   <a:solidFill>
-                    <a:srgbClr val="ffffff"/>
+                    <a:srgbClr val="FFFFFF"/>
                   </a:solidFill>
                 </a:uFill>
                 <a:latin typeface="Arial"/>
               </a:rPr>
               <a:t>Trzeci poziom konspektu</a:t>
             </a:r>
-            <a:endParaRPr b="0" lang="pl-PL" sz="1800" spc="-1" strike="noStrike">
-              <a:solidFill>
-                <a:srgbClr val="000000"/>
-              </a:solidFill>
-              <a:uFill>
-                <a:solidFill>
-                  <a:srgbClr val="ffffff"/>
-                </a:solidFill>
-              </a:uFill>
-              <a:latin typeface="Arial"/>
-            </a:endParaRPr>
-          </a:p>
-          <a:p>
-            <a:pPr lvl="3" marL="1728000" indent="-216000">
+          </a:p>
+          <a:p>
+            <a:pPr marL="1728000" lvl="3" indent="-216000">
               <a:buClr>
                 <a:srgbClr val="000000"/>
               </a:buClr>
@@ -5316,33 +5437,22 @@
               <a:buChar char=""/>
             </a:pPr>
             <a:r>
-              <a:rPr b="0" lang="pl-PL" sz="1800" spc="-1" strike="noStrike">
+              <a:rPr lang="pl-PL" sz="1800" b="0" strike="noStrike" spc="-1">
                 <a:solidFill>
                   <a:srgbClr val="000000"/>
                 </a:solidFill>
                 <a:uFill>
                   <a:solidFill>
-                    <a:srgbClr val="ffffff"/>
+                    <a:srgbClr val="FFFFFF"/>
                   </a:solidFill>
                 </a:uFill>
                 <a:latin typeface="Arial"/>
               </a:rPr>
               <a:t>Czwarty poziom konspektu</a:t>
             </a:r>
-            <a:endParaRPr b="0" lang="pl-PL" sz="1800" spc="-1" strike="noStrike">
-              <a:solidFill>
-                <a:srgbClr val="000000"/>
-              </a:solidFill>
-              <a:uFill>
-                <a:solidFill>
-                  <a:srgbClr val="ffffff"/>
-                </a:solidFill>
-              </a:uFill>
-              <a:latin typeface="Arial"/>
-            </a:endParaRPr>
-          </a:p>
-          <a:p>
-            <a:pPr lvl="4" marL="2160000" indent="-216000">
+          </a:p>
+          <a:p>
+            <a:pPr marL="2160000" lvl="4" indent="-216000">
               <a:buClr>
                 <a:srgbClr val="000000"/>
               </a:buClr>
@@ -5351,33 +5461,22 @@
               <a:buChar char=""/>
             </a:pPr>
             <a:r>
-              <a:rPr b="0" lang="pl-PL" sz="2000" spc="-1" strike="noStrike">
+              <a:rPr lang="pl-PL" sz="2000" b="0" strike="noStrike" spc="-1">
                 <a:solidFill>
                   <a:srgbClr val="000000"/>
                 </a:solidFill>
                 <a:uFill>
                   <a:solidFill>
-                    <a:srgbClr val="ffffff"/>
+                    <a:srgbClr val="FFFFFF"/>
                   </a:solidFill>
                 </a:uFill>
                 <a:latin typeface="Arial"/>
               </a:rPr>
               <a:t>Piąty poziom konspektu</a:t>
             </a:r>
-            <a:endParaRPr b="0" lang="pl-PL" sz="2000" spc="-1" strike="noStrike">
-              <a:solidFill>
-                <a:srgbClr val="000000"/>
-              </a:solidFill>
-              <a:uFill>
-                <a:solidFill>
-                  <a:srgbClr val="ffffff"/>
-                </a:solidFill>
-              </a:uFill>
-              <a:latin typeface="Arial"/>
-            </a:endParaRPr>
-          </a:p>
-          <a:p>
-            <a:pPr lvl="5" marL="2592000" indent="-216000">
+          </a:p>
+          <a:p>
+            <a:pPr marL="2592000" lvl="5" indent="-216000">
               <a:buClr>
                 <a:srgbClr val="000000"/>
               </a:buClr>
@@ -5386,33 +5485,22 @@
               <a:buChar char=""/>
             </a:pPr>
             <a:r>
-              <a:rPr b="0" lang="pl-PL" sz="2000" spc="-1" strike="noStrike">
+              <a:rPr lang="pl-PL" sz="2000" b="0" strike="noStrike" spc="-1">
                 <a:solidFill>
                   <a:srgbClr val="000000"/>
                 </a:solidFill>
                 <a:uFill>
                   <a:solidFill>
-                    <a:srgbClr val="ffffff"/>
+                    <a:srgbClr val="FFFFFF"/>
                   </a:solidFill>
                 </a:uFill>
                 <a:latin typeface="Arial"/>
               </a:rPr>
               <a:t>Szósty poziom konspektu</a:t>
             </a:r>
-            <a:endParaRPr b="0" lang="pl-PL" sz="2000" spc="-1" strike="noStrike">
-              <a:solidFill>
-                <a:srgbClr val="000000"/>
-              </a:solidFill>
-              <a:uFill>
-                <a:solidFill>
-                  <a:srgbClr val="ffffff"/>
-                </a:solidFill>
-              </a:uFill>
-              <a:latin typeface="Arial"/>
-            </a:endParaRPr>
-          </a:p>
-          <a:p>
-            <a:pPr lvl="6" marL="3024000" indent="-216000">
+          </a:p>
+          <a:p>
+            <a:pPr marL="3024000" lvl="6" indent="-216000">
               <a:buClr>
                 <a:srgbClr val="000000"/>
               </a:buClr>
@@ -5421,55 +5509,49 @@
               <a:buChar char=""/>
             </a:pPr>
             <a:r>
-              <a:rPr b="0" lang="pl-PL" sz="2000" spc="-1" strike="noStrike">
+              <a:rPr lang="pl-PL" sz="2000" b="0" strike="noStrike" spc="-1">
                 <a:solidFill>
                   <a:srgbClr val="000000"/>
                 </a:solidFill>
                 <a:uFill>
                   <a:solidFill>
-                    <a:srgbClr val="ffffff"/>
+                    <a:srgbClr val="FFFFFF"/>
                   </a:solidFill>
                 </a:uFill>
                 <a:latin typeface="Arial"/>
               </a:rPr>
               <a:t>Siódmy poziom konspektu</a:t>
             </a:r>
-            <a:endParaRPr b="0" lang="pl-PL" sz="2000" spc="-1" strike="noStrike">
-              <a:solidFill>
-                <a:srgbClr val="000000"/>
-              </a:solidFill>
-              <a:uFill>
-                <a:solidFill>
-                  <a:srgbClr val="ffffff"/>
-                </a:solidFill>
-              </a:uFill>
-              <a:latin typeface="Arial"/>
-            </a:endParaRPr>
           </a:p>
         </p:txBody>
       </p:sp>
     </p:spTree>
   </p:cSld>
-  <p:clrMap bg1="lt1" bg2="lt2" tx1="dk1" tx2="dk2" accent1="accent1" accent2="accent2" accent3="accent3" accent4="accent4" accent5="accent5" accent6="accent6" hlink="hlink" folHlink="folHlink"/>
+  <p:clrMap bg1="lt1" tx1="dk1" bg2="lt2" tx2="dk2" accent1="accent1" accent2="accent2" accent3="accent3" accent4="accent4" accent5="accent5" accent6="accent6" hlink="hlink" folHlink="folHlink"/>
   <p:sldLayoutIdLst>
-    <p:sldLayoutId id="2147483675" r:id="rId2"/>
-    <p:sldLayoutId id="2147483676" r:id="rId3"/>
-    <p:sldLayoutId id="2147483677" r:id="rId4"/>
-    <p:sldLayoutId id="2147483678" r:id="rId5"/>
-    <p:sldLayoutId id="2147483679" r:id="rId6"/>
-    <p:sldLayoutId id="2147483680" r:id="rId7"/>
-    <p:sldLayoutId id="2147483681" r:id="rId8"/>
-    <p:sldLayoutId id="2147483682" r:id="rId9"/>
-    <p:sldLayoutId id="2147483683" r:id="rId10"/>
-    <p:sldLayoutId id="2147483684" r:id="rId11"/>
-    <p:sldLayoutId id="2147483685" r:id="rId12"/>
-    <p:sldLayoutId id="2147483686" r:id="rId13"/>
+    <p:sldLayoutId id="2147483675" r:id="rId1"/>
+    <p:sldLayoutId id="2147483676" r:id="rId2"/>
+    <p:sldLayoutId id="2147483677" r:id="rId3"/>
+    <p:sldLayoutId id="2147483678" r:id="rId4"/>
+    <p:sldLayoutId id="2147483679" r:id="rId5"/>
+    <p:sldLayoutId id="2147483680" r:id="rId6"/>
+    <p:sldLayoutId id="2147483681" r:id="rId7"/>
+    <p:sldLayoutId id="2147483682" r:id="rId8"/>
+    <p:sldLayoutId id="2147483683" r:id="rId9"/>
+    <p:sldLayoutId id="2147483684" r:id="rId10"/>
+    <p:sldLayoutId id="2147483685" r:id="rId11"/>
+    <p:sldLayoutId id="2147483686" r:id="rId12"/>
   </p:sldLayoutIdLst>
+  <p:txStyles>
+    <p:titleStyle/>
+    <p:bodyStyle/>
+    <p:otherStyle/>
+  </p:txStyles>
 </p:sldMaster>
 </file>
 
 <file path=ppt/slides/slide1.xml><?xml version="1.0" encoding="utf-8"?>
-<p:sld xmlns:a="http://schemas.openxmlformats.org/drawingml/2006/main" xmlns:p="http://schemas.openxmlformats.org/presentationml/2006/main" xmlns:r="http://schemas.openxmlformats.org/officeDocument/2006/relationships" xmlns:p14="http://schemas.microsoft.com/office/powerpoint/2010/main" xmlns:p15="http://schemas.microsoft.com/office/powerpoint/2012/main" xmlns:mc="http://schemas.openxmlformats.org/markup-compatibility/2006">
+<p:sld xmlns:a="http://schemas.openxmlformats.org/drawingml/2006/main" xmlns:r="http://schemas.openxmlformats.org/officeDocument/2006/relationships" xmlns:p="http://schemas.openxmlformats.org/presentationml/2006/main">
   <p:cSld>
     <p:spTree>
       <p:nvGrpSpPr>
@@ -5505,13 +5587,20 @@
           </a:ln>
         </p:spPr>
         <p:style>
-          <a:lnRef idx="0"/>
-          <a:fillRef idx="0"/>
-          <a:effectRef idx="0"/>
+          <a:lnRef idx="0">
+            <a:scrgbClr r="0" g="0" b="0"/>
+          </a:lnRef>
+          <a:fillRef idx="0">
+            <a:scrgbClr r="0" g="0" b="0"/>
+          </a:fillRef>
+          <a:effectRef idx="0">
+            <a:scrgbClr r="0" g="0" b="0"/>
+          </a:effectRef>
           <a:fontRef idx="minor"/>
         </p:style>
         <p:txBody>
-          <a:bodyPr lIns="90000" rIns="90000" tIns="45000" bIns="45000" anchor="ctr"/>
+          <a:bodyPr lIns="90000" tIns="45000" rIns="90000" bIns="45000" anchor="ctr"/>
+          <a:lstStyle/>
           <a:p>
             <a:pPr algn="ctr">
               <a:lnSpc>
@@ -5519,13 +5608,13 @@
               </a:lnSpc>
             </a:pPr>
             <a:r>
-              <a:rPr b="0" lang="pl-PL" sz="4400" spc="-1" strike="noStrike">
+              <a:rPr lang="pl-PL" sz="4400" b="0" strike="noStrike" spc="-1">
                 <a:solidFill>
                   <a:srgbClr val="000000"/>
                 </a:solidFill>
                 <a:uFill>
                   <a:solidFill>
-                    <a:srgbClr val="ffffff"/>
+                    <a:srgbClr val="FFFFFF"/>
                   </a:solidFill>
                 </a:uFill>
                 <a:latin typeface="Calibri"/>
@@ -5533,13 +5622,13 @@
               </a:rPr>
               <a:t>Monitorowanie pracowni laboratoryjnej</a:t>
             </a:r>
-            <a:endParaRPr b="0" lang="pl-PL" sz="1800" spc="-1" strike="noStrike">
-              <a:solidFill>
-                <a:srgbClr val="000000"/>
-              </a:solidFill>
-              <a:uFill>
-                <a:solidFill>
-                  <a:srgbClr val="ffffff"/>
+            <a:endParaRPr lang="pl-PL" sz="1800" b="0" strike="noStrike" spc="-1">
+              <a:solidFill>
+                <a:srgbClr val="000000"/>
+              </a:solidFill>
+              <a:uFill>
+                <a:solidFill>
+                  <a:srgbClr val="FFFFFF"/>
                 </a:solidFill>
               </a:uFill>
               <a:latin typeface="Arial"/>
@@ -5567,13 +5656,20 @@
           </a:ln>
         </p:spPr>
         <p:style>
-          <a:lnRef idx="0"/>
-          <a:fillRef idx="0"/>
-          <a:effectRef idx="0"/>
+          <a:lnRef idx="0">
+            <a:scrgbClr r="0" g="0" b="0"/>
+          </a:lnRef>
+          <a:fillRef idx="0">
+            <a:scrgbClr r="0" g="0" b="0"/>
+          </a:fillRef>
+          <a:effectRef idx="0">
+            <a:scrgbClr r="0" g="0" b="0"/>
+          </a:effectRef>
           <a:fontRef idx="minor"/>
         </p:style>
         <p:txBody>
-          <a:bodyPr lIns="90000" rIns="90000" tIns="45000" bIns="45000"/>
+          <a:bodyPr lIns="90000" tIns="45000" rIns="90000" bIns="45000"/>
+          <a:lstStyle/>
           <a:p>
             <a:pPr algn="ctr">
               <a:lnSpc>
@@ -5581,13 +5677,13 @@
               </a:lnSpc>
             </a:pPr>
             <a:r>
-              <a:rPr b="0" lang="pl-PL" sz="3200" spc="-1" strike="noStrike">
-                <a:solidFill>
-                  <a:srgbClr val="8b8b8b"/>
+              <a:rPr lang="pl-PL" sz="3200" b="0" strike="noStrike" spc="-1">
+                <a:solidFill>
+                  <a:srgbClr val="8B8B8B"/>
                 </a:solidFill>
                 <a:uFill>
                   <a:solidFill>
-                    <a:srgbClr val="ffffff"/>
+                    <a:srgbClr val="FFFFFF"/>
                   </a:solidFill>
                 </a:uFill>
                 <a:latin typeface="Calibri"/>
@@ -5595,13 +5691,13 @@
               </a:rPr>
               <a:t>Adrian Kaczmarek, Jakub Plebaniak, Krzysztof Rózga</a:t>
             </a:r>
-            <a:endParaRPr b="0" lang="pl-PL" sz="1800" spc="-1" strike="noStrike">
-              <a:solidFill>
-                <a:srgbClr val="000000"/>
-              </a:solidFill>
-              <a:uFill>
-                <a:solidFill>
-                  <a:srgbClr val="ffffff"/>
+            <a:endParaRPr lang="pl-PL" sz="1800" b="0" strike="noStrike" spc="-1">
+              <a:solidFill>
+                <a:srgbClr val="000000"/>
+              </a:solidFill>
+              <a:uFill>
+                <a:solidFill>
+                  <a:srgbClr val="FFFFFF"/>
                 </a:solidFill>
               </a:uFill>
               <a:latin typeface="Arial"/>
@@ -5611,6 +5707,9 @@
       </p:sp>
     </p:spTree>
   </p:cSld>
+  <p:clrMapOvr>
+    <a:masterClrMapping/>
+  </p:clrMapOvr>
   <p:timing>
     <p:tnLst>
       <p:par>
@@ -5619,14 +5718,14 @@
             <p:seq>
               <p:cTn id="2" nodeType="mainSeq"/>
               <p:prevCondLst>
-                <p:cond delay="0" evt="onPrev">
+                <p:cond evt="onPrev" delay="0">
                   <p:tgtEl>
                     <p:sldTgt/>
                   </p:tgtEl>
                 </p:cond>
               </p:prevCondLst>
               <p:nextCondLst>
-                <p:cond delay="0" evt="onNext">
+                <p:cond evt="onNext" delay="0">
                   <p:tgtEl>
                     <p:sldTgt/>
                   </p:tgtEl>
@@ -5642,7 +5741,7 @@
 </file>
 
 <file path=ppt/slides/slide2.xml><?xml version="1.0" encoding="utf-8"?>
-<p:sld xmlns:a="http://schemas.openxmlformats.org/drawingml/2006/main" xmlns:p="http://schemas.openxmlformats.org/presentationml/2006/main" xmlns:r="http://schemas.openxmlformats.org/officeDocument/2006/relationships" xmlns:p14="http://schemas.microsoft.com/office/powerpoint/2010/main" xmlns:p15="http://schemas.microsoft.com/office/powerpoint/2012/main" xmlns:mc="http://schemas.openxmlformats.org/markup-compatibility/2006">
+<p:sld xmlns:a="http://schemas.openxmlformats.org/drawingml/2006/main" xmlns:r="http://schemas.openxmlformats.org/officeDocument/2006/relationships" xmlns:p="http://schemas.openxmlformats.org/presentationml/2006/main">
   <p:cSld>
     <p:spTree>
       <p:nvGrpSpPr>
@@ -5678,13 +5777,20 @@
           </a:ln>
         </p:spPr>
         <p:style>
-          <a:lnRef idx="0"/>
-          <a:fillRef idx="0"/>
-          <a:effectRef idx="0"/>
+          <a:lnRef idx="0">
+            <a:scrgbClr r="0" g="0" b="0"/>
+          </a:lnRef>
+          <a:fillRef idx="0">
+            <a:scrgbClr r="0" g="0" b="0"/>
+          </a:fillRef>
+          <a:effectRef idx="0">
+            <a:scrgbClr r="0" g="0" b="0"/>
+          </a:effectRef>
           <a:fontRef idx="minor"/>
         </p:style>
         <p:txBody>
-          <a:bodyPr lIns="90000" rIns="90000" tIns="45000" bIns="45000" anchor="ctr"/>
+          <a:bodyPr lIns="90000" tIns="45000" rIns="90000" bIns="45000" anchor="ctr"/>
+          <a:lstStyle/>
           <a:p>
             <a:pPr algn="ctr">
               <a:lnSpc>
@@ -5692,13 +5798,13 @@
               </a:lnSpc>
             </a:pPr>
             <a:r>
-              <a:rPr b="0" lang="pl-PL" sz="4400" spc="-1" strike="noStrike">
+              <a:rPr lang="pl-PL" sz="4400" b="0" strike="noStrike" spc="-1">
                 <a:solidFill>
                   <a:srgbClr val="000000"/>
                 </a:solidFill>
                 <a:uFill>
                   <a:solidFill>
-                    <a:srgbClr val="ffffff"/>
+                    <a:srgbClr val="FFFFFF"/>
                   </a:solidFill>
                 </a:uFill>
                 <a:latin typeface="Calibri"/>
@@ -5706,13 +5812,13 @@
               </a:rPr>
               <a:t>Postęp prac</a:t>
             </a:r>
-            <a:endParaRPr b="0" lang="pl-PL" sz="1800" spc="-1" strike="noStrike">
-              <a:solidFill>
-                <a:srgbClr val="000000"/>
-              </a:solidFill>
-              <a:uFill>
-                <a:solidFill>
-                  <a:srgbClr val="ffffff"/>
+            <a:endParaRPr lang="pl-PL" sz="1800" b="0" strike="noStrike" spc="-1">
+              <a:solidFill>
+                <a:srgbClr val="000000"/>
+              </a:solidFill>
+              <a:uFill>
+                <a:solidFill>
+                  <a:srgbClr val="FFFFFF"/>
                 </a:solidFill>
               </a:uFill>
               <a:latin typeface="Arial"/>
@@ -5740,13 +5846,20 @@
           </a:ln>
         </p:spPr>
         <p:style>
-          <a:lnRef idx="0"/>
-          <a:fillRef idx="0"/>
-          <a:effectRef idx="0"/>
+          <a:lnRef idx="0">
+            <a:scrgbClr r="0" g="0" b="0"/>
+          </a:lnRef>
+          <a:fillRef idx="0">
+            <a:scrgbClr r="0" g="0" b="0"/>
+          </a:fillRef>
+          <a:effectRef idx="0">
+            <a:scrgbClr r="0" g="0" b="0"/>
+          </a:effectRef>
           <a:fontRef idx="minor"/>
         </p:style>
         <p:txBody>
-          <a:bodyPr lIns="90000" rIns="90000" tIns="45000" bIns="45000"/>
+          <a:bodyPr lIns="90000" tIns="45000" rIns="90000" bIns="45000"/>
+          <a:lstStyle/>
           <a:p>
             <a:pPr marL="285840" indent="-285480">
               <a:lnSpc>
@@ -5759,13 +5872,13 @@
               <a:buChar char="•"/>
             </a:pPr>
             <a:r>
-              <a:rPr b="0" lang="pl-PL" sz="1800" spc="-1" strike="noStrike">
+              <a:rPr lang="pl-PL" sz="2800" b="0" strike="noStrike" spc="-1" dirty="0">
                 <a:solidFill>
                   <a:srgbClr val="000000"/>
                 </a:solidFill>
                 <a:uFill>
                   <a:solidFill>
-                    <a:srgbClr val="ffffff"/>
+                    <a:srgbClr val="FFFFFF"/>
                   </a:solidFill>
                 </a:uFill>
                 <a:latin typeface="Calibri"/>
@@ -5773,13 +5886,13 @@
               </a:rPr>
               <a:t>Poprawa stabilności</a:t>
             </a:r>
-            <a:endParaRPr b="0" lang="pl-PL" sz="1800" spc="-1" strike="noStrike">
-              <a:solidFill>
-                <a:srgbClr val="000000"/>
-              </a:solidFill>
-              <a:uFill>
-                <a:solidFill>
-                  <a:srgbClr val="ffffff"/>
+            <a:endParaRPr lang="pl-PL" sz="2800" b="0" strike="noStrike" spc="-1" dirty="0">
+              <a:solidFill>
+                <a:srgbClr val="000000"/>
+              </a:solidFill>
+              <a:uFill>
+                <a:solidFill>
+                  <a:srgbClr val="FFFFFF"/>
                 </a:solidFill>
               </a:uFill>
               <a:latin typeface="Arial"/>
@@ -5797,13 +5910,13 @@
               <a:buChar char="•"/>
             </a:pPr>
             <a:r>
-              <a:rPr b="0" lang="pl-PL" sz="1800" spc="-1" strike="noStrike">
+              <a:rPr lang="pl-PL" sz="2800" b="0" strike="noStrike" spc="-1" dirty="0">
                 <a:solidFill>
                   <a:srgbClr val="000000"/>
                 </a:solidFill>
                 <a:uFill>
                   <a:solidFill>
-                    <a:srgbClr val="ffffff"/>
+                    <a:srgbClr val="FFFFFF"/>
                   </a:solidFill>
                 </a:uFill>
                 <a:latin typeface="Calibri"/>
@@ -5811,13 +5924,13 @@
               </a:rPr>
               <a:t>Przesyłanie i wyświetlanie otwartych stron</a:t>
             </a:r>
-            <a:endParaRPr b="0" lang="pl-PL" sz="1800" spc="-1" strike="noStrike">
-              <a:solidFill>
-                <a:srgbClr val="000000"/>
-              </a:solidFill>
-              <a:uFill>
-                <a:solidFill>
-                  <a:srgbClr val="ffffff"/>
+            <a:endParaRPr lang="pl-PL" sz="2800" b="0" strike="noStrike" spc="-1" dirty="0">
+              <a:solidFill>
+                <a:srgbClr val="000000"/>
+              </a:solidFill>
+              <a:uFill>
+                <a:solidFill>
+                  <a:srgbClr val="FFFFFF"/>
                 </a:solidFill>
               </a:uFill>
               <a:latin typeface="Arial"/>
@@ -5835,13 +5948,13 @@
               <a:buChar char="•"/>
             </a:pPr>
             <a:r>
-              <a:rPr b="0" lang="pl-PL" sz="1800" spc="-1" strike="noStrike">
+              <a:rPr lang="pl-PL" sz="2800" b="0" strike="noStrike" spc="-1" dirty="0">
                 <a:solidFill>
                   <a:srgbClr val="000000"/>
                 </a:solidFill>
                 <a:uFill>
                   <a:solidFill>
-                    <a:srgbClr val="ffffff"/>
+                    <a:srgbClr val="FFFFFF"/>
                   </a:solidFill>
                 </a:uFill>
                 <a:latin typeface="Calibri"/>
@@ -5849,13 +5962,13 @@
               </a:rPr>
               <a:t>Naprawa wyglądu okna podglądu stacji</a:t>
             </a:r>
-            <a:endParaRPr b="0" lang="pl-PL" sz="1800" spc="-1" strike="noStrike">
-              <a:solidFill>
-                <a:srgbClr val="000000"/>
-              </a:solidFill>
-              <a:uFill>
-                <a:solidFill>
-                  <a:srgbClr val="ffffff"/>
+            <a:endParaRPr lang="pl-PL" sz="2800" b="0" strike="noStrike" spc="-1" dirty="0">
+              <a:solidFill>
+                <a:srgbClr val="000000"/>
+              </a:solidFill>
+              <a:uFill>
+                <a:solidFill>
+                  <a:srgbClr val="FFFFFF"/>
                 </a:solidFill>
               </a:uFill>
               <a:latin typeface="Arial"/>
@@ -5865,22 +5978,25 @@
       </p:sp>
     </p:spTree>
   </p:cSld>
+  <p:clrMapOvr>
+    <a:masterClrMapping/>
+  </p:clrMapOvr>
   <p:timing>
     <p:tnLst>
       <p:par>
-        <p:cTn id="3" dur="indefinite" restart="never" nodeType="tmRoot">
+        <p:cTn id="1" dur="indefinite" restart="never" nodeType="tmRoot">
           <p:childTnLst>
             <p:seq>
-              <p:cTn id="4" nodeType="mainSeq"/>
+              <p:cTn id="2" nodeType="mainSeq"/>
               <p:prevCondLst>
-                <p:cond delay="0" evt="onPrev">
+                <p:cond evt="onPrev" delay="0">
                   <p:tgtEl>
                     <p:sldTgt/>
                   </p:tgtEl>
                 </p:cond>
               </p:prevCondLst>
               <p:nextCondLst>
-                <p:cond delay="0" evt="onNext">
+                <p:cond evt="onNext" delay="0">
                   <p:tgtEl>
                     <p:sldTgt/>
                   </p:tgtEl>
@@ -5896,7 +6012,7 @@
 </file>
 
 <file path=ppt/slides/slide3.xml><?xml version="1.0" encoding="utf-8"?>
-<p:sld xmlns:a="http://schemas.openxmlformats.org/drawingml/2006/main" xmlns:p="http://schemas.openxmlformats.org/presentationml/2006/main" xmlns:r="http://schemas.openxmlformats.org/officeDocument/2006/relationships" xmlns:p14="http://schemas.microsoft.com/office/powerpoint/2010/main" xmlns:p15="http://schemas.microsoft.com/office/powerpoint/2012/main" xmlns:mc="http://schemas.openxmlformats.org/markup-compatibility/2006">
+<p:sld xmlns:a="http://schemas.openxmlformats.org/drawingml/2006/main" xmlns:r="http://schemas.openxmlformats.org/officeDocument/2006/relationships" xmlns:p="http://schemas.openxmlformats.org/presentationml/2006/main">
   <p:cSld>
     <p:spTree>
       <p:nvGrpSpPr>
@@ -5932,13 +6048,20 @@
           </a:ln>
         </p:spPr>
         <p:style>
-          <a:lnRef idx="0"/>
-          <a:fillRef idx="0"/>
-          <a:effectRef idx="0"/>
+          <a:lnRef idx="0">
+            <a:scrgbClr r="0" g="0" b="0"/>
+          </a:lnRef>
+          <a:fillRef idx="0">
+            <a:scrgbClr r="0" g="0" b="0"/>
+          </a:fillRef>
+          <a:effectRef idx="0">
+            <a:scrgbClr r="0" g="0" b="0"/>
+          </a:effectRef>
           <a:fontRef idx="minor"/>
         </p:style>
         <p:txBody>
-          <a:bodyPr lIns="90000" rIns="90000" tIns="45000" bIns="45000" anchor="ctr"/>
+          <a:bodyPr lIns="90000" tIns="45000" rIns="90000" bIns="45000" anchor="ctr"/>
+          <a:lstStyle/>
           <a:p>
             <a:pPr algn="ctr">
               <a:lnSpc>
@@ -5946,13 +6069,13 @@
               </a:lnSpc>
             </a:pPr>
             <a:r>
-              <a:rPr b="0" lang="pl-PL" sz="4400" spc="-1" strike="noStrike">
+              <a:rPr lang="pl-PL" sz="4400" b="0" strike="noStrike" spc="-1">
                 <a:solidFill>
                   <a:srgbClr val="000000"/>
                 </a:solidFill>
                 <a:uFill>
                   <a:solidFill>
-                    <a:srgbClr val="ffffff"/>
+                    <a:srgbClr val="FFFFFF"/>
                   </a:solidFill>
                 </a:uFill>
                 <a:latin typeface="Calibri"/>
@@ -5960,13 +6083,13 @@
               </a:rPr>
               <a:t>Informacje z wybranej z stacji</a:t>
             </a:r>
-            <a:endParaRPr b="0" lang="pl-PL" sz="1800" spc="-1" strike="noStrike">
-              <a:solidFill>
-                <a:srgbClr val="000000"/>
-              </a:solidFill>
-              <a:uFill>
-                <a:solidFill>
-                  <a:srgbClr val="ffffff"/>
+            <a:endParaRPr lang="pl-PL" sz="1800" b="0" strike="noStrike" spc="-1">
+              <a:solidFill>
+                <a:srgbClr val="000000"/>
+              </a:solidFill>
+              <a:uFill>
+                <a:solidFill>
+                  <a:srgbClr val="FFFFFF"/>
                 </a:solidFill>
               </a:uFill>
               <a:latin typeface="Arial"/>
@@ -5994,20 +6117,26 @@
           </a:ln>
         </p:spPr>
         <p:style>
-          <a:lnRef idx="0"/>
-          <a:fillRef idx="0"/>
-          <a:effectRef idx="0"/>
+          <a:lnRef idx="0">
+            <a:scrgbClr r="0" g="0" b="0"/>
+          </a:lnRef>
+          <a:fillRef idx="0">
+            <a:scrgbClr r="0" g="0" b="0"/>
+          </a:fillRef>
+          <a:effectRef idx="0">
+            <a:scrgbClr r="0" g="0" b="0"/>
+          </a:effectRef>
           <a:fontRef idx="minor"/>
         </p:style>
       </p:sp>
       <p:pic>
         <p:nvPicPr>
-          <p:cNvPr id="114" name="" descr=""/>
+          <p:cNvPr id="114" name="Obraz 113"/>
           <p:cNvPicPr/>
           <p:nvPr/>
         </p:nvPicPr>
         <p:blipFill>
-          <a:blip r:embed="rId1"/>
+          <a:blip r:embed="rId2"/>
           <a:stretch/>
         </p:blipFill>
         <p:spPr>
@@ -6025,22 +6154,25 @@
       </p:pic>
     </p:spTree>
   </p:cSld>
+  <p:clrMapOvr>
+    <a:masterClrMapping/>
+  </p:clrMapOvr>
   <p:timing>
     <p:tnLst>
       <p:par>
-        <p:cTn id="5" dur="indefinite" restart="never" nodeType="tmRoot">
+        <p:cTn id="1" dur="indefinite" restart="never" nodeType="tmRoot">
           <p:childTnLst>
             <p:seq>
-              <p:cTn id="6" nodeType="mainSeq"/>
+              <p:cTn id="2" nodeType="mainSeq"/>
               <p:prevCondLst>
-                <p:cond delay="0" evt="onPrev">
+                <p:cond evt="onPrev" delay="0">
                   <p:tgtEl>
                     <p:sldTgt/>
                   </p:tgtEl>
                 </p:cond>
               </p:prevCondLst>
               <p:nextCondLst>
-                <p:cond delay="0" evt="onNext">
+                <p:cond evt="onNext" delay="0">
                   <p:tgtEl>
                     <p:sldTgt/>
                   </p:tgtEl>
@@ -6056,7 +6188,7 @@
 </file>
 
 <file path=ppt/slides/slide4.xml><?xml version="1.0" encoding="utf-8"?>
-<p:sld xmlns:a="http://schemas.openxmlformats.org/drawingml/2006/main" xmlns:p="http://schemas.openxmlformats.org/presentationml/2006/main" xmlns:r="http://schemas.openxmlformats.org/officeDocument/2006/relationships" xmlns:p14="http://schemas.microsoft.com/office/powerpoint/2010/main" xmlns:p15="http://schemas.microsoft.com/office/powerpoint/2012/main" xmlns:mc="http://schemas.openxmlformats.org/markup-compatibility/2006">
+<p:sld xmlns:a="http://schemas.openxmlformats.org/drawingml/2006/main" xmlns:r="http://schemas.openxmlformats.org/officeDocument/2006/relationships" xmlns:p="http://schemas.openxmlformats.org/presentationml/2006/main">
   <p:cSld>
     <p:spTree>
       <p:nvGrpSpPr>
@@ -6092,13 +6224,20 @@
           </a:ln>
         </p:spPr>
         <p:style>
-          <a:lnRef idx="0"/>
-          <a:fillRef idx="0"/>
-          <a:effectRef idx="0"/>
+          <a:lnRef idx="0">
+            <a:scrgbClr r="0" g="0" b="0"/>
+          </a:lnRef>
+          <a:fillRef idx="0">
+            <a:scrgbClr r="0" g="0" b="0"/>
+          </a:fillRef>
+          <a:effectRef idx="0">
+            <a:scrgbClr r="0" g="0" b="0"/>
+          </a:effectRef>
           <a:fontRef idx="minor"/>
         </p:style>
         <p:txBody>
-          <a:bodyPr lIns="90000" rIns="90000" tIns="45000" bIns="45000" anchor="ctr"/>
+          <a:bodyPr lIns="90000" tIns="45000" rIns="90000" bIns="45000" anchor="ctr"/>
+          <a:lstStyle/>
           <a:p>
             <a:pPr algn="ctr">
               <a:lnSpc>
@@ -6106,13 +6245,13 @@
               </a:lnSpc>
             </a:pPr>
             <a:r>
-              <a:rPr b="0" lang="pl-PL" sz="4400" spc="-1" strike="noStrike">
+              <a:rPr lang="pl-PL" sz="4400" b="0" strike="noStrike" spc="-1" dirty="0">
                 <a:solidFill>
                   <a:srgbClr val="000000"/>
                 </a:solidFill>
                 <a:uFill>
                   <a:solidFill>
-                    <a:srgbClr val="ffffff"/>
+                    <a:srgbClr val="FFFFFF"/>
                   </a:solidFill>
                 </a:uFill>
                 <a:latin typeface="Calibri"/>
@@ -6120,13 +6259,13 @@
               </a:rPr>
               <a:t>Podsumowanie</a:t>
             </a:r>
-            <a:endParaRPr b="0" lang="pl-PL" sz="1800" spc="-1" strike="noStrike">
-              <a:solidFill>
-                <a:srgbClr val="000000"/>
-              </a:solidFill>
-              <a:uFill>
-                <a:solidFill>
-                  <a:srgbClr val="ffffff"/>
+            <a:endParaRPr lang="pl-PL" sz="1800" b="0" strike="noStrike" spc="-1" dirty="0">
+              <a:solidFill>
+                <a:srgbClr val="000000"/>
+              </a:solidFill>
+              <a:uFill>
+                <a:solidFill>
+                  <a:srgbClr val="FFFFFF"/>
                 </a:solidFill>
               </a:uFill>
               <a:latin typeface="Arial"/>
@@ -6154,13 +6293,41 @@
           </a:ln>
         </p:spPr>
         <p:style>
-          <a:lnRef idx="0"/>
-          <a:fillRef idx="0"/>
-          <a:effectRef idx="0"/>
+          <a:lnRef idx="0">
+            <a:scrgbClr r="0" g="0" b="0"/>
+          </a:lnRef>
+          <a:fillRef idx="0">
+            <a:scrgbClr r="0" g="0" b="0"/>
+          </a:fillRef>
+          <a:effectRef idx="0">
+            <a:scrgbClr r="0" g="0" b="0"/>
+          </a:effectRef>
           <a:fontRef idx="minor"/>
         </p:style>
         <p:txBody>
-          <a:bodyPr lIns="90000" rIns="90000" tIns="45000" bIns="45000"/>
+          <a:bodyPr lIns="90000" tIns="45000" rIns="90000" bIns="45000"/>
+          <a:lstStyle/>
+          <a:p>
+            <a:pPr marL="360">
+              <a:lnSpc>
+                <a:spcPct val="100000"/>
+              </a:lnSpc>
+              <a:buClr>
+                <a:srgbClr val="000000"/>
+              </a:buClr>
+            </a:pPr>
+            <a:endParaRPr lang="pl-PL" sz="2400" b="0" strike="noStrike" spc="-1" dirty="0">
+              <a:solidFill>
+                <a:srgbClr val="000000"/>
+              </a:solidFill>
+              <a:uFill>
+                <a:solidFill>
+                  <a:srgbClr val="FFFFFF"/>
+                </a:solidFill>
+              </a:uFill>
+              <a:latin typeface="Arial"/>
+            </a:endParaRPr>
+          </a:p>
           <a:p>
             <a:pPr marL="285840" indent="-285480">
               <a:lnSpc>
@@ -6173,51 +6340,13 @@
               <a:buChar char="•"/>
             </a:pPr>
             <a:r>
-              <a:rPr b="0" lang="pl-PL" sz="1800" spc="-1" strike="noStrike">
+              <a:rPr lang="pl-PL" sz="2400" b="0" strike="noStrike" spc="-1" dirty="0">
                 <a:solidFill>
                   <a:srgbClr val="000000"/>
                 </a:solidFill>
                 <a:uFill>
                   <a:solidFill>
-                    <a:srgbClr val="ffffff"/>
-                  </a:solidFill>
-                </a:uFill>
-                <a:latin typeface="Calibri"/>
-                <a:ea typeface="DejaVu Sans"/>
-              </a:rPr>
-              <a:t> </a:t>
-            </a:r>
-            <a:endParaRPr b="0" lang="pl-PL" sz="1800" spc="-1" strike="noStrike">
-              <a:solidFill>
-                <a:srgbClr val="000000"/>
-              </a:solidFill>
-              <a:uFill>
-                <a:solidFill>
-                  <a:srgbClr val="ffffff"/>
-                </a:solidFill>
-              </a:uFill>
-              <a:latin typeface="Arial"/>
-            </a:endParaRPr>
-          </a:p>
-          <a:p>
-            <a:pPr marL="285840" indent="-285480">
-              <a:lnSpc>
-                <a:spcPct val="100000"/>
-              </a:lnSpc>
-              <a:buClr>
-                <a:srgbClr val="000000"/>
-              </a:buClr>
-              <a:buFont typeface="Arial"/>
-              <a:buChar char="•"/>
-            </a:pPr>
-            <a:r>
-              <a:rPr b="0" lang="pl-PL" sz="1800" spc="-1" strike="noStrike">
-                <a:solidFill>
-                  <a:srgbClr val="000000"/>
-                </a:solidFill>
-                <a:uFill>
-                  <a:solidFill>
-                    <a:srgbClr val="ffffff"/>
+                    <a:srgbClr val="FFFFFF"/>
                   </a:solidFill>
                 </a:uFill>
                 <a:latin typeface="Calibri"/>
@@ -6225,13 +6354,34 @@
               </a:rPr>
               <a:t>W ramach projektu udało się zrealizować wstępne założenia.</a:t>
             </a:r>
-            <a:endParaRPr b="0" lang="pl-PL" sz="1800" spc="-1" strike="noStrike">
-              <a:solidFill>
-                <a:srgbClr val="000000"/>
-              </a:solidFill>
-              <a:uFill>
-                <a:solidFill>
-                  <a:srgbClr val="ffffff"/>
+            <a:endParaRPr lang="pl-PL" sz="2400" b="0" strike="noStrike" spc="-1" dirty="0">
+              <a:solidFill>
+                <a:srgbClr val="000000"/>
+              </a:solidFill>
+              <a:uFill>
+                <a:solidFill>
+                  <a:srgbClr val="FFFFFF"/>
+                </a:solidFill>
+              </a:uFill>
+              <a:latin typeface="Arial"/>
+            </a:endParaRPr>
+          </a:p>
+          <a:p>
+            <a:pPr marL="360">
+              <a:lnSpc>
+                <a:spcPct val="100000"/>
+              </a:lnSpc>
+              <a:buClr>
+                <a:srgbClr val="000000"/>
+              </a:buClr>
+            </a:pPr>
+            <a:endParaRPr lang="pl-PL" sz="2400" b="0" strike="noStrike" spc="-1" dirty="0">
+              <a:solidFill>
+                <a:srgbClr val="000000"/>
+              </a:solidFill>
+              <a:uFill>
+                <a:solidFill>
+                  <a:srgbClr val="FFFFFF"/>
                 </a:solidFill>
               </a:uFill>
               <a:latin typeface="Arial"/>
@@ -6249,51 +6399,13 @@
               <a:buChar char="•"/>
             </a:pPr>
             <a:r>
-              <a:rPr b="0" lang="pl-PL" sz="1800" spc="-1" strike="noStrike">
+              <a:rPr lang="pl-PL" sz="2400" b="0" strike="noStrike" spc="-1" dirty="0">
                 <a:solidFill>
                   <a:srgbClr val="000000"/>
                 </a:solidFill>
                 <a:uFill>
                   <a:solidFill>
-                    <a:srgbClr val="ffffff"/>
-                  </a:solidFill>
-                </a:uFill>
-                <a:latin typeface="Calibri"/>
-                <a:ea typeface="DejaVu Sans"/>
-              </a:rPr>
-              <a:t> </a:t>
-            </a:r>
-            <a:endParaRPr b="0" lang="pl-PL" sz="1800" spc="-1" strike="noStrike">
-              <a:solidFill>
-                <a:srgbClr val="000000"/>
-              </a:solidFill>
-              <a:uFill>
-                <a:solidFill>
-                  <a:srgbClr val="ffffff"/>
-                </a:solidFill>
-              </a:uFill>
-              <a:latin typeface="Arial"/>
-            </a:endParaRPr>
-          </a:p>
-          <a:p>
-            <a:pPr marL="285840" indent="-285480">
-              <a:lnSpc>
-                <a:spcPct val="100000"/>
-              </a:lnSpc>
-              <a:buClr>
-                <a:srgbClr val="000000"/>
-              </a:buClr>
-              <a:buFont typeface="Arial"/>
-              <a:buChar char="•"/>
-            </a:pPr>
-            <a:r>
-              <a:rPr b="0" lang="pl-PL" sz="1800" spc="-1" strike="noStrike">
-                <a:solidFill>
-                  <a:srgbClr val="000000"/>
-                </a:solidFill>
-                <a:uFill>
-                  <a:solidFill>
-                    <a:srgbClr val="ffffff"/>
+                    <a:srgbClr val="FFFFFF"/>
                   </a:solidFill>
                 </a:uFill>
                 <a:latin typeface="Calibri"/>
@@ -6301,13 +6413,13 @@
               </a:rPr>
               <a:t>Nasz program pozwala na podgląd ekranu, uruchomionych procesów, oraz otwartych stron.</a:t>
             </a:r>
-            <a:endParaRPr b="0" lang="pl-PL" sz="1800" spc="-1" strike="noStrike">
-              <a:solidFill>
-                <a:srgbClr val="000000"/>
-              </a:solidFill>
-              <a:uFill>
-                <a:solidFill>
-                  <a:srgbClr val="ffffff"/>
+            <a:endParaRPr lang="pl-PL" sz="2400" b="0" strike="noStrike" spc="-1" dirty="0">
+              <a:solidFill>
+                <a:srgbClr val="000000"/>
+              </a:solidFill>
+              <a:uFill>
+                <a:solidFill>
+                  <a:srgbClr val="FFFFFF"/>
                 </a:solidFill>
               </a:uFill>
               <a:latin typeface="Arial"/>
@@ -6317,22 +6429,25 @@
       </p:sp>
     </p:spTree>
   </p:cSld>
+  <p:clrMapOvr>
+    <a:masterClrMapping/>
+  </p:clrMapOvr>
   <p:timing>
     <p:tnLst>
       <p:par>
-        <p:cTn id="7" dur="indefinite" restart="never" nodeType="tmRoot">
+        <p:cTn id="1" dur="indefinite" restart="never" nodeType="tmRoot">
           <p:childTnLst>
             <p:seq>
-              <p:cTn id="8" nodeType="mainSeq"/>
+              <p:cTn id="2" nodeType="mainSeq"/>
               <p:prevCondLst>
-                <p:cond delay="0" evt="onPrev">
+                <p:cond evt="onPrev" delay="0">
                   <p:tgtEl>
                     <p:sldTgt/>
                   </p:tgtEl>
                 </p:cond>
               </p:prevCondLst>
               <p:nextCondLst>
-                <p:cond delay="0" evt="onNext">
+                <p:cond evt="onNext" delay="0">
                   <p:tgtEl>
                     <p:sldTgt/>
                   </p:tgtEl>
@@ -6348,7 +6463,7 @@
 </file>
 
 <file path=ppt/slides/slide5.xml><?xml version="1.0" encoding="utf-8"?>
-<p:sld xmlns:a="http://schemas.openxmlformats.org/drawingml/2006/main" xmlns:p="http://schemas.openxmlformats.org/presentationml/2006/main" xmlns:r="http://schemas.openxmlformats.org/officeDocument/2006/relationships" xmlns:p14="http://schemas.microsoft.com/office/powerpoint/2010/main" xmlns:p15="http://schemas.microsoft.com/office/powerpoint/2012/main" xmlns:mc="http://schemas.openxmlformats.org/markup-compatibility/2006">
+<p:sld xmlns:a="http://schemas.openxmlformats.org/drawingml/2006/main" xmlns:r="http://schemas.openxmlformats.org/officeDocument/2006/relationships" xmlns:p="http://schemas.openxmlformats.org/presentationml/2006/main">
   <p:cSld>
     <p:spTree>
       <p:nvGrpSpPr>
@@ -6366,6 +6481,69 @@
       </p:grpSpPr>
       <p:sp>
         <p:nvSpPr>
+          <p:cNvPr id="2" name="Tytuł 1"/>
+          <p:cNvSpPr>
+            <a:spLocks noGrp="1"/>
+          </p:cNvSpPr>
+          <p:nvPr>
+            <p:ph type="title"/>
+          </p:nvPr>
+        </p:nvSpPr>
+        <p:spPr>
+          <a:xfrm>
+            <a:off x="395536" y="2204864"/>
+            <a:ext cx="8229240" cy="1144800"/>
+          </a:xfrm>
+        </p:spPr>
+        <p:txBody>
+          <a:bodyPr/>
+          <a:lstStyle/>
+          <a:p>
+            <a:pPr algn="ctr"/>
+            <a:r>
+              <a:rPr lang="pl-PL" sz="4400" dirty="0" smtClean="0">
+                <a:latin typeface="Calibri" panose="020F0502020204030204" pitchFamily="34" charset="0"/>
+              </a:rPr>
+              <a:t>Prezentacja</a:t>
+            </a:r>
+            <a:endParaRPr lang="pl-PL" sz="4400" dirty="0">
+              <a:latin typeface="Calibri" panose="020F0502020204030204" pitchFamily="34" charset="0"/>
+            </a:endParaRPr>
+          </a:p>
+        </p:txBody>
+      </p:sp>
+    </p:spTree>
+    <p:extLst>
+      <p:ext uri="{BB962C8B-B14F-4D97-AF65-F5344CB8AC3E}">
+        <p14:creationId xmlns:p14="http://schemas.microsoft.com/office/powerpoint/2010/main" val="2004347440"/>
+      </p:ext>
+    </p:extLst>
+  </p:cSld>
+  <p:clrMapOvr>
+    <a:masterClrMapping/>
+  </p:clrMapOvr>
+</p:sld>
+</file>
+
+<file path=ppt/slides/slide6.xml><?xml version="1.0" encoding="utf-8"?>
+<p:sld xmlns:a="http://schemas.openxmlformats.org/drawingml/2006/main" xmlns:r="http://schemas.openxmlformats.org/officeDocument/2006/relationships" xmlns:p="http://schemas.openxmlformats.org/presentationml/2006/main">
+  <p:cSld>
+    <p:spTree>
+      <p:nvGrpSpPr>
+        <p:cNvPr id="1" name=""/>
+        <p:cNvGrpSpPr/>
+        <p:nvPr/>
+      </p:nvGrpSpPr>
+      <p:grpSpPr>
+        <a:xfrm>
+          <a:off x="0" y="0"/>
+          <a:ext cx="0" cy="0"/>
+          <a:chOff x="0" y="0"/>
+          <a:chExt cx="0" cy="0"/>
+        </a:xfrm>
+      </p:grpSpPr>
+      <p:sp>
+        <p:nvSpPr>
           <p:cNvPr id="117" name="CustomShape 1"/>
           <p:cNvSpPr/>
           <p:nvPr/>
@@ -6384,13 +6562,20 @@
           </a:ln>
         </p:spPr>
         <p:style>
-          <a:lnRef idx="0"/>
-          <a:fillRef idx="0"/>
-          <a:effectRef idx="0"/>
+          <a:lnRef idx="0">
+            <a:scrgbClr r="0" g="0" b="0"/>
+          </a:lnRef>
+          <a:fillRef idx="0">
+            <a:scrgbClr r="0" g="0" b="0"/>
+          </a:fillRef>
+          <a:effectRef idx="0">
+            <a:scrgbClr r="0" g="0" b="0"/>
+          </a:effectRef>
           <a:fontRef idx="minor"/>
         </p:style>
         <p:txBody>
-          <a:bodyPr lIns="90000" rIns="90000" tIns="45000" bIns="45000" anchor="ctr"/>
+          <a:bodyPr lIns="90000" tIns="45000" rIns="90000" bIns="45000" anchor="ctr"/>
+          <a:lstStyle/>
           <a:p>
             <a:pPr algn="ctr">
               <a:lnSpc>
@@ -6398,13 +6583,13 @@
               </a:lnSpc>
             </a:pPr>
             <a:r>
-              <a:rPr b="0" lang="pl-PL" sz="4400" spc="-1" strike="noStrike">
+              <a:rPr lang="pl-PL" sz="4400" b="0" strike="noStrike" spc="-1">
                 <a:solidFill>
                   <a:srgbClr val="000000"/>
                 </a:solidFill>
                 <a:uFill>
                   <a:solidFill>
-                    <a:srgbClr val="ffffff"/>
+                    <a:srgbClr val="FFFFFF"/>
                   </a:solidFill>
                 </a:uFill>
                 <a:latin typeface="Calibri"/>
@@ -6412,13 +6597,13 @@
               </a:rPr>
               <a:t>Dziękujemy za uwagę</a:t>
             </a:r>
-            <a:endParaRPr b="0" lang="pl-PL" sz="1800" spc="-1" strike="noStrike">
-              <a:solidFill>
-                <a:srgbClr val="000000"/>
-              </a:solidFill>
-              <a:uFill>
-                <a:solidFill>
-                  <a:srgbClr val="ffffff"/>
+            <a:endParaRPr lang="pl-PL" sz="1800" b="0" strike="noStrike" spc="-1">
+              <a:solidFill>
+                <a:srgbClr val="000000"/>
+              </a:solidFill>
+              <a:uFill>
+                <a:solidFill>
+                  <a:srgbClr val="FFFFFF"/>
                 </a:solidFill>
               </a:uFill>
               <a:latin typeface="Arial"/>
@@ -6428,22 +6613,25 @@
       </p:sp>
     </p:spTree>
   </p:cSld>
+  <p:clrMapOvr>
+    <a:masterClrMapping/>
+  </p:clrMapOvr>
   <p:timing>
     <p:tnLst>
       <p:par>
-        <p:cTn id="9" dur="indefinite" restart="never" nodeType="tmRoot">
+        <p:cTn id="1" dur="indefinite" restart="never" nodeType="tmRoot">
           <p:childTnLst>
             <p:seq>
-              <p:cTn id="10" nodeType="mainSeq"/>
+              <p:cTn id="2" nodeType="mainSeq"/>
               <p:prevCondLst>
-                <p:cond delay="0" evt="onPrev">
+                <p:cond evt="onPrev" delay="0">
                   <p:tgtEl>
                     <p:sldTgt/>
                   </p:tgtEl>
                 </p:cond>
               </p:prevCondLst>
               <p:nextCondLst>
-                <p:cond delay="0" evt="onNext">
+                <p:cond evt="onNext" delay="0">
                   <p:tgtEl>
                     <p:sldTgt/>
                   </p:tgtEl>
@@ -6678,6 +6866,8 @@
       </a:bgFillStyleLst>
     </a:fmtScheme>
   </a:themeElements>
+  <a:objectDefaults/>
+  <a:extraClrSchemeLst/>
 </a:theme>
 </file>
 
@@ -6901,6 +7091,8 @@
       </a:bgFillStyleLst>
     </a:fmtScheme>
   </a:themeElements>
+  <a:objectDefaults/>
+  <a:extraClrSchemeLst/>
 </a:theme>
 </file>
 
@@ -7124,5 +7316,7 @@
       </a:bgFillStyleLst>
     </a:fmtScheme>
   </a:themeElements>
+  <a:objectDefaults/>
+  <a:extraClrSchemeLst/>
 </a:theme>
 </file>